--- a/30/200727_JavaScript_DevEnv.pptx
+++ b/30/200727_JavaScript_DevEnv.pptx
@@ -5,52 +5,40 @@
     <p:sldMasterId id="2147483672" r:id="rId1"/>
   </p:sldMasterIdLst>
   <p:notesMasterIdLst>
-    <p:notesMasterId r:id="rId18"/>
+    <p:notesMasterId r:id="rId6"/>
   </p:notesMasterIdLst>
   <p:handoutMasterIdLst>
-    <p:handoutMasterId r:id="rId19"/>
+    <p:handoutMasterId r:id="rId7"/>
   </p:handoutMasterIdLst>
   <p:sldIdLst>
     <p:sldId id="357" r:id="rId2"/>
     <p:sldId id="500" r:id="rId3"/>
     <p:sldId id="530" r:id="rId4"/>
     <p:sldId id="529" r:id="rId5"/>
-    <p:sldId id="531" r:id="rId6"/>
-    <p:sldId id="528" r:id="rId7"/>
-    <p:sldId id="501" r:id="rId8"/>
-    <p:sldId id="507" r:id="rId9"/>
-    <p:sldId id="517" r:id="rId10"/>
-    <p:sldId id="508" r:id="rId11"/>
-    <p:sldId id="503" r:id="rId12"/>
-    <p:sldId id="506" r:id="rId13"/>
-    <p:sldId id="510" r:id="rId14"/>
-    <p:sldId id="515" r:id="rId15"/>
-    <p:sldId id="473" r:id="rId16"/>
-    <p:sldId id="523" r:id="rId17"/>
   </p:sldIdLst>
   <p:sldSz cx="10160000" cy="5715000"/>
   <p:notesSz cx="9996488" cy="6865938"/>
   <p:embeddedFontLst>
     <p:embeddedFont>
+      <p:font typeface="Calibri Light" panose="020F0302020204030204" pitchFamily="34" charset="0"/>
+      <p:regular r:id="rId8"/>
+      <p:italic r:id="rId9"/>
+    </p:embeddedFont>
+    <p:embeddedFont>
       <p:font typeface="Calibri" panose="020F0502020204030204" pitchFamily="34" charset="0"/>
-      <p:regular r:id="rId20"/>
-      <p:bold r:id="rId21"/>
-      <p:italic r:id="rId22"/>
-      <p:boldItalic r:id="rId23"/>
+      <p:regular r:id="rId10"/>
+      <p:bold r:id="rId11"/>
+      <p:italic r:id="rId12"/>
+      <p:boldItalic r:id="rId13"/>
     </p:embeddedFont>
     <p:embeddedFont>
       <p:font typeface="맑은 고딕" panose="020B0503020000020004" pitchFamily="50" charset="-127"/>
-      <p:regular r:id="rId24"/>
-      <p:bold r:id="rId25"/>
+      <p:regular r:id="rId14"/>
+      <p:bold r:id="rId15"/>
     </p:embeddedFont>
     <p:embeddedFont>
       <p:font typeface="맑은 고딕 Semilight" panose="020B0502040204020203" pitchFamily="50" charset="-127"/>
-      <p:regular r:id="rId26"/>
-    </p:embeddedFont>
-    <p:embeddedFont>
-      <p:font typeface="Calibri Light" panose="020F0302020204030204" pitchFamily="34" charset="0"/>
-      <p:regular r:id="rId27"/>
-      <p:italic r:id="rId28"/>
+      <p:regular r:id="rId16"/>
     </p:embeddedFont>
   </p:embeddedFontLst>
   <p:defaultTextStyle>
@@ -238,7 +226,7 @@
           <a:p>
             <a:fld id="{9FE52F76-AF59-42F6-9CE2-B65810388E55}" type="datetimeFigureOut">
               <a:rPr lang="ko-KR" altLang="en-US" smtClean="0"/>
-              <a:t>2020-07-27</a:t>
+              <a:t>2020-08-05</a:t>
             </a:fld>
             <a:endParaRPr lang="ko-KR" altLang="en-US"/>
           </a:p>
@@ -403,7 +391,7 @@
           <a:p>
             <a:fld id="{75C19CB4-4756-4824-8E84-477C40131107}" type="datetimeFigureOut">
               <a:rPr lang="ko-KR" altLang="en-US" smtClean="0"/>
-              <a:t>2020-07-27</a:t>
+              <a:t>2020-08-05</a:t>
             </a:fld>
             <a:endParaRPr lang="ko-KR" altLang="en-US"/>
           </a:p>
@@ -776,618 +764,6 @@
 </p:notes>
 </file>
 
-<file path=ppt/notesSlides/notesSlide10.xml><?xml version="1.0" encoding="utf-8"?>
-<p:notes xmlns:a="http://schemas.openxmlformats.org/drawingml/2006/main" xmlns:r="http://schemas.openxmlformats.org/officeDocument/2006/relationships" xmlns:p="http://schemas.openxmlformats.org/presentationml/2006/main">
-  <p:cSld>
-    <p:spTree>
-      <p:nvGrpSpPr>
-        <p:cNvPr id="1" name=""/>
-        <p:cNvGrpSpPr/>
-        <p:nvPr/>
-      </p:nvGrpSpPr>
-      <p:grpSpPr>
-        <a:xfrm>
-          <a:off x="0" y="0"/>
-          <a:ext cx="0" cy="0"/>
-          <a:chOff x="0" y="0"/>
-          <a:chExt cx="0" cy="0"/>
-        </a:xfrm>
-      </p:grpSpPr>
-      <p:sp>
-        <p:nvSpPr>
-          <p:cNvPr id="2" name="슬라이드 이미지 개체 틀 1"/>
-          <p:cNvSpPr>
-            <a:spLocks noGrp="1" noRot="1" noChangeAspect="1"/>
-          </p:cNvSpPr>
-          <p:nvPr>
-            <p:ph type="sldImg"/>
-          </p:nvPr>
-        </p:nvSpPr>
-        <p:spPr/>
-      </p:sp>
-      <p:sp>
-        <p:nvSpPr>
-          <p:cNvPr id="3" name="슬라이드 노트 개체 틀 2"/>
-          <p:cNvSpPr>
-            <a:spLocks noGrp="1"/>
-          </p:cNvSpPr>
-          <p:nvPr>
-            <p:ph type="body" idx="1"/>
-          </p:nvPr>
-        </p:nvSpPr>
-        <p:spPr/>
-        <p:txBody>
-          <a:bodyPr/>
-          <a:lstStyle/>
-          <a:p>
-            <a:pPr marL="0" marR="0" indent="0" algn="l" defTabSz="914400" rtl="0" eaLnBrk="1" fontAlgn="auto" latinLnBrk="1" hangingPunct="1">
-              <a:lnSpc>
-                <a:spcPct val="100000"/>
-              </a:lnSpc>
-              <a:spcBef>
-                <a:spcPts val="0"/>
-              </a:spcBef>
-              <a:spcAft>
-                <a:spcPts val="0"/>
-              </a:spcAft>
-              <a:buClrTx/>
-              <a:buSzTx/>
-              <a:buFontTx/>
-              <a:buNone/>
-              <a:tabLst/>
-              <a:defRPr/>
-            </a:pPr>
-            <a:endParaRPr lang="ko-KR" altLang="en-US" dirty="0"/>
-          </a:p>
-        </p:txBody>
-      </p:sp>
-      <p:sp>
-        <p:nvSpPr>
-          <p:cNvPr id="4" name="슬라이드 번호 개체 틀 3"/>
-          <p:cNvSpPr>
-            <a:spLocks noGrp="1"/>
-          </p:cNvSpPr>
-          <p:nvPr>
-            <p:ph type="sldNum" sz="quarter" idx="10"/>
-          </p:nvPr>
-        </p:nvSpPr>
-        <p:spPr/>
-        <p:txBody>
-          <a:bodyPr/>
-          <a:lstStyle/>
-          <a:p>
-            <a:fld id="{A6D625BF-EF7C-4F5D-B58E-C92BFFBBF146}" type="slidenum">
-              <a:rPr lang="ko-KR" altLang="en-US" smtClean="0"/>
-              <a:t>11</a:t>
-            </a:fld>
-            <a:endParaRPr lang="ko-KR" altLang="en-US"/>
-          </a:p>
-        </p:txBody>
-      </p:sp>
-    </p:spTree>
-    <p:extLst>
-      <p:ext uri="{BB962C8B-B14F-4D97-AF65-F5344CB8AC3E}">
-        <p14:creationId xmlns:p14="http://schemas.microsoft.com/office/powerpoint/2010/main" val="3704285358"/>
-      </p:ext>
-    </p:extLst>
-  </p:cSld>
-  <p:clrMapOvr>
-    <a:masterClrMapping/>
-  </p:clrMapOvr>
-</p:notes>
-</file>
-
-<file path=ppt/notesSlides/notesSlide11.xml><?xml version="1.0" encoding="utf-8"?>
-<p:notes xmlns:a="http://schemas.openxmlformats.org/drawingml/2006/main" xmlns:r="http://schemas.openxmlformats.org/officeDocument/2006/relationships" xmlns:p="http://schemas.openxmlformats.org/presentationml/2006/main">
-  <p:cSld>
-    <p:spTree>
-      <p:nvGrpSpPr>
-        <p:cNvPr id="1" name=""/>
-        <p:cNvGrpSpPr/>
-        <p:nvPr/>
-      </p:nvGrpSpPr>
-      <p:grpSpPr>
-        <a:xfrm>
-          <a:off x="0" y="0"/>
-          <a:ext cx="0" cy="0"/>
-          <a:chOff x="0" y="0"/>
-          <a:chExt cx="0" cy="0"/>
-        </a:xfrm>
-      </p:grpSpPr>
-      <p:sp>
-        <p:nvSpPr>
-          <p:cNvPr id="2" name="슬라이드 이미지 개체 틀 1"/>
-          <p:cNvSpPr>
-            <a:spLocks noGrp="1" noRot="1" noChangeAspect="1"/>
-          </p:cNvSpPr>
-          <p:nvPr>
-            <p:ph type="sldImg"/>
-          </p:nvPr>
-        </p:nvSpPr>
-        <p:spPr/>
-      </p:sp>
-      <p:sp>
-        <p:nvSpPr>
-          <p:cNvPr id="3" name="슬라이드 노트 개체 틀 2"/>
-          <p:cNvSpPr>
-            <a:spLocks noGrp="1"/>
-          </p:cNvSpPr>
-          <p:nvPr>
-            <p:ph type="body" idx="1"/>
-          </p:nvPr>
-        </p:nvSpPr>
-        <p:spPr/>
-        <p:txBody>
-          <a:bodyPr/>
-          <a:lstStyle/>
-          <a:p>
-            <a:pPr marL="0" marR="0" indent="0" algn="l" defTabSz="914400" rtl="0" eaLnBrk="1" fontAlgn="auto" latinLnBrk="1" hangingPunct="1">
-              <a:lnSpc>
-                <a:spcPct val="100000"/>
-              </a:lnSpc>
-              <a:spcBef>
-                <a:spcPts val="0"/>
-              </a:spcBef>
-              <a:spcAft>
-                <a:spcPts val="0"/>
-              </a:spcAft>
-              <a:buClrTx/>
-              <a:buSzTx/>
-              <a:buFontTx/>
-              <a:buNone/>
-              <a:tabLst/>
-              <a:defRPr/>
-            </a:pPr>
-            <a:r>
-              <a:rPr lang="en-US" altLang="ko-KR" dirty="0" smtClean="0">
-                <a:hlinkClick r:id="rId3"/>
-              </a:rPr>
-              <a:t>https://coding-factory.tistory.com/249</a:t>
-            </a:r>
-            <a:endParaRPr lang="ko-KR" altLang="en-US" dirty="0"/>
-          </a:p>
-        </p:txBody>
-      </p:sp>
-      <p:sp>
-        <p:nvSpPr>
-          <p:cNvPr id="4" name="슬라이드 번호 개체 틀 3"/>
-          <p:cNvSpPr>
-            <a:spLocks noGrp="1"/>
-          </p:cNvSpPr>
-          <p:nvPr>
-            <p:ph type="sldNum" sz="quarter" idx="10"/>
-          </p:nvPr>
-        </p:nvSpPr>
-        <p:spPr/>
-        <p:txBody>
-          <a:bodyPr/>
-          <a:lstStyle/>
-          <a:p>
-            <a:fld id="{A6D625BF-EF7C-4F5D-B58E-C92BFFBBF146}" type="slidenum">
-              <a:rPr lang="ko-KR" altLang="en-US" smtClean="0"/>
-              <a:t>12</a:t>
-            </a:fld>
-            <a:endParaRPr lang="ko-KR" altLang="en-US"/>
-          </a:p>
-        </p:txBody>
-      </p:sp>
-    </p:spTree>
-    <p:extLst>
-      <p:ext uri="{BB962C8B-B14F-4D97-AF65-F5344CB8AC3E}">
-        <p14:creationId xmlns:p14="http://schemas.microsoft.com/office/powerpoint/2010/main" val="4146828308"/>
-      </p:ext>
-    </p:extLst>
-  </p:cSld>
-  <p:clrMapOvr>
-    <a:masterClrMapping/>
-  </p:clrMapOvr>
-</p:notes>
-</file>
-
-<file path=ppt/notesSlides/notesSlide12.xml><?xml version="1.0" encoding="utf-8"?>
-<p:notes xmlns:a="http://schemas.openxmlformats.org/drawingml/2006/main" xmlns:r="http://schemas.openxmlformats.org/officeDocument/2006/relationships" xmlns:p="http://schemas.openxmlformats.org/presentationml/2006/main">
-  <p:cSld>
-    <p:spTree>
-      <p:nvGrpSpPr>
-        <p:cNvPr id="1" name=""/>
-        <p:cNvGrpSpPr/>
-        <p:nvPr/>
-      </p:nvGrpSpPr>
-      <p:grpSpPr>
-        <a:xfrm>
-          <a:off x="0" y="0"/>
-          <a:ext cx="0" cy="0"/>
-          <a:chOff x="0" y="0"/>
-          <a:chExt cx="0" cy="0"/>
-        </a:xfrm>
-      </p:grpSpPr>
-      <p:sp>
-        <p:nvSpPr>
-          <p:cNvPr id="2" name="슬라이드 이미지 개체 틀 1"/>
-          <p:cNvSpPr>
-            <a:spLocks noGrp="1" noRot="1" noChangeAspect="1"/>
-          </p:cNvSpPr>
-          <p:nvPr>
-            <p:ph type="sldImg"/>
-          </p:nvPr>
-        </p:nvSpPr>
-        <p:spPr/>
-      </p:sp>
-      <p:sp>
-        <p:nvSpPr>
-          <p:cNvPr id="3" name="슬라이드 노트 개체 틀 2"/>
-          <p:cNvSpPr>
-            <a:spLocks noGrp="1"/>
-          </p:cNvSpPr>
-          <p:nvPr>
-            <p:ph type="body" idx="1"/>
-          </p:nvPr>
-        </p:nvSpPr>
-        <p:spPr/>
-        <p:txBody>
-          <a:bodyPr/>
-          <a:lstStyle/>
-          <a:p>
-            <a:pPr marL="0" marR="0" indent="0" algn="l" defTabSz="914400" rtl="0" eaLnBrk="1" fontAlgn="auto" latinLnBrk="1" hangingPunct="1">
-              <a:lnSpc>
-                <a:spcPct val="100000"/>
-              </a:lnSpc>
-              <a:spcBef>
-                <a:spcPts val="0"/>
-              </a:spcBef>
-              <a:spcAft>
-                <a:spcPts val="0"/>
-              </a:spcAft>
-              <a:buClrTx/>
-              <a:buSzTx/>
-              <a:buFontTx/>
-              <a:buNone/>
-              <a:tabLst/>
-              <a:defRPr/>
-            </a:pPr>
-            <a:endParaRPr lang="ko-KR" altLang="en-US" dirty="0"/>
-          </a:p>
-        </p:txBody>
-      </p:sp>
-      <p:sp>
-        <p:nvSpPr>
-          <p:cNvPr id="4" name="슬라이드 번호 개체 틀 3"/>
-          <p:cNvSpPr>
-            <a:spLocks noGrp="1"/>
-          </p:cNvSpPr>
-          <p:nvPr>
-            <p:ph type="sldNum" sz="quarter" idx="10"/>
-          </p:nvPr>
-        </p:nvSpPr>
-        <p:spPr/>
-        <p:txBody>
-          <a:bodyPr/>
-          <a:lstStyle/>
-          <a:p>
-            <a:fld id="{A6D625BF-EF7C-4F5D-B58E-C92BFFBBF146}" type="slidenum">
-              <a:rPr lang="ko-KR" altLang="en-US" smtClean="0"/>
-              <a:t>13</a:t>
-            </a:fld>
-            <a:endParaRPr lang="ko-KR" altLang="en-US"/>
-          </a:p>
-        </p:txBody>
-      </p:sp>
-    </p:spTree>
-    <p:extLst>
-      <p:ext uri="{BB962C8B-B14F-4D97-AF65-F5344CB8AC3E}">
-        <p14:creationId xmlns:p14="http://schemas.microsoft.com/office/powerpoint/2010/main" val="877931929"/>
-      </p:ext>
-    </p:extLst>
-  </p:cSld>
-  <p:clrMapOvr>
-    <a:masterClrMapping/>
-  </p:clrMapOvr>
-</p:notes>
-</file>
-
-<file path=ppt/notesSlides/notesSlide13.xml><?xml version="1.0" encoding="utf-8"?>
-<p:notes xmlns:a="http://schemas.openxmlformats.org/drawingml/2006/main" xmlns:r="http://schemas.openxmlformats.org/officeDocument/2006/relationships" xmlns:p="http://schemas.openxmlformats.org/presentationml/2006/main">
-  <p:cSld>
-    <p:spTree>
-      <p:nvGrpSpPr>
-        <p:cNvPr id="1" name=""/>
-        <p:cNvGrpSpPr/>
-        <p:nvPr/>
-      </p:nvGrpSpPr>
-      <p:grpSpPr>
-        <a:xfrm>
-          <a:off x="0" y="0"/>
-          <a:ext cx="0" cy="0"/>
-          <a:chOff x="0" y="0"/>
-          <a:chExt cx="0" cy="0"/>
-        </a:xfrm>
-      </p:grpSpPr>
-      <p:sp>
-        <p:nvSpPr>
-          <p:cNvPr id="2" name="슬라이드 이미지 개체 틀 1"/>
-          <p:cNvSpPr>
-            <a:spLocks noGrp="1" noRot="1" noChangeAspect="1"/>
-          </p:cNvSpPr>
-          <p:nvPr>
-            <p:ph type="sldImg"/>
-          </p:nvPr>
-        </p:nvSpPr>
-        <p:spPr/>
-      </p:sp>
-      <p:sp>
-        <p:nvSpPr>
-          <p:cNvPr id="3" name="슬라이드 노트 개체 틀 2"/>
-          <p:cNvSpPr>
-            <a:spLocks noGrp="1"/>
-          </p:cNvSpPr>
-          <p:nvPr>
-            <p:ph type="body" idx="1"/>
-          </p:nvPr>
-        </p:nvSpPr>
-        <p:spPr/>
-        <p:txBody>
-          <a:bodyPr/>
-          <a:lstStyle/>
-          <a:p>
-            <a:pPr marL="0" marR="0" indent="0" algn="l" defTabSz="914400" rtl="0" eaLnBrk="1" fontAlgn="auto" latinLnBrk="1" hangingPunct="1">
-              <a:lnSpc>
-                <a:spcPct val="100000"/>
-              </a:lnSpc>
-              <a:spcBef>
-                <a:spcPts val="0"/>
-              </a:spcBef>
-              <a:spcAft>
-                <a:spcPts val="0"/>
-              </a:spcAft>
-              <a:buClrTx/>
-              <a:buSzTx/>
-              <a:buFontTx/>
-              <a:buNone/>
-              <a:tabLst/>
-              <a:defRPr/>
-            </a:pPr>
-            <a:endParaRPr lang="ko-KR" altLang="en-US" dirty="0"/>
-          </a:p>
-        </p:txBody>
-      </p:sp>
-      <p:sp>
-        <p:nvSpPr>
-          <p:cNvPr id="4" name="슬라이드 번호 개체 틀 3"/>
-          <p:cNvSpPr>
-            <a:spLocks noGrp="1"/>
-          </p:cNvSpPr>
-          <p:nvPr>
-            <p:ph type="sldNum" sz="quarter" idx="10"/>
-          </p:nvPr>
-        </p:nvSpPr>
-        <p:spPr/>
-        <p:txBody>
-          <a:bodyPr/>
-          <a:lstStyle/>
-          <a:p>
-            <a:fld id="{A6D625BF-EF7C-4F5D-B58E-C92BFFBBF146}" type="slidenum">
-              <a:rPr lang="ko-KR" altLang="en-US" smtClean="0"/>
-              <a:t>14</a:t>
-            </a:fld>
-            <a:endParaRPr lang="ko-KR" altLang="en-US"/>
-          </a:p>
-        </p:txBody>
-      </p:sp>
-    </p:spTree>
-    <p:extLst>
-      <p:ext uri="{BB962C8B-B14F-4D97-AF65-F5344CB8AC3E}">
-        <p14:creationId xmlns:p14="http://schemas.microsoft.com/office/powerpoint/2010/main" val="2210657953"/>
-      </p:ext>
-    </p:extLst>
-  </p:cSld>
-  <p:clrMapOvr>
-    <a:masterClrMapping/>
-  </p:clrMapOvr>
-</p:notes>
-</file>
-
-<file path=ppt/notesSlides/notesSlide14.xml><?xml version="1.0" encoding="utf-8"?>
-<p:notes xmlns:a="http://schemas.openxmlformats.org/drawingml/2006/main" xmlns:r="http://schemas.openxmlformats.org/officeDocument/2006/relationships" xmlns:p="http://schemas.openxmlformats.org/presentationml/2006/main">
-  <p:cSld>
-    <p:spTree>
-      <p:nvGrpSpPr>
-        <p:cNvPr id="1" name=""/>
-        <p:cNvGrpSpPr/>
-        <p:nvPr/>
-      </p:nvGrpSpPr>
-      <p:grpSpPr>
-        <a:xfrm>
-          <a:off x="0" y="0"/>
-          <a:ext cx="0" cy="0"/>
-          <a:chOff x="0" y="0"/>
-          <a:chExt cx="0" cy="0"/>
-        </a:xfrm>
-      </p:grpSpPr>
-      <p:sp>
-        <p:nvSpPr>
-          <p:cNvPr id="2" name="슬라이드 이미지 개체 틀 1"/>
-          <p:cNvSpPr>
-            <a:spLocks noGrp="1" noRot="1" noChangeAspect="1"/>
-          </p:cNvSpPr>
-          <p:nvPr>
-            <p:ph type="sldImg"/>
-          </p:nvPr>
-        </p:nvSpPr>
-        <p:spPr/>
-      </p:sp>
-      <p:sp>
-        <p:nvSpPr>
-          <p:cNvPr id="3" name="슬라이드 노트 개체 틀 2"/>
-          <p:cNvSpPr>
-            <a:spLocks noGrp="1"/>
-          </p:cNvSpPr>
-          <p:nvPr>
-            <p:ph type="body" idx="1"/>
-          </p:nvPr>
-        </p:nvSpPr>
-        <p:spPr/>
-        <p:txBody>
-          <a:bodyPr/>
-          <a:lstStyle/>
-          <a:p>
-            <a:pPr marL="0" marR="0" indent="0" algn="l" defTabSz="914400" rtl="0" eaLnBrk="1" fontAlgn="auto" latinLnBrk="1" hangingPunct="1">
-              <a:lnSpc>
-                <a:spcPct val="100000"/>
-              </a:lnSpc>
-              <a:spcBef>
-                <a:spcPts val="0"/>
-              </a:spcBef>
-              <a:spcAft>
-                <a:spcPts val="0"/>
-              </a:spcAft>
-              <a:buClrTx/>
-              <a:buSzTx/>
-              <a:buFontTx/>
-              <a:buNone/>
-              <a:tabLst/>
-              <a:defRPr/>
-            </a:pPr>
-            <a:endParaRPr lang="ko-KR" altLang="en-US" dirty="0"/>
-          </a:p>
-        </p:txBody>
-      </p:sp>
-      <p:sp>
-        <p:nvSpPr>
-          <p:cNvPr id="4" name="슬라이드 번호 개체 틀 3"/>
-          <p:cNvSpPr>
-            <a:spLocks noGrp="1"/>
-          </p:cNvSpPr>
-          <p:nvPr>
-            <p:ph type="sldNum" sz="quarter" idx="10"/>
-          </p:nvPr>
-        </p:nvSpPr>
-        <p:spPr/>
-        <p:txBody>
-          <a:bodyPr/>
-          <a:lstStyle/>
-          <a:p>
-            <a:fld id="{A6D625BF-EF7C-4F5D-B58E-C92BFFBBF146}" type="slidenum">
-              <a:rPr lang="ko-KR" altLang="en-US" smtClean="0"/>
-              <a:t>15</a:t>
-            </a:fld>
-            <a:endParaRPr lang="ko-KR" altLang="en-US"/>
-          </a:p>
-        </p:txBody>
-      </p:sp>
-    </p:spTree>
-    <p:extLst>
-      <p:ext uri="{BB962C8B-B14F-4D97-AF65-F5344CB8AC3E}">
-        <p14:creationId xmlns:p14="http://schemas.microsoft.com/office/powerpoint/2010/main" val="4137761472"/>
-      </p:ext>
-    </p:extLst>
-  </p:cSld>
-  <p:clrMapOvr>
-    <a:masterClrMapping/>
-  </p:clrMapOvr>
-</p:notes>
-</file>
-
-<file path=ppt/notesSlides/notesSlide15.xml><?xml version="1.0" encoding="utf-8"?>
-<p:notes xmlns:a="http://schemas.openxmlformats.org/drawingml/2006/main" xmlns:r="http://schemas.openxmlformats.org/officeDocument/2006/relationships" xmlns:p="http://schemas.openxmlformats.org/presentationml/2006/main">
-  <p:cSld>
-    <p:spTree>
-      <p:nvGrpSpPr>
-        <p:cNvPr id="1" name=""/>
-        <p:cNvGrpSpPr/>
-        <p:nvPr/>
-      </p:nvGrpSpPr>
-      <p:grpSpPr>
-        <a:xfrm>
-          <a:off x="0" y="0"/>
-          <a:ext cx="0" cy="0"/>
-          <a:chOff x="0" y="0"/>
-          <a:chExt cx="0" cy="0"/>
-        </a:xfrm>
-      </p:grpSpPr>
-      <p:sp>
-        <p:nvSpPr>
-          <p:cNvPr id="2" name="슬라이드 이미지 개체 틀 1"/>
-          <p:cNvSpPr>
-            <a:spLocks noGrp="1" noRot="1" noChangeAspect="1"/>
-          </p:cNvSpPr>
-          <p:nvPr>
-            <p:ph type="sldImg"/>
-          </p:nvPr>
-        </p:nvSpPr>
-        <p:spPr/>
-      </p:sp>
-      <p:sp>
-        <p:nvSpPr>
-          <p:cNvPr id="3" name="슬라이드 노트 개체 틀 2"/>
-          <p:cNvSpPr>
-            <a:spLocks noGrp="1"/>
-          </p:cNvSpPr>
-          <p:nvPr>
-            <p:ph type="body" idx="1"/>
-          </p:nvPr>
-        </p:nvSpPr>
-        <p:spPr/>
-        <p:txBody>
-          <a:bodyPr/>
-          <a:lstStyle/>
-          <a:p>
-            <a:pPr marL="0" marR="0" indent="0" algn="l" defTabSz="914400" rtl="0" eaLnBrk="1" fontAlgn="auto" latinLnBrk="1" hangingPunct="1">
-              <a:lnSpc>
-                <a:spcPct val="100000"/>
-              </a:lnSpc>
-              <a:spcBef>
-                <a:spcPts val="0"/>
-              </a:spcBef>
-              <a:spcAft>
-                <a:spcPts val="0"/>
-              </a:spcAft>
-              <a:buClrTx/>
-              <a:buSzTx/>
-              <a:buFontTx/>
-              <a:buNone/>
-              <a:tabLst/>
-              <a:defRPr/>
-            </a:pPr>
-            <a:endParaRPr lang="ko-KR" altLang="en-US" dirty="0"/>
-          </a:p>
-        </p:txBody>
-      </p:sp>
-      <p:sp>
-        <p:nvSpPr>
-          <p:cNvPr id="4" name="슬라이드 번호 개체 틀 3"/>
-          <p:cNvSpPr>
-            <a:spLocks noGrp="1"/>
-          </p:cNvSpPr>
-          <p:nvPr>
-            <p:ph type="sldNum" sz="quarter" idx="10"/>
-          </p:nvPr>
-        </p:nvSpPr>
-        <p:spPr/>
-        <p:txBody>
-          <a:bodyPr/>
-          <a:lstStyle/>
-          <a:p>
-            <a:fld id="{A6D625BF-EF7C-4F5D-B58E-C92BFFBBF146}" type="slidenum">
-              <a:rPr lang="ko-KR" altLang="en-US" smtClean="0"/>
-              <a:t>16</a:t>
-            </a:fld>
-            <a:endParaRPr lang="ko-KR" altLang="en-US"/>
-          </a:p>
-        </p:txBody>
-      </p:sp>
-    </p:spTree>
-    <p:extLst>
-      <p:ext uri="{BB962C8B-B14F-4D97-AF65-F5344CB8AC3E}">
-        <p14:creationId xmlns:p14="http://schemas.microsoft.com/office/powerpoint/2010/main" val="2902927317"/>
-      </p:ext>
-    </p:extLst>
-  </p:cSld>
-  <p:clrMapOvr>
-    <a:masterClrMapping/>
-  </p:clrMapOvr>
-</p:notes>
-</file>
-
 <file path=ppt/notesSlides/notesSlide2.xml><?xml version="1.0" encoding="utf-8"?>
 <p:notes xmlns:a="http://schemas.openxmlformats.org/drawingml/2006/main" xmlns:r="http://schemas.openxmlformats.org/officeDocument/2006/relationships" xmlns:p="http://schemas.openxmlformats.org/presentationml/2006/main">
   <p:cSld>
@@ -1587,616 +963,6 @@
     <p:extLst>
       <p:ext uri="{BB962C8B-B14F-4D97-AF65-F5344CB8AC3E}">
         <p14:creationId xmlns:p14="http://schemas.microsoft.com/office/powerpoint/2010/main" val="3751833779"/>
-      </p:ext>
-    </p:extLst>
-  </p:cSld>
-  <p:clrMapOvr>
-    <a:masterClrMapping/>
-  </p:clrMapOvr>
-</p:notes>
-</file>
-
-<file path=ppt/notesSlides/notesSlide4.xml><?xml version="1.0" encoding="utf-8"?>
-<p:notes xmlns:a="http://schemas.openxmlformats.org/drawingml/2006/main" xmlns:r="http://schemas.openxmlformats.org/officeDocument/2006/relationships" xmlns:p="http://schemas.openxmlformats.org/presentationml/2006/main">
-  <p:cSld>
-    <p:spTree>
-      <p:nvGrpSpPr>
-        <p:cNvPr id="1" name=""/>
-        <p:cNvGrpSpPr/>
-        <p:nvPr/>
-      </p:nvGrpSpPr>
-      <p:grpSpPr>
-        <a:xfrm>
-          <a:off x="0" y="0"/>
-          <a:ext cx="0" cy="0"/>
-          <a:chOff x="0" y="0"/>
-          <a:chExt cx="0" cy="0"/>
-        </a:xfrm>
-      </p:grpSpPr>
-      <p:sp>
-        <p:nvSpPr>
-          <p:cNvPr id="2" name="슬라이드 이미지 개체 틀 1"/>
-          <p:cNvSpPr>
-            <a:spLocks noGrp="1" noRot="1" noChangeAspect="1"/>
-          </p:cNvSpPr>
-          <p:nvPr>
-            <p:ph type="sldImg"/>
-          </p:nvPr>
-        </p:nvSpPr>
-        <p:spPr/>
-      </p:sp>
-      <p:sp>
-        <p:nvSpPr>
-          <p:cNvPr id="3" name="슬라이드 노트 개체 틀 2"/>
-          <p:cNvSpPr>
-            <a:spLocks noGrp="1"/>
-          </p:cNvSpPr>
-          <p:nvPr>
-            <p:ph type="body" idx="1"/>
-          </p:nvPr>
-        </p:nvSpPr>
-        <p:spPr/>
-        <p:txBody>
-          <a:bodyPr/>
-          <a:lstStyle/>
-          <a:p>
-            <a:pPr marL="0" marR="0" indent="0" algn="l" defTabSz="914400" rtl="0" eaLnBrk="1" fontAlgn="auto" latinLnBrk="1" hangingPunct="1">
-              <a:lnSpc>
-                <a:spcPct val="100000"/>
-              </a:lnSpc>
-              <a:spcBef>
-                <a:spcPts val="0"/>
-              </a:spcBef>
-              <a:spcAft>
-                <a:spcPts val="0"/>
-              </a:spcAft>
-              <a:buClrTx/>
-              <a:buSzTx/>
-              <a:buFontTx/>
-              <a:buNone/>
-              <a:tabLst/>
-              <a:defRPr/>
-            </a:pPr>
-            <a:r>
-              <a:rPr lang="en-US" altLang="ko-KR" smtClean="0"/>
-              <a:t>https://poiemaweb.com/js-hello-world</a:t>
-            </a:r>
-            <a:endParaRPr lang="ko-KR" altLang="en-US" dirty="0"/>
-          </a:p>
-        </p:txBody>
-      </p:sp>
-      <p:sp>
-        <p:nvSpPr>
-          <p:cNvPr id="4" name="슬라이드 번호 개체 틀 3"/>
-          <p:cNvSpPr>
-            <a:spLocks noGrp="1"/>
-          </p:cNvSpPr>
-          <p:nvPr>
-            <p:ph type="sldNum" sz="quarter" idx="10"/>
-          </p:nvPr>
-        </p:nvSpPr>
-        <p:spPr/>
-        <p:txBody>
-          <a:bodyPr/>
-          <a:lstStyle/>
-          <a:p>
-            <a:fld id="{A6D625BF-EF7C-4F5D-B58E-C92BFFBBF146}" type="slidenum">
-              <a:rPr lang="ko-KR" altLang="en-US" smtClean="0"/>
-              <a:t>5</a:t>
-            </a:fld>
-            <a:endParaRPr lang="ko-KR" altLang="en-US"/>
-          </a:p>
-        </p:txBody>
-      </p:sp>
-    </p:spTree>
-    <p:extLst>
-      <p:ext uri="{BB962C8B-B14F-4D97-AF65-F5344CB8AC3E}">
-        <p14:creationId xmlns:p14="http://schemas.microsoft.com/office/powerpoint/2010/main" val="934842321"/>
-      </p:ext>
-    </p:extLst>
-  </p:cSld>
-  <p:clrMapOvr>
-    <a:masterClrMapping/>
-  </p:clrMapOvr>
-</p:notes>
-</file>
-
-<file path=ppt/notesSlides/notesSlide5.xml><?xml version="1.0" encoding="utf-8"?>
-<p:notes xmlns:a="http://schemas.openxmlformats.org/drawingml/2006/main" xmlns:r="http://schemas.openxmlformats.org/officeDocument/2006/relationships" xmlns:p="http://schemas.openxmlformats.org/presentationml/2006/main">
-  <p:cSld>
-    <p:spTree>
-      <p:nvGrpSpPr>
-        <p:cNvPr id="1" name=""/>
-        <p:cNvGrpSpPr/>
-        <p:nvPr/>
-      </p:nvGrpSpPr>
-      <p:grpSpPr>
-        <a:xfrm>
-          <a:off x="0" y="0"/>
-          <a:ext cx="0" cy="0"/>
-          <a:chOff x="0" y="0"/>
-          <a:chExt cx="0" cy="0"/>
-        </a:xfrm>
-      </p:grpSpPr>
-      <p:sp>
-        <p:nvSpPr>
-          <p:cNvPr id="2" name="슬라이드 이미지 개체 틀 1"/>
-          <p:cNvSpPr>
-            <a:spLocks noGrp="1" noRot="1" noChangeAspect="1"/>
-          </p:cNvSpPr>
-          <p:nvPr>
-            <p:ph type="sldImg"/>
-          </p:nvPr>
-        </p:nvSpPr>
-        <p:spPr/>
-      </p:sp>
-      <p:sp>
-        <p:nvSpPr>
-          <p:cNvPr id="3" name="슬라이드 노트 개체 틀 2"/>
-          <p:cNvSpPr>
-            <a:spLocks noGrp="1"/>
-          </p:cNvSpPr>
-          <p:nvPr>
-            <p:ph type="body" idx="1"/>
-          </p:nvPr>
-        </p:nvSpPr>
-        <p:spPr/>
-        <p:txBody>
-          <a:bodyPr/>
-          <a:lstStyle/>
-          <a:p>
-            <a:pPr marL="0" marR="0" indent="0" algn="l" defTabSz="914400" rtl="0" eaLnBrk="1" fontAlgn="auto" latinLnBrk="1" hangingPunct="1">
-              <a:lnSpc>
-                <a:spcPct val="100000"/>
-              </a:lnSpc>
-              <a:spcBef>
-                <a:spcPts val="0"/>
-              </a:spcBef>
-              <a:spcAft>
-                <a:spcPts val="0"/>
-              </a:spcAft>
-              <a:buClrTx/>
-              <a:buSzTx/>
-              <a:buFontTx/>
-              <a:buNone/>
-              <a:tabLst/>
-              <a:defRPr/>
-            </a:pPr>
-            <a:endParaRPr lang="ko-KR" altLang="en-US" dirty="0"/>
-          </a:p>
-        </p:txBody>
-      </p:sp>
-      <p:sp>
-        <p:nvSpPr>
-          <p:cNvPr id="4" name="슬라이드 번호 개체 틀 3"/>
-          <p:cNvSpPr>
-            <a:spLocks noGrp="1"/>
-          </p:cNvSpPr>
-          <p:nvPr>
-            <p:ph type="sldNum" sz="quarter" idx="10"/>
-          </p:nvPr>
-        </p:nvSpPr>
-        <p:spPr/>
-        <p:txBody>
-          <a:bodyPr/>
-          <a:lstStyle/>
-          <a:p>
-            <a:fld id="{A6D625BF-EF7C-4F5D-B58E-C92BFFBBF146}" type="slidenum">
-              <a:rPr lang="ko-KR" altLang="en-US" smtClean="0"/>
-              <a:t>6</a:t>
-            </a:fld>
-            <a:endParaRPr lang="ko-KR" altLang="en-US"/>
-          </a:p>
-        </p:txBody>
-      </p:sp>
-    </p:spTree>
-    <p:extLst>
-      <p:ext uri="{BB962C8B-B14F-4D97-AF65-F5344CB8AC3E}">
-        <p14:creationId xmlns:p14="http://schemas.microsoft.com/office/powerpoint/2010/main" val="2043441021"/>
-      </p:ext>
-    </p:extLst>
-  </p:cSld>
-  <p:clrMapOvr>
-    <a:masterClrMapping/>
-  </p:clrMapOvr>
-</p:notes>
-</file>
-
-<file path=ppt/notesSlides/notesSlide6.xml><?xml version="1.0" encoding="utf-8"?>
-<p:notes xmlns:a="http://schemas.openxmlformats.org/drawingml/2006/main" xmlns:r="http://schemas.openxmlformats.org/officeDocument/2006/relationships" xmlns:p="http://schemas.openxmlformats.org/presentationml/2006/main">
-  <p:cSld>
-    <p:spTree>
-      <p:nvGrpSpPr>
-        <p:cNvPr id="1" name=""/>
-        <p:cNvGrpSpPr/>
-        <p:nvPr/>
-      </p:nvGrpSpPr>
-      <p:grpSpPr>
-        <a:xfrm>
-          <a:off x="0" y="0"/>
-          <a:ext cx="0" cy="0"/>
-          <a:chOff x="0" y="0"/>
-          <a:chExt cx="0" cy="0"/>
-        </a:xfrm>
-      </p:grpSpPr>
-      <p:sp>
-        <p:nvSpPr>
-          <p:cNvPr id="2" name="슬라이드 이미지 개체 틀 1"/>
-          <p:cNvSpPr>
-            <a:spLocks noGrp="1" noRot="1" noChangeAspect="1"/>
-          </p:cNvSpPr>
-          <p:nvPr>
-            <p:ph type="sldImg"/>
-          </p:nvPr>
-        </p:nvSpPr>
-        <p:spPr/>
-      </p:sp>
-      <p:sp>
-        <p:nvSpPr>
-          <p:cNvPr id="3" name="슬라이드 노트 개체 틀 2"/>
-          <p:cNvSpPr>
-            <a:spLocks noGrp="1"/>
-          </p:cNvSpPr>
-          <p:nvPr>
-            <p:ph type="body" idx="1"/>
-          </p:nvPr>
-        </p:nvSpPr>
-        <p:spPr/>
-        <p:txBody>
-          <a:bodyPr/>
-          <a:lstStyle/>
-          <a:p>
-            <a:pPr marL="0" marR="0" indent="0" algn="l" defTabSz="914400" rtl="0" eaLnBrk="1" fontAlgn="auto" latinLnBrk="1" hangingPunct="1">
-              <a:lnSpc>
-                <a:spcPct val="100000"/>
-              </a:lnSpc>
-              <a:spcBef>
-                <a:spcPts val="0"/>
-              </a:spcBef>
-              <a:spcAft>
-                <a:spcPts val="0"/>
-              </a:spcAft>
-              <a:buClrTx/>
-              <a:buSzTx/>
-              <a:buFontTx/>
-              <a:buNone/>
-              <a:tabLst/>
-              <a:defRPr/>
-            </a:pPr>
-            <a:endParaRPr lang="ko-KR" altLang="en-US" dirty="0"/>
-          </a:p>
-        </p:txBody>
-      </p:sp>
-      <p:sp>
-        <p:nvSpPr>
-          <p:cNvPr id="4" name="슬라이드 번호 개체 틀 3"/>
-          <p:cNvSpPr>
-            <a:spLocks noGrp="1"/>
-          </p:cNvSpPr>
-          <p:nvPr>
-            <p:ph type="sldNum" sz="quarter" idx="10"/>
-          </p:nvPr>
-        </p:nvSpPr>
-        <p:spPr/>
-        <p:txBody>
-          <a:bodyPr/>
-          <a:lstStyle/>
-          <a:p>
-            <a:fld id="{A6D625BF-EF7C-4F5D-B58E-C92BFFBBF146}" type="slidenum">
-              <a:rPr lang="ko-KR" altLang="en-US" smtClean="0"/>
-              <a:t>7</a:t>
-            </a:fld>
-            <a:endParaRPr lang="ko-KR" altLang="en-US"/>
-          </a:p>
-        </p:txBody>
-      </p:sp>
-    </p:spTree>
-    <p:extLst>
-      <p:ext uri="{BB962C8B-B14F-4D97-AF65-F5344CB8AC3E}">
-        <p14:creationId xmlns:p14="http://schemas.microsoft.com/office/powerpoint/2010/main" val="535179686"/>
-      </p:ext>
-    </p:extLst>
-  </p:cSld>
-  <p:clrMapOvr>
-    <a:masterClrMapping/>
-  </p:clrMapOvr>
-</p:notes>
-</file>
-
-<file path=ppt/notesSlides/notesSlide7.xml><?xml version="1.0" encoding="utf-8"?>
-<p:notes xmlns:a="http://schemas.openxmlformats.org/drawingml/2006/main" xmlns:r="http://schemas.openxmlformats.org/officeDocument/2006/relationships" xmlns:p="http://schemas.openxmlformats.org/presentationml/2006/main">
-  <p:cSld>
-    <p:spTree>
-      <p:nvGrpSpPr>
-        <p:cNvPr id="1" name=""/>
-        <p:cNvGrpSpPr/>
-        <p:nvPr/>
-      </p:nvGrpSpPr>
-      <p:grpSpPr>
-        <a:xfrm>
-          <a:off x="0" y="0"/>
-          <a:ext cx="0" cy="0"/>
-          <a:chOff x="0" y="0"/>
-          <a:chExt cx="0" cy="0"/>
-        </a:xfrm>
-      </p:grpSpPr>
-      <p:sp>
-        <p:nvSpPr>
-          <p:cNvPr id="2" name="슬라이드 이미지 개체 틀 1"/>
-          <p:cNvSpPr>
-            <a:spLocks noGrp="1" noRot="1" noChangeAspect="1"/>
-          </p:cNvSpPr>
-          <p:nvPr>
-            <p:ph type="sldImg"/>
-          </p:nvPr>
-        </p:nvSpPr>
-        <p:spPr/>
-      </p:sp>
-      <p:sp>
-        <p:nvSpPr>
-          <p:cNvPr id="3" name="슬라이드 노트 개체 틀 2"/>
-          <p:cNvSpPr>
-            <a:spLocks noGrp="1"/>
-          </p:cNvSpPr>
-          <p:nvPr>
-            <p:ph type="body" idx="1"/>
-          </p:nvPr>
-        </p:nvSpPr>
-        <p:spPr/>
-        <p:txBody>
-          <a:bodyPr/>
-          <a:lstStyle/>
-          <a:p>
-            <a:pPr marL="0" marR="0" indent="0" algn="l" defTabSz="914400" rtl="0" eaLnBrk="1" fontAlgn="auto" latinLnBrk="1" hangingPunct="1">
-              <a:lnSpc>
-                <a:spcPct val="100000"/>
-              </a:lnSpc>
-              <a:spcBef>
-                <a:spcPts val="0"/>
-              </a:spcBef>
-              <a:spcAft>
-                <a:spcPts val="0"/>
-              </a:spcAft>
-              <a:buClrTx/>
-              <a:buSzTx/>
-              <a:buFontTx/>
-              <a:buNone/>
-              <a:tabLst/>
-              <a:defRPr/>
-            </a:pPr>
-            <a:endParaRPr lang="ko-KR" altLang="en-US" dirty="0"/>
-          </a:p>
-        </p:txBody>
-      </p:sp>
-      <p:sp>
-        <p:nvSpPr>
-          <p:cNvPr id="4" name="슬라이드 번호 개체 틀 3"/>
-          <p:cNvSpPr>
-            <a:spLocks noGrp="1"/>
-          </p:cNvSpPr>
-          <p:nvPr>
-            <p:ph type="sldNum" sz="quarter" idx="10"/>
-          </p:nvPr>
-        </p:nvSpPr>
-        <p:spPr/>
-        <p:txBody>
-          <a:bodyPr/>
-          <a:lstStyle/>
-          <a:p>
-            <a:fld id="{A6D625BF-EF7C-4F5D-B58E-C92BFFBBF146}" type="slidenum">
-              <a:rPr lang="ko-KR" altLang="en-US" smtClean="0"/>
-              <a:t>8</a:t>
-            </a:fld>
-            <a:endParaRPr lang="ko-KR" altLang="en-US"/>
-          </a:p>
-        </p:txBody>
-      </p:sp>
-    </p:spTree>
-    <p:extLst>
-      <p:ext uri="{BB962C8B-B14F-4D97-AF65-F5344CB8AC3E}">
-        <p14:creationId xmlns:p14="http://schemas.microsoft.com/office/powerpoint/2010/main" val="2722860461"/>
-      </p:ext>
-    </p:extLst>
-  </p:cSld>
-  <p:clrMapOvr>
-    <a:masterClrMapping/>
-  </p:clrMapOvr>
-</p:notes>
-</file>
-
-<file path=ppt/notesSlides/notesSlide8.xml><?xml version="1.0" encoding="utf-8"?>
-<p:notes xmlns:a="http://schemas.openxmlformats.org/drawingml/2006/main" xmlns:r="http://schemas.openxmlformats.org/officeDocument/2006/relationships" xmlns:p="http://schemas.openxmlformats.org/presentationml/2006/main">
-  <p:cSld>
-    <p:spTree>
-      <p:nvGrpSpPr>
-        <p:cNvPr id="1" name=""/>
-        <p:cNvGrpSpPr/>
-        <p:nvPr/>
-      </p:nvGrpSpPr>
-      <p:grpSpPr>
-        <a:xfrm>
-          <a:off x="0" y="0"/>
-          <a:ext cx="0" cy="0"/>
-          <a:chOff x="0" y="0"/>
-          <a:chExt cx="0" cy="0"/>
-        </a:xfrm>
-      </p:grpSpPr>
-      <p:sp>
-        <p:nvSpPr>
-          <p:cNvPr id="2" name="슬라이드 이미지 개체 틀 1"/>
-          <p:cNvSpPr>
-            <a:spLocks noGrp="1" noRot="1" noChangeAspect="1"/>
-          </p:cNvSpPr>
-          <p:nvPr>
-            <p:ph type="sldImg"/>
-          </p:nvPr>
-        </p:nvSpPr>
-        <p:spPr/>
-      </p:sp>
-      <p:sp>
-        <p:nvSpPr>
-          <p:cNvPr id="3" name="슬라이드 노트 개체 틀 2"/>
-          <p:cNvSpPr>
-            <a:spLocks noGrp="1"/>
-          </p:cNvSpPr>
-          <p:nvPr>
-            <p:ph type="body" idx="1"/>
-          </p:nvPr>
-        </p:nvSpPr>
-        <p:spPr/>
-        <p:txBody>
-          <a:bodyPr/>
-          <a:lstStyle/>
-          <a:p>
-            <a:pPr marL="0" marR="0" indent="0" algn="l" defTabSz="914400" rtl="0" eaLnBrk="1" fontAlgn="auto" latinLnBrk="1" hangingPunct="1">
-              <a:lnSpc>
-                <a:spcPct val="100000"/>
-              </a:lnSpc>
-              <a:spcBef>
-                <a:spcPts val="0"/>
-              </a:spcBef>
-              <a:spcAft>
-                <a:spcPts val="0"/>
-              </a:spcAft>
-              <a:buClrTx/>
-              <a:buSzTx/>
-              <a:buFontTx/>
-              <a:buNone/>
-              <a:tabLst/>
-              <a:defRPr/>
-            </a:pPr>
-            <a:endParaRPr lang="ko-KR" altLang="en-US" dirty="0"/>
-          </a:p>
-        </p:txBody>
-      </p:sp>
-      <p:sp>
-        <p:nvSpPr>
-          <p:cNvPr id="4" name="슬라이드 번호 개체 틀 3"/>
-          <p:cNvSpPr>
-            <a:spLocks noGrp="1"/>
-          </p:cNvSpPr>
-          <p:nvPr>
-            <p:ph type="sldNum" sz="quarter" idx="10"/>
-          </p:nvPr>
-        </p:nvSpPr>
-        <p:spPr/>
-        <p:txBody>
-          <a:bodyPr/>
-          <a:lstStyle/>
-          <a:p>
-            <a:fld id="{A6D625BF-EF7C-4F5D-B58E-C92BFFBBF146}" type="slidenum">
-              <a:rPr lang="ko-KR" altLang="en-US" smtClean="0"/>
-              <a:t>9</a:t>
-            </a:fld>
-            <a:endParaRPr lang="ko-KR" altLang="en-US"/>
-          </a:p>
-        </p:txBody>
-      </p:sp>
-    </p:spTree>
-    <p:extLst>
-      <p:ext uri="{BB962C8B-B14F-4D97-AF65-F5344CB8AC3E}">
-        <p14:creationId xmlns:p14="http://schemas.microsoft.com/office/powerpoint/2010/main" val="1730714727"/>
-      </p:ext>
-    </p:extLst>
-  </p:cSld>
-  <p:clrMapOvr>
-    <a:masterClrMapping/>
-  </p:clrMapOvr>
-</p:notes>
-</file>
-
-<file path=ppt/notesSlides/notesSlide9.xml><?xml version="1.0" encoding="utf-8"?>
-<p:notes xmlns:a="http://schemas.openxmlformats.org/drawingml/2006/main" xmlns:r="http://schemas.openxmlformats.org/officeDocument/2006/relationships" xmlns:p="http://schemas.openxmlformats.org/presentationml/2006/main">
-  <p:cSld>
-    <p:spTree>
-      <p:nvGrpSpPr>
-        <p:cNvPr id="1" name=""/>
-        <p:cNvGrpSpPr/>
-        <p:nvPr/>
-      </p:nvGrpSpPr>
-      <p:grpSpPr>
-        <a:xfrm>
-          <a:off x="0" y="0"/>
-          <a:ext cx="0" cy="0"/>
-          <a:chOff x="0" y="0"/>
-          <a:chExt cx="0" cy="0"/>
-        </a:xfrm>
-      </p:grpSpPr>
-      <p:sp>
-        <p:nvSpPr>
-          <p:cNvPr id="2" name="슬라이드 이미지 개체 틀 1"/>
-          <p:cNvSpPr>
-            <a:spLocks noGrp="1" noRot="1" noChangeAspect="1"/>
-          </p:cNvSpPr>
-          <p:nvPr>
-            <p:ph type="sldImg"/>
-          </p:nvPr>
-        </p:nvSpPr>
-        <p:spPr/>
-      </p:sp>
-      <p:sp>
-        <p:nvSpPr>
-          <p:cNvPr id="3" name="슬라이드 노트 개체 틀 2"/>
-          <p:cNvSpPr>
-            <a:spLocks noGrp="1"/>
-          </p:cNvSpPr>
-          <p:nvPr>
-            <p:ph type="body" idx="1"/>
-          </p:nvPr>
-        </p:nvSpPr>
-        <p:spPr/>
-        <p:txBody>
-          <a:bodyPr/>
-          <a:lstStyle/>
-          <a:p>
-            <a:pPr marL="0" marR="0" indent="0" algn="l" defTabSz="914400" rtl="0" eaLnBrk="1" fontAlgn="auto" latinLnBrk="1" hangingPunct="1">
-              <a:lnSpc>
-                <a:spcPct val="100000"/>
-              </a:lnSpc>
-              <a:spcBef>
-                <a:spcPts val="0"/>
-              </a:spcBef>
-              <a:spcAft>
-                <a:spcPts val="0"/>
-              </a:spcAft>
-              <a:buClrTx/>
-              <a:buSzTx/>
-              <a:buFontTx/>
-              <a:buNone/>
-              <a:tabLst/>
-              <a:defRPr/>
-            </a:pPr>
-            <a:endParaRPr lang="ko-KR" altLang="en-US" dirty="0"/>
-          </a:p>
-        </p:txBody>
-      </p:sp>
-      <p:sp>
-        <p:nvSpPr>
-          <p:cNvPr id="4" name="슬라이드 번호 개체 틀 3"/>
-          <p:cNvSpPr>
-            <a:spLocks noGrp="1"/>
-          </p:cNvSpPr>
-          <p:nvPr>
-            <p:ph type="sldNum" sz="quarter" idx="10"/>
-          </p:nvPr>
-        </p:nvSpPr>
-        <p:spPr/>
-        <p:txBody>
-          <a:bodyPr/>
-          <a:lstStyle/>
-          <a:p>
-            <a:fld id="{A6D625BF-EF7C-4F5D-B58E-C92BFFBBF146}" type="slidenum">
-              <a:rPr lang="ko-KR" altLang="en-US" smtClean="0"/>
-              <a:t>10</a:t>
-            </a:fld>
-            <a:endParaRPr lang="ko-KR" altLang="en-US"/>
-          </a:p>
-        </p:txBody>
-      </p:sp>
-    </p:spTree>
-    <p:extLst>
-      <p:ext uri="{BB962C8B-B14F-4D97-AF65-F5344CB8AC3E}">
-        <p14:creationId xmlns:p14="http://schemas.microsoft.com/office/powerpoint/2010/main" val="3169145881"/>
       </p:ext>
     </p:extLst>
   </p:cSld>
@@ -2337,7 +1103,7 @@
           <a:p>
             <a:fld id="{D9D21D2B-B161-4A2C-A0F2-324F8DD03E7E}" type="datetimeFigureOut">
               <a:rPr lang="ko-KR" altLang="en-US" smtClean="0"/>
-              <a:t>2020-07-27</a:t>
+              <a:t>2020-08-05</a:t>
             </a:fld>
             <a:endParaRPr lang="ko-KR" altLang="en-US"/>
           </a:p>
@@ -2544,7 +1310,7 @@
           <a:p>
             <a:fld id="{D9D21D2B-B161-4A2C-A0F2-324F8DD03E7E}" type="datetimeFigureOut">
               <a:rPr lang="ko-KR" altLang="en-US" smtClean="0"/>
-              <a:t>2020-07-27</a:t>
+              <a:t>2020-08-05</a:t>
             </a:fld>
             <a:endParaRPr lang="ko-KR" altLang="en-US"/>
           </a:p>
@@ -2724,7 +1490,7 @@
           <a:p>
             <a:fld id="{D9D21D2B-B161-4A2C-A0F2-324F8DD03E7E}" type="datetimeFigureOut">
               <a:rPr lang="ko-KR" altLang="en-US" smtClean="0"/>
-              <a:t>2020-07-27</a:t>
+              <a:t>2020-08-05</a:t>
             </a:fld>
             <a:endParaRPr lang="ko-KR" altLang="en-US"/>
           </a:p>
@@ -2894,7 +1660,7 @@
           <a:p>
             <a:fld id="{D9D21D2B-B161-4A2C-A0F2-324F8DD03E7E}" type="datetimeFigureOut">
               <a:rPr lang="ko-KR" altLang="en-US" smtClean="0"/>
-              <a:t>2020-07-27</a:t>
+              <a:t>2020-08-05</a:t>
             </a:fld>
             <a:endParaRPr lang="ko-KR" altLang="en-US"/>
           </a:p>
@@ -3147,7 +1913,7 @@
           <a:p>
             <a:fld id="{D9D21D2B-B161-4A2C-A0F2-324F8DD03E7E}" type="datetimeFigureOut">
               <a:rPr lang="ko-KR" altLang="en-US" smtClean="0"/>
-              <a:t>2020-07-27</a:t>
+              <a:t>2020-08-05</a:t>
             </a:fld>
             <a:endParaRPr lang="ko-KR" altLang="en-US"/>
           </a:p>
@@ -3386,7 +2152,7 @@
           <a:p>
             <a:fld id="{D9D21D2B-B161-4A2C-A0F2-324F8DD03E7E}" type="datetimeFigureOut">
               <a:rPr lang="ko-KR" altLang="en-US" smtClean="0"/>
-              <a:t>2020-07-27</a:t>
+              <a:t>2020-08-05</a:t>
             </a:fld>
             <a:endParaRPr lang="ko-KR" altLang="en-US"/>
           </a:p>
@@ -3760,7 +2526,7 @@
           <a:p>
             <a:fld id="{D9D21D2B-B161-4A2C-A0F2-324F8DD03E7E}" type="datetimeFigureOut">
               <a:rPr lang="ko-KR" altLang="en-US" smtClean="0"/>
-              <a:t>2020-07-27</a:t>
+              <a:t>2020-08-05</a:t>
             </a:fld>
             <a:endParaRPr lang="ko-KR" altLang="en-US"/>
           </a:p>
@@ -3878,7 +2644,7 @@
           <a:p>
             <a:fld id="{D9D21D2B-B161-4A2C-A0F2-324F8DD03E7E}" type="datetimeFigureOut">
               <a:rPr lang="ko-KR" altLang="en-US" smtClean="0"/>
-              <a:t>2020-07-27</a:t>
+              <a:t>2020-08-05</a:t>
             </a:fld>
             <a:endParaRPr lang="ko-KR" altLang="en-US"/>
           </a:p>
@@ -3973,7 +2739,7 @@
           <a:p>
             <a:fld id="{D9D21D2B-B161-4A2C-A0F2-324F8DD03E7E}" type="datetimeFigureOut">
               <a:rPr lang="ko-KR" altLang="en-US" smtClean="0"/>
-              <a:t>2020-07-27</a:t>
+              <a:t>2020-08-05</a:t>
             </a:fld>
             <a:endParaRPr lang="ko-KR" altLang="en-US"/>
           </a:p>
@@ -4250,7 +3016,7 @@
           <a:p>
             <a:fld id="{D9D21D2B-B161-4A2C-A0F2-324F8DD03E7E}" type="datetimeFigureOut">
               <a:rPr lang="ko-KR" altLang="en-US" smtClean="0"/>
-              <a:t>2020-07-27</a:t>
+              <a:t>2020-08-05</a:t>
             </a:fld>
             <a:endParaRPr lang="ko-KR" altLang="en-US"/>
           </a:p>
@@ -4507,7 +3273,7 @@
           <a:p>
             <a:fld id="{D9D21D2B-B161-4A2C-A0F2-324F8DD03E7E}" type="datetimeFigureOut">
               <a:rPr lang="ko-KR" altLang="en-US" smtClean="0"/>
-              <a:t>2020-07-27</a:t>
+              <a:t>2020-08-05</a:t>
             </a:fld>
             <a:endParaRPr lang="ko-KR" altLang="en-US"/>
           </a:p>
@@ -4723,7 +3489,7 @@
           <a:p>
             <a:fld id="{D9D21D2B-B161-4A2C-A0F2-324F8DD03E7E}" type="datetimeFigureOut">
               <a:rPr lang="ko-KR" altLang="en-US" smtClean="0"/>
-              <a:t>2020-07-27</a:t>
+              <a:t>2020-08-05</a:t>
             </a:fld>
             <a:endParaRPr lang="ko-KR" altLang="en-US"/>
           </a:p>
@@ -5389,3296 +4155,6 @@
     <p:extLst>
       <p:ext uri="{BB962C8B-B14F-4D97-AF65-F5344CB8AC3E}">
         <p14:creationId xmlns:p14="http://schemas.microsoft.com/office/powerpoint/2010/main" val="1255458708"/>
-      </p:ext>
-    </p:extLst>
-  </p:cSld>
-  <p:clrMapOvr>
-    <a:masterClrMapping/>
-  </p:clrMapOvr>
-  <p:timing>
-    <p:tnLst>
-      <p:par>
-        <p:cTn id="1" dur="indefinite" restart="never" nodeType="tmRoot"/>
-      </p:par>
-    </p:tnLst>
-  </p:timing>
-</p:sld>
-</file>
-
-<file path=ppt/slides/slide10.xml><?xml version="1.0" encoding="utf-8"?>
-<p:sld xmlns:a="http://schemas.openxmlformats.org/drawingml/2006/main" xmlns:r="http://schemas.openxmlformats.org/officeDocument/2006/relationships" xmlns:p="http://schemas.openxmlformats.org/presentationml/2006/main">
-  <p:cSld>
-    <p:spTree>
-      <p:nvGrpSpPr>
-        <p:cNvPr id="1" name=""/>
-        <p:cNvGrpSpPr/>
-        <p:nvPr/>
-      </p:nvGrpSpPr>
-      <p:grpSpPr>
-        <a:xfrm>
-          <a:off x="0" y="0"/>
-          <a:ext cx="0" cy="0"/>
-          <a:chOff x="0" y="0"/>
-          <a:chExt cx="0" cy="0"/>
-        </a:xfrm>
-      </p:grpSpPr>
-      <p:cxnSp>
-        <p:nvCxnSpPr>
-          <p:cNvPr id="7" name="직선 연결선 6"/>
-          <p:cNvCxnSpPr/>
-          <p:nvPr/>
-        </p:nvCxnSpPr>
-        <p:spPr>
-          <a:xfrm>
-            <a:off x="0" y="683316"/>
-            <a:ext cx="2228295" cy="0"/>
-          </a:xfrm>
-          <a:prstGeom prst="line">
-            <a:avLst/>
-          </a:prstGeom>
-          <a:ln w="28575">
-            <a:solidFill>
-              <a:srgbClr val="ED553B"/>
-            </a:solidFill>
-            <a:tailEnd type="oval" w="lg" len="lg"/>
-          </a:ln>
-        </p:spPr>
-        <p:style>
-          <a:lnRef idx="1">
-            <a:schemeClr val="accent1"/>
-          </a:lnRef>
-          <a:fillRef idx="0">
-            <a:schemeClr val="accent1"/>
-          </a:fillRef>
-          <a:effectRef idx="0">
-            <a:schemeClr val="accent1"/>
-          </a:effectRef>
-          <a:fontRef idx="minor">
-            <a:schemeClr val="tx1"/>
-          </a:fontRef>
-        </p:style>
-      </p:cxnSp>
-      <p:sp>
-        <p:nvSpPr>
-          <p:cNvPr id="9" name="TextBox 8"/>
-          <p:cNvSpPr txBox="1"/>
-          <p:nvPr/>
-        </p:nvSpPr>
-        <p:spPr>
-          <a:xfrm>
-            <a:off x="322413" y="140957"/>
-            <a:ext cx="5552787" cy="400110"/>
-          </a:xfrm>
-          <a:prstGeom prst="rect">
-            <a:avLst/>
-          </a:prstGeom>
-          <a:noFill/>
-        </p:spPr>
-        <p:txBody>
-          <a:bodyPr wrap="square" rtlCol="0">
-            <a:spAutoFit/>
-          </a:bodyPr>
-          <a:lstStyle/>
-          <a:p>
-            <a:r>
-              <a:rPr lang="en-US" altLang="ko-KR" sz="2000" b="1" dirty="0" smtClean="0">
-                <a:ln>
-                  <a:solidFill>
-                    <a:schemeClr val="tx1">
-                      <a:alpha val="29000"/>
-                    </a:schemeClr>
-                  </a:solidFill>
-                </a:ln>
-                <a:latin typeface="맑은 고딕 Semilight" panose="020B0502040204020203" pitchFamily="50" charset="-127"/>
-                <a:ea typeface="맑은 고딕 Semilight" panose="020B0502040204020203" pitchFamily="50" charset="-127"/>
-                <a:cs typeface="맑은 고딕 Semilight" panose="020B0502040204020203" pitchFamily="50" charset="-127"/>
-              </a:rPr>
-              <a:t>Let’s </a:t>
-            </a:r>
-            <a:r>
-              <a:rPr lang="en-US" altLang="ko-KR" sz="2000" b="1" dirty="0" err="1" smtClean="0">
-                <a:ln>
-                  <a:solidFill>
-                    <a:schemeClr val="tx1">
-                      <a:alpha val="29000"/>
-                    </a:schemeClr>
-                  </a:solidFill>
-                </a:ln>
-                <a:latin typeface="맑은 고딕 Semilight" panose="020B0502040204020203" pitchFamily="50" charset="-127"/>
-                <a:ea typeface="맑은 고딕 Semilight" panose="020B0502040204020203" pitchFamily="50" charset="-127"/>
-                <a:cs typeface="맑은 고딕 Semilight" panose="020B0502040204020203" pitchFamily="50" charset="-127"/>
-              </a:rPr>
-              <a:t>Git</a:t>
-            </a:r>
-            <a:r>
-              <a:rPr lang="en-US" altLang="ko-KR" sz="2000" b="1" dirty="0" smtClean="0">
-                <a:ln>
-                  <a:solidFill>
-                    <a:schemeClr val="tx1">
-                      <a:alpha val="29000"/>
-                    </a:schemeClr>
-                  </a:solidFill>
-                </a:ln>
-                <a:latin typeface="맑은 고딕 Semilight" panose="020B0502040204020203" pitchFamily="50" charset="-127"/>
-                <a:ea typeface="맑은 고딕 Semilight" panose="020B0502040204020203" pitchFamily="50" charset="-127"/>
-                <a:cs typeface="맑은 고딕 Semilight" panose="020B0502040204020203" pitchFamily="50" charset="-127"/>
-              </a:rPr>
-              <a:t> it (?)</a:t>
-            </a:r>
-            <a:endParaRPr lang="en-US" altLang="ko-KR" sz="2000" b="1" dirty="0">
-              <a:ln>
-                <a:solidFill>
-                  <a:schemeClr val="tx1">
-                    <a:alpha val="29000"/>
-                  </a:schemeClr>
-                </a:solidFill>
-              </a:ln>
-              <a:latin typeface="맑은 고딕 Semilight" panose="020B0502040204020203" pitchFamily="50" charset="-127"/>
-              <a:ea typeface="맑은 고딕 Semilight" panose="020B0502040204020203" pitchFamily="50" charset="-127"/>
-              <a:cs typeface="맑은 고딕 Semilight" panose="020B0502040204020203" pitchFamily="50" charset="-127"/>
-            </a:endParaRPr>
-          </a:p>
-        </p:txBody>
-      </p:sp>
-      <p:sp>
-        <p:nvSpPr>
-          <p:cNvPr id="74" name="TextBox 73"/>
-          <p:cNvSpPr txBox="1"/>
-          <p:nvPr/>
-        </p:nvSpPr>
-        <p:spPr>
-          <a:xfrm>
-            <a:off x="267599" y="825566"/>
-            <a:ext cx="8012801" cy="830997"/>
-          </a:xfrm>
-          <a:prstGeom prst="rect">
-            <a:avLst/>
-          </a:prstGeom>
-          <a:noFill/>
-        </p:spPr>
-        <p:txBody>
-          <a:bodyPr wrap="square" rtlCol="0">
-            <a:spAutoFit/>
-          </a:bodyPr>
-          <a:lstStyle/>
-          <a:p>
-            <a:pPr marL="285750" indent="-285750">
-              <a:lnSpc>
-                <a:spcPct val="150000"/>
-              </a:lnSpc>
-              <a:buFont typeface="Arial" panose="020B0604020202020204" pitchFamily="34" charset="0"/>
-              <a:buChar char="•"/>
-            </a:pPr>
-            <a:r>
-              <a:rPr lang="en-US" altLang="ko-KR" sz="1800" b="1" dirty="0" err="1" smtClean="0">
-                <a:ln>
-                  <a:solidFill>
-                    <a:schemeClr val="tx1">
-                      <a:alpha val="29000"/>
-                    </a:schemeClr>
-                  </a:solidFill>
-                </a:ln>
-                <a:latin typeface="맑은 고딕 Semilight" panose="020B0502040204020203" pitchFamily="50" charset="-127"/>
-                <a:ea typeface="맑은 고딕 Semilight" panose="020B0502040204020203" pitchFamily="50" charset="-127"/>
-                <a:cs typeface="맑은 고딕 Semilight" panose="020B0502040204020203" pitchFamily="50" charset="-127"/>
-                <a:sym typeface="Wingdings" panose="05000000000000000000" pitchFamily="2" charset="2"/>
-              </a:rPr>
-              <a:t>Git</a:t>
-            </a:r>
-            <a:r>
-              <a:rPr lang="ko-KR" altLang="en-US" sz="1800" b="1" dirty="0" smtClean="0">
-                <a:ln>
-                  <a:solidFill>
-                    <a:schemeClr val="tx1">
-                      <a:alpha val="29000"/>
-                    </a:schemeClr>
-                  </a:solidFill>
-                </a:ln>
-                <a:latin typeface="맑은 고딕 Semilight" panose="020B0502040204020203" pitchFamily="50" charset="-127"/>
-                <a:ea typeface="맑은 고딕 Semilight" panose="020B0502040204020203" pitchFamily="50" charset="-127"/>
-                <a:cs typeface="맑은 고딕 Semilight" panose="020B0502040204020203" pitchFamily="50" charset="-127"/>
-                <a:sym typeface="Wingdings" panose="05000000000000000000" pitchFamily="2" charset="2"/>
-              </a:rPr>
-              <a:t>이란</a:t>
-            </a:r>
-            <a:r>
-              <a:rPr lang="en-US" altLang="ko-KR" sz="1800" b="1" dirty="0" smtClean="0">
-                <a:ln>
-                  <a:solidFill>
-                    <a:schemeClr val="tx1">
-                      <a:alpha val="29000"/>
-                    </a:schemeClr>
-                  </a:solidFill>
-                </a:ln>
-                <a:latin typeface="맑은 고딕 Semilight" panose="020B0502040204020203" pitchFamily="50" charset="-127"/>
-                <a:ea typeface="맑은 고딕 Semilight" panose="020B0502040204020203" pitchFamily="50" charset="-127"/>
-                <a:cs typeface="맑은 고딕 Semilight" panose="020B0502040204020203" pitchFamily="50" charset="-127"/>
-                <a:sym typeface="Wingdings" panose="05000000000000000000" pitchFamily="2" charset="2"/>
-              </a:rPr>
-              <a:t>?</a:t>
-            </a:r>
-            <a:endParaRPr lang="en-US" altLang="ko-KR" sz="1800" b="1" dirty="0">
-              <a:ln>
-                <a:solidFill>
-                  <a:schemeClr val="tx1">
-                    <a:alpha val="29000"/>
-                  </a:schemeClr>
-                </a:solidFill>
-              </a:ln>
-              <a:latin typeface="맑은 고딕 Semilight" panose="020B0502040204020203" pitchFamily="50" charset="-127"/>
-              <a:ea typeface="맑은 고딕 Semilight" panose="020B0502040204020203" pitchFamily="50" charset="-127"/>
-              <a:cs typeface="맑은 고딕 Semilight" panose="020B0502040204020203" pitchFamily="50" charset="-127"/>
-              <a:sym typeface="Wingdings" panose="05000000000000000000" pitchFamily="2" charset="2"/>
-            </a:endParaRPr>
-          </a:p>
-          <a:p>
-            <a:pPr marL="449263" lvl="1" indent="-182563">
-              <a:lnSpc>
-                <a:spcPct val="150000"/>
-              </a:lnSpc>
-              <a:buFontTx/>
-              <a:buChar char="-"/>
-              <a:tabLst>
-                <a:tab pos="182563" algn="l"/>
-                <a:tab pos="449263" algn="l"/>
-              </a:tabLst>
-            </a:pPr>
-            <a:r>
-              <a:rPr lang="ko-KR" altLang="en-US" sz="1400" smtClean="0">
-                <a:ln>
-                  <a:solidFill>
-                    <a:schemeClr val="tx1">
-                      <a:alpha val="29000"/>
-                    </a:schemeClr>
-                  </a:solidFill>
-                </a:ln>
-                <a:latin typeface="맑은 고딕 Semilight" panose="020B0502040204020203" pitchFamily="50" charset="-127"/>
-                <a:ea typeface="맑은 고딕 Semilight" panose="020B0502040204020203" pitchFamily="50" charset="-127"/>
-                <a:cs typeface="맑은 고딕 Semilight" panose="020B0502040204020203" pitchFamily="50" charset="-127"/>
-                <a:sym typeface="Wingdings" panose="05000000000000000000" pitchFamily="2" charset="2"/>
-              </a:rPr>
-              <a:t>커밋을 통해 변경 흔적을 확인할 수 있음</a:t>
-            </a:r>
-            <a:endParaRPr lang="en-US" altLang="ko-KR" sz="1400" dirty="0" smtClean="0">
-              <a:ln>
-                <a:solidFill>
-                  <a:schemeClr val="tx1">
-                    <a:alpha val="29000"/>
-                  </a:schemeClr>
-                </a:solidFill>
-              </a:ln>
-              <a:latin typeface="맑은 고딕 Semilight" panose="020B0502040204020203" pitchFamily="50" charset="-127"/>
-              <a:ea typeface="맑은 고딕 Semilight" panose="020B0502040204020203" pitchFamily="50" charset="-127"/>
-              <a:cs typeface="맑은 고딕 Semilight" panose="020B0502040204020203" pitchFamily="50" charset="-127"/>
-              <a:sym typeface="Wingdings" panose="05000000000000000000" pitchFamily="2" charset="2"/>
-            </a:endParaRPr>
-          </a:p>
-        </p:txBody>
-      </p:sp>
-      <p:sp>
-        <p:nvSpPr>
-          <p:cNvPr id="10" name="직사각형 9"/>
-          <p:cNvSpPr/>
-          <p:nvPr/>
-        </p:nvSpPr>
-        <p:spPr>
-          <a:xfrm>
-            <a:off x="5221797" y="3112160"/>
-            <a:ext cx="2965838" cy="214686"/>
-          </a:xfrm>
-          <a:prstGeom prst="rect">
-            <a:avLst/>
-          </a:prstGeom>
-          <a:noFill/>
-          <a:ln w="28575">
-            <a:solidFill>
-              <a:srgbClr val="ED553B"/>
-            </a:solidFill>
-          </a:ln>
-        </p:spPr>
-        <p:style>
-          <a:lnRef idx="2">
-            <a:schemeClr val="accent1">
-              <a:shade val="50000"/>
-            </a:schemeClr>
-          </a:lnRef>
-          <a:fillRef idx="1">
-            <a:schemeClr val="accent1"/>
-          </a:fillRef>
-          <a:effectRef idx="0">
-            <a:schemeClr val="accent1"/>
-          </a:effectRef>
-          <a:fontRef idx="minor">
-            <a:schemeClr val="lt1"/>
-          </a:fontRef>
-        </p:style>
-        <p:txBody>
-          <a:bodyPr rtlCol="0" anchor="ctr"/>
-          <a:lstStyle/>
-          <a:p>
-            <a:pPr algn="ctr"/>
-            <a:endParaRPr lang="ko-KR" altLang="en-US"/>
-          </a:p>
-        </p:txBody>
-      </p:sp>
-      <p:grpSp>
-        <p:nvGrpSpPr>
-          <p:cNvPr id="13" name="그룹 12"/>
-          <p:cNvGrpSpPr/>
-          <p:nvPr/>
-        </p:nvGrpSpPr>
-        <p:grpSpPr>
-          <a:xfrm>
-            <a:off x="971509" y="2560822"/>
-            <a:ext cx="8249565" cy="2853575"/>
-            <a:chOff x="941029" y="1941062"/>
-            <a:chExt cx="8249565" cy="2853575"/>
-          </a:xfrm>
-        </p:grpSpPr>
-        <p:pic>
-          <p:nvPicPr>
-            <p:cNvPr id="14" name="그림 13"/>
-            <p:cNvPicPr>
-              <a:picLocks noChangeAspect="1"/>
-            </p:cNvPicPr>
-            <p:nvPr/>
-          </p:nvPicPr>
-          <p:blipFill>
-            <a:blip r:embed="rId3"/>
-            <a:stretch>
-              <a:fillRect/>
-            </a:stretch>
-          </p:blipFill>
-          <p:spPr>
-            <a:xfrm>
-              <a:off x="941029" y="1941062"/>
-              <a:ext cx="8249565" cy="2853575"/>
-            </a:xfrm>
-            <a:prstGeom prst="rect">
-              <a:avLst/>
-            </a:prstGeom>
-          </p:spPr>
-        </p:pic>
-        <p:sp>
-          <p:nvSpPr>
-            <p:cNvPr id="15" name="직사각형 14"/>
-            <p:cNvSpPr/>
-            <p:nvPr/>
-          </p:nvSpPr>
-          <p:spPr>
-            <a:xfrm>
-              <a:off x="2647782" y="2571471"/>
-              <a:ext cx="3227417" cy="736272"/>
-            </a:xfrm>
-            <a:prstGeom prst="rect">
-              <a:avLst/>
-            </a:prstGeom>
-            <a:noFill/>
-            <a:ln w="28575">
-              <a:solidFill>
-                <a:srgbClr val="ED553B"/>
-              </a:solidFill>
-            </a:ln>
-          </p:spPr>
-          <p:style>
-            <a:lnRef idx="2">
-              <a:schemeClr val="accent1">
-                <a:shade val="50000"/>
-              </a:schemeClr>
-            </a:lnRef>
-            <a:fillRef idx="1">
-              <a:schemeClr val="accent1"/>
-            </a:fillRef>
-            <a:effectRef idx="0">
-              <a:schemeClr val="accent1"/>
-            </a:effectRef>
-            <a:fontRef idx="minor">
-              <a:schemeClr val="lt1"/>
-            </a:fontRef>
-          </p:style>
-          <p:txBody>
-            <a:bodyPr rtlCol="0" anchor="ctr"/>
-            <a:lstStyle/>
-            <a:p>
-              <a:pPr algn="ctr"/>
-              <a:endParaRPr lang="ko-KR" altLang="en-US"/>
-            </a:p>
-          </p:txBody>
-        </p:sp>
-        <p:sp>
-          <p:nvSpPr>
-            <p:cNvPr id="16" name="직사각형 15"/>
-            <p:cNvSpPr/>
-            <p:nvPr/>
-          </p:nvSpPr>
-          <p:spPr>
-            <a:xfrm>
-              <a:off x="2839939" y="3922249"/>
-              <a:ext cx="4522969" cy="872387"/>
-            </a:xfrm>
-            <a:prstGeom prst="rect">
-              <a:avLst/>
-            </a:prstGeom>
-            <a:noFill/>
-            <a:ln w="28575">
-              <a:solidFill>
-                <a:srgbClr val="ED553B"/>
-              </a:solidFill>
-            </a:ln>
-          </p:spPr>
-          <p:style>
-            <a:lnRef idx="2">
-              <a:schemeClr val="accent1">
-                <a:shade val="50000"/>
-              </a:schemeClr>
-            </a:lnRef>
-            <a:fillRef idx="1">
-              <a:schemeClr val="accent1"/>
-            </a:fillRef>
-            <a:effectRef idx="0">
-              <a:schemeClr val="accent1"/>
-            </a:effectRef>
-            <a:fontRef idx="minor">
-              <a:schemeClr val="lt1"/>
-            </a:fontRef>
-          </p:style>
-          <p:txBody>
-            <a:bodyPr rtlCol="0" anchor="ctr"/>
-            <a:lstStyle/>
-            <a:p>
-              <a:pPr algn="ctr"/>
-              <a:endParaRPr lang="ko-KR" altLang="en-US"/>
-            </a:p>
-          </p:txBody>
-        </p:sp>
-        <p:sp>
-          <p:nvSpPr>
-            <p:cNvPr id="17" name="직사각형 16"/>
-            <p:cNvSpPr/>
-            <p:nvPr/>
-          </p:nvSpPr>
-          <p:spPr>
-            <a:xfrm>
-              <a:off x="5986855" y="2672320"/>
-              <a:ext cx="1064715" cy="292388"/>
-            </a:xfrm>
-            <a:prstGeom prst="rect">
-              <a:avLst/>
-            </a:prstGeom>
-          </p:spPr>
-          <p:txBody>
-            <a:bodyPr wrap="none">
-              <a:spAutoFit/>
-            </a:bodyPr>
-            <a:lstStyle/>
-            <a:p>
-              <a:r>
-                <a:rPr lang="ko-KR" altLang="en-US" sz="1300" smtClean="0">
-                  <a:ln>
-                    <a:solidFill>
-                      <a:schemeClr val="tx1">
-                        <a:alpha val="29000"/>
-                      </a:schemeClr>
-                    </a:solidFill>
-                  </a:ln>
-                  <a:latin typeface="맑은 고딕 Semilight" panose="020B0502040204020203" pitchFamily="50" charset="-127"/>
-                  <a:ea typeface="맑은 고딕 Semilight" panose="020B0502040204020203" pitchFamily="50" charset="-127"/>
-                  <a:cs typeface="맑은 고딕 Semilight" panose="020B0502040204020203" pitchFamily="50" charset="-127"/>
-                  <a:sym typeface="Wingdings" panose="05000000000000000000" pitchFamily="2" charset="2"/>
-                </a:rPr>
-                <a:t>지워진 부분</a:t>
-              </a:r>
-              <a:endParaRPr lang="ko-KR" altLang="en-US" sz="1300" dirty="0"/>
-            </a:p>
-          </p:txBody>
-        </p:sp>
-        <p:sp>
-          <p:nvSpPr>
-            <p:cNvPr id="18" name="직사각형 17"/>
-            <p:cNvSpPr/>
-            <p:nvPr/>
-          </p:nvSpPr>
-          <p:spPr>
-            <a:xfrm>
-              <a:off x="7419415" y="4066054"/>
-              <a:ext cx="1064715" cy="292388"/>
-            </a:xfrm>
-            <a:prstGeom prst="rect">
-              <a:avLst/>
-            </a:prstGeom>
-          </p:spPr>
-          <p:txBody>
-            <a:bodyPr wrap="none">
-              <a:spAutoFit/>
-            </a:bodyPr>
-            <a:lstStyle/>
-            <a:p>
-              <a:r>
-                <a:rPr lang="ko-KR" altLang="en-US" sz="1300" dirty="0" smtClean="0">
-                  <a:ln>
-                    <a:solidFill>
-                      <a:schemeClr val="tx1">
-                        <a:alpha val="29000"/>
-                      </a:schemeClr>
-                    </a:solidFill>
-                  </a:ln>
-                  <a:latin typeface="맑은 고딕 Semilight" panose="020B0502040204020203" pitchFamily="50" charset="-127"/>
-                  <a:ea typeface="맑은 고딕 Semilight" panose="020B0502040204020203" pitchFamily="50" charset="-127"/>
-                  <a:cs typeface="맑은 고딕 Semilight" panose="020B0502040204020203" pitchFamily="50" charset="-127"/>
-                  <a:sym typeface="Wingdings" panose="05000000000000000000" pitchFamily="2" charset="2"/>
-                </a:rPr>
-                <a:t>추가된 부분</a:t>
-              </a:r>
-              <a:endParaRPr lang="ko-KR" altLang="en-US" sz="1300" dirty="0"/>
-            </a:p>
-          </p:txBody>
-        </p:sp>
-      </p:grpSp>
-    </p:spTree>
-    <p:extLst>
-      <p:ext uri="{BB962C8B-B14F-4D97-AF65-F5344CB8AC3E}">
-        <p14:creationId xmlns:p14="http://schemas.microsoft.com/office/powerpoint/2010/main" val="1597097503"/>
-      </p:ext>
-    </p:extLst>
-  </p:cSld>
-  <p:clrMapOvr>
-    <a:masterClrMapping/>
-  </p:clrMapOvr>
-  <p:timing>
-    <p:tnLst>
-      <p:par>
-        <p:cTn id="1" dur="indefinite" restart="never" nodeType="tmRoot"/>
-      </p:par>
-    </p:tnLst>
-  </p:timing>
-</p:sld>
-</file>
-
-<file path=ppt/slides/slide11.xml><?xml version="1.0" encoding="utf-8"?>
-<p:sld xmlns:a="http://schemas.openxmlformats.org/drawingml/2006/main" xmlns:r="http://schemas.openxmlformats.org/officeDocument/2006/relationships" xmlns:p="http://schemas.openxmlformats.org/presentationml/2006/main">
-  <p:cSld>
-    <p:spTree>
-      <p:nvGrpSpPr>
-        <p:cNvPr id="1" name=""/>
-        <p:cNvGrpSpPr/>
-        <p:nvPr/>
-      </p:nvGrpSpPr>
-      <p:grpSpPr>
-        <a:xfrm>
-          <a:off x="0" y="0"/>
-          <a:ext cx="0" cy="0"/>
-          <a:chOff x="0" y="0"/>
-          <a:chExt cx="0" cy="0"/>
-        </a:xfrm>
-      </p:grpSpPr>
-      <p:cxnSp>
-        <p:nvCxnSpPr>
-          <p:cNvPr id="7" name="직선 연결선 6"/>
-          <p:cNvCxnSpPr/>
-          <p:nvPr/>
-        </p:nvCxnSpPr>
-        <p:spPr>
-          <a:xfrm>
-            <a:off x="0" y="683316"/>
-            <a:ext cx="2228295" cy="0"/>
-          </a:xfrm>
-          <a:prstGeom prst="line">
-            <a:avLst/>
-          </a:prstGeom>
-          <a:ln w="28575">
-            <a:solidFill>
-              <a:srgbClr val="ED553B"/>
-            </a:solidFill>
-            <a:tailEnd type="oval" w="lg" len="lg"/>
-          </a:ln>
-        </p:spPr>
-        <p:style>
-          <a:lnRef idx="1">
-            <a:schemeClr val="accent1"/>
-          </a:lnRef>
-          <a:fillRef idx="0">
-            <a:schemeClr val="accent1"/>
-          </a:fillRef>
-          <a:effectRef idx="0">
-            <a:schemeClr val="accent1"/>
-          </a:effectRef>
-          <a:fontRef idx="minor">
-            <a:schemeClr val="tx1"/>
-          </a:fontRef>
-        </p:style>
-      </p:cxnSp>
-      <p:sp>
-        <p:nvSpPr>
-          <p:cNvPr id="9" name="TextBox 8"/>
-          <p:cNvSpPr txBox="1"/>
-          <p:nvPr/>
-        </p:nvSpPr>
-        <p:spPr>
-          <a:xfrm>
-            <a:off x="322413" y="140957"/>
-            <a:ext cx="5552787" cy="400110"/>
-          </a:xfrm>
-          <a:prstGeom prst="rect">
-            <a:avLst/>
-          </a:prstGeom>
-          <a:noFill/>
-        </p:spPr>
-        <p:txBody>
-          <a:bodyPr wrap="square" rtlCol="0">
-            <a:spAutoFit/>
-          </a:bodyPr>
-          <a:lstStyle/>
-          <a:p>
-            <a:r>
-              <a:rPr lang="en-US" altLang="ko-KR" sz="2000" b="1" dirty="0" smtClean="0">
-                <a:ln>
-                  <a:solidFill>
-                    <a:schemeClr val="tx1">
-                      <a:alpha val="29000"/>
-                    </a:schemeClr>
-                  </a:solidFill>
-                </a:ln>
-                <a:latin typeface="맑은 고딕 Semilight" panose="020B0502040204020203" pitchFamily="50" charset="-127"/>
-                <a:ea typeface="맑은 고딕 Semilight" panose="020B0502040204020203" pitchFamily="50" charset="-127"/>
-                <a:cs typeface="맑은 고딕 Semilight" panose="020B0502040204020203" pitchFamily="50" charset="-127"/>
-              </a:rPr>
-              <a:t>Let’s </a:t>
-            </a:r>
-            <a:r>
-              <a:rPr lang="en-US" altLang="ko-KR" sz="2000" b="1" dirty="0" err="1" smtClean="0">
-                <a:ln>
-                  <a:solidFill>
-                    <a:schemeClr val="tx1">
-                      <a:alpha val="29000"/>
-                    </a:schemeClr>
-                  </a:solidFill>
-                </a:ln>
-                <a:latin typeface="맑은 고딕 Semilight" panose="020B0502040204020203" pitchFamily="50" charset="-127"/>
-                <a:ea typeface="맑은 고딕 Semilight" panose="020B0502040204020203" pitchFamily="50" charset="-127"/>
-                <a:cs typeface="맑은 고딕 Semilight" panose="020B0502040204020203" pitchFamily="50" charset="-127"/>
-              </a:rPr>
-              <a:t>Git</a:t>
-            </a:r>
-            <a:r>
-              <a:rPr lang="en-US" altLang="ko-KR" sz="2000" b="1" dirty="0" smtClean="0">
-                <a:ln>
-                  <a:solidFill>
-                    <a:schemeClr val="tx1">
-                      <a:alpha val="29000"/>
-                    </a:schemeClr>
-                  </a:solidFill>
-                </a:ln>
-                <a:latin typeface="맑은 고딕 Semilight" panose="020B0502040204020203" pitchFamily="50" charset="-127"/>
-                <a:ea typeface="맑은 고딕 Semilight" panose="020B0502040204020203" pitchFamily="50" charset="-127"/>
-                <a:cs typeface="맑은 고딕 Semilight" panose="020B0502040204020203" pitchFamily="50" charset="-127"/>
-              </a:rPr>
-              <a:t> it (?)</a:t>
-            </a:r>
-            <a:endParaRPr lang="en-US" altLang="ko-KR" sz="2000" b="1" dirty="0">
-              <a:ln>
-                <a:solidFill>
-                  <a:schemeClr val="tx1">
-                    <a:alpha val="29000"/>
-                  </a:schemeClr>
-                </a:solidFill>
-              </a:ln>
-              <a:latin typeface="맑은 고딕 Semilight" panose="020B0502040204020203" pitchFamily="50" charset="-127"/>
-              <a:ea typeface="맑은 고딕 Semilight" panose="020B0502040204020203" pitchFamily="50" charset="-127"/>
-              <a:cs typeface="맑은 고딕 Semilight" panose="020B0502040204020203" pitchFamily="50" charset="-127"/>
-            </a:endParaRPr>
-          </a:p>
-        </p:txBody>
-      </p:sp>
-      <p:sp>
-        <p:nvSpPr>
-          <p:cNvPr id="74" name="TextBox 73"/>
-          <p:cNvSpPr txBox="1"/>
-          <p:nvPr/>
-        </p:nvSpPr>
-        <p:spPr>
-          <a:xfrm>
-            <a:off x="267599" y="825566"/>
-            <a:ext cx="9578660" cy="1154162"/>
-          </a:xfrm>
-          <a:prstGeom prst="rect">
-            <a:avLst/>
-          </a:prstGeom>
-          <a:noFill/>
-        </p:spPr>
-        <p:txBody>
-          <a:bodyPr wrap="square" rtlCol="0">
-            <a:spAutoFit/>
-          </a:bodyPr>
-          <a:lstStyle/>
-          <a:p>
-            <a:pPr marL="285750" indent="-285750">
-              <a:lnSpc>
-                <a:spcPct val="150000"/>
-              </a:lnSpc>
-              <a:buFont typeface="Arial" panose="020B0604020202020204" pitchFamily="34" charset="0"/>
-              <a:buChar char="•"/>
-            </a:pPr>
-            <a:r>
-              <a:rPr lang="en-US" altLang="ko-KR" sz="1800" b="1" dirty="0" err="1" smtClean="0">
-                <a:ln>
-                  <a:solidFill>
-                    <a:schemeClr val="tx1">
-                      <a:alpha val="29000"/>
-                    </a:schemeClr>
-                  </a:solidFill>
-                </a:ln>
-                <a:latin typeface="맑은 고딕 Semilight" panose="020B0502040204020203" pitchFamily="50" charset="-127"/>
-                <a:ea typeface="맑은 고딕 Semilight" panose="020B0502040204020203" pitchFamily="50" charset="-127"/>
-                <a:cs typeface="맑은 고딕 Semilight" panose="020B0502040204020203" pitchFamily="50" charset="-127"/>
-                <a:sym typeface="Wingdings" panose="05000000000000000000" pitchFamily="2" charset="2"/>
-              </a:rPr>
-              <a:t>Git</a:t>
-            </a:r>
-            <a:r>
-              <a:rPr lang="ko-KR" altLang="en-US" sz="1800" b="1" dirty="0" smtClean="0">
-                <a:ln>
-                  <a:solidFill>
-                    <a:schemeClr val="tx1">
-                      <a:alpha val="29000"/>
-                    </a:schemeClr>
-                  </a:solidFill>
-                </a:ln>
-                <a:latin typeface="맑은 고딕 Semilight" panose="020B0502040204020203" pitchFamily="50" charset="-127"/>
-                <a:ea typeface="맑은 고딕 Semilight" panose="020B0502040204020203" pitchFamily="50" charset="-127"/>
-                <a:cs typeface="맑은 고딕 Semilight" panose="020B0502040204020203" pitchFamily="50" charset="-127"/>
-                <a:sym typeface="Wingdings" panose="05000000000000000000" pitchFamily="2" charset="2"/>
-              </a:rPr>
-              <a:t>이란</a:t>
-            </a:r>
-            <a:r>
-              <a:rPr lang="en-US" altLang="ko-KR" sz="1800" b="1" dirty="0" smtClean="0">
-                <a:ln>
-                  <a:solidFill>
-                    <a:schemeClr val="tx1">
-                      <a:alpha val="29000"/>
-                    </a:schemeClr>
-                  </a:solidFill>
-                </a:ln>
-                <a:latin typeface="맑은 고딕 Semilight" panose="020B0502040204020203" pitchFamily="50" charset="-127"/>
-                <a:ea typeface="맑은 고딕 Semilight" panose="020B0502040204020203" pitchFamily="50" charset="-127"/>
-                <a:cs typeface="맑은 고딕 Semilight" panose="020B0502040204020203" pitchFamily="50" charset="-127"/>
-                <a:sym typeface="Wingdings" panose="05000000000000000000" pitchFamily="2" charset="2"/>
-              </a:rPr>
-              <a:t>?</a:t>
-            </a:r>
-            <a:endParaRPr lang="en-US" altLang="ko-KR" sz="1800" b="1" dirty="0">
-              <a:ln>
-                <a:solidFill>
-                  <a:schemeClr val="tx1">
-                    <a:alpha val="29000"/>
-                  </a:schemeClr>
-                </a:solidFill>
-              </a:ln>
-              <a:latin typeface="맑은 고딕 Semilight" panose="020B0502040204020203" pitchFamily="50" charset="-127"/>
-              <a:ea typeface="맑은 고딕 Semilight" panose="020B0502040204020203" pitchFamily="50" charset="-127"/>
-              <a:cs typeface="맑은 고딕 Semilight" panose="020B0502040204020203" pitchFamily="50" charset="-127"/>
-              <a:sym typeface="Wingdings" panose="05000000000000000000" pitchFamily="2" charset="2"/>
-            </a:endParaRPr>
-          </a:p>
-          <a:p>
-            <a:pPr marL="449263" lvl="1" indent="-182563">
-              <a:lnSpc>
-                <a:spcPct val="150000"/>
-              </a:lnSpc>
-              <a:buFontTx/>
-              <a:buChar char="-"/>
-              <a:tabLst>
-                <a:tab pos="182563" algn="l"/>
-                <a:tab pos="449263" algn="l"/>
-              </a:tabLst>
-            </a:pPr>
-            <a:r>
-              <a:rPr lang="ko-KR" altLang="en-US" sz="1400" dirty="0" smtClean="0">
-                <a:ln>
-                  <a:solidFill>
-                    <a:schemeClr val="tx1">
-                      <a:alpha val="29000"/>
-                    </a:schemeClr>
-                  </a:solidFill>
-                </a:ln>
-                <a:latin typeface="맑은 고딕 Semilight" panose="020B0502040204020203" pitchFamily="50" charset="-127"/>
-                <a:ea typeface="맑은 고딕 Semilight" panose="020B0502040204020203" pitchFamily="50" charset="-127"/>
-                <a:cs typeface="맑은 고딕 Semilight" panose="020B0502040204020203" pitchFamily="50" charset="-127"/>
-                <a:sym typeface="Wingdings" panose="05000000000000000000" pitchFamily="2" charset="2"/>
-              </a:rPr>
-              <a:t>게임처럼 멀티 플레이를 하고 싶다면 </a:t>
-            </a:r>
-            <a:r>
-              <a:rPr lang="en-US" altLang="ko-KR" sz="1400" dirty="0" smtClean="0">
-                <a:ln>
-                  <a:solidFill>
-                    <a:schemeClr val="tx1">
-                      <a:alpha val="29000"/>
-                    </a:schemeClr>
-                  </a:solidFill>
-                </a:ln>
-                <a:latin typeface="맑은 고딕 Semilight" panose="020B0502040204020203" pitchFamily="50" charset="-127"/>
-                <a:ea typeface="맑은 고딕 Semilight" panose="020B0502040204020203" pitchFamily="50" charset="-127"/>
-                <a:cs typeface="맑은 고딕 Semilight" panose="020B0502040204020203" pitchFamily="50" charset="-127"/>
-                <a:sym typeface="Wingdings" panose="05000000000000000000" pitchFamily="2" charset="2"/>
-              </a:rPr>
-              <a:t>?  </a:t>
-            </a:r>
-            <a:r>
-              <a:rPr lang="ko-KR" altLang="en-US" sz="1400" dirty="0" smtClean="0">
-                <a:ln>
-                  <a:solidFill>
-                    <a:schemeClr val="tx1">
-                      <a:alpha val="29000"/>
-                    </a:schemeClr>
-                  </a:solidFill>
-                </a:ln>
-                <a:latin typeface="맑은 고딕 Semilight" panose="020B0502040204020203" pitchFamily="50" charset="-127"/>
-                <a:ea typeface="맑은 고딕 Semilight" panose="020B0502040204020203" pitchFamily="50" charset="-127"/>
-                <a:cs typeface="맑은 고딕 Semilight" panose="020B0502040204020203" pitchFamily="50" charset="-127"/>
-                <a:sym typeface="Wingdings" panose="05000000000000000000" pitchFamily="2" charset="2"/>
-              </a:rPr>
-              <a:t>즉</a:t>
-            </a:r>
-            <a:r>
-              <a:rPr lang="en-US" altLang="ko-KR" sz="1400" dirty="0" smtClean="0">
-                <a:ln>
-                  <a:solidFill>
-                    <a:schemeClr val="tx1">
-                      <a:alpha val="29000"/>
-                    </a:schemeClr>
-                  </a:solidFill>
-                </a:ln>
-                <a:latin typeface="맑은 고딕 Semilight" panose="020B0502040204020203" pitchFamily="50" charset="-127"/>
-                <a:ea typeface="맑은 고딕 Semilight" panose="020B0502040204020203" pitchFamily="50" charset="-127"/>
-                <a:cs typeface="맑은 고딕 Semilight" panose="020B0502040204020203" pitchFamily="50" charset="-127"/>
-                <a:sym typeface="Wingdings" panose="05000000000000000000" pitchFamily="2" charset="2"/>
-              </a:rPr>
-              <a:t>, </a:t>
-            </a:r>
-            <a:r>
-              <a:rPr lang="ko-KR" altLang="en-US" sz="1400" dirty="0" smtClean="0">
-                <a:ln>
-                  <a:solidFill>
-                    <a:schemeClr val="tx1">
-                      <a:alpha val="29000"/>
-                    </a:schemeClr>
-                  </a:solidFill>
-                </a:ln>
-                <a:latin typeface="맑은 고딕 Semilight" panose="020B0502040204020203" pitchFamily="50" charset="-127"/>
-                <a:ea typeface="맑은 고딕 Semilight" panose="020B0502040204020203" pitchFamily="50" charset="-127"/>
-                <a:cs typeface="맑은 고딕 Semilight" panose="020B0502040204020203" pitchFamily="50" charset="-127"/>
-                <a:sym typeface="Wingdings" panose="05000000000000000000" pitchFamily="2" charset="2"/>
-              </a:rPr>
-              <a:t>외부의 누군가와 같이 협업하고자 한다면 </a:t>
-            </a:r>
-            <a:r>
-              <a:rPr lang="en-US" altLang="ko-KR" sz="1400" dirty="0" smtClean="0">
-                <a:ln>
-                  <a:solidFill>
-                    <a:schemeClr val="tx1">
-                      <a:alpha val="29000"/>
-                    </a:schemeClr>
-                  </a:solidFill>
-                </a:ln>
-                <a:latin typeface="맑은 고딕 Semilight" panose="020B0502040204020203" pitchFamily="50" charset="-127"/>
-                <a:ea typeface="맑은 고딕 Semilight" panose="020B0502040204020203" pitchFamily="50" charset="-127"/>
-                <a:cs typeface="맑은 고딕 Semilight" panose="020B0502040204020203" pitchFamily="50" charset="-127"/>
-                <a:sym typeface="Wingdings" panose="05000000000000000000" pitchFamily="2" charset="2"/>
-              </a:rPr>
-              <a:t>?</a:t>
-            </a:r>
-          </a:p>
-          <a:p>
-            <a:pPr marL="449263" lvl="1" indent="-182563">
-              <a:lnSpc>
-                <a:spcPct val="150000"/>
-              </a:lnSpc>
-              <a:buFontTx/>
-              <a:buChar char="-"/>
-              <a:tabLst>
-                <a:tab pos="182563" algn="l"/>
-                <a:tab pos="449263" algn="l"/>
-              </a:tabLst>
-            </a:pPr>
-            <a:r>
-              <a:rPr lang="en-US" altLang="ko-KR" sz="1400" dirty="0" err="1" smtClean="0">
-                <a:ln>
-                  <a:solidFill>
-                    <a:schemeClr val="tx1">
-                      <a:alpha val="29000"/>
-                    </a:schemeClr>
-                  </a:solidFill>
-                </a:ln>
-                <a:latin typeface="맑은 고딕 Semilight" panose="020B0502040204020203" pitchFamily="50" charset="-127"/>
-                <a:ea typeface="맑은 고딕 Semilight" panose="020B0502040204020203" pitchFamily="50" charset="-127"/>
-                <a:cs typeface="맑은 고딕 Semilight" panose="020B0502040204020203" pitchFamily="50" charset="-127"/>
-                <a:sym typeface="Wingdings" panose="05000000000000000000" pitchFamily="2" charset="2"/>
-              </a:rPr>
-              <a:t>Git</a:t>
-            </a:r>
-            <a:r>
-              <a:rPr lang="ko-KR" altLang="en-US" sz="1400" dirty="0" smtClean="0">
-                <a:ln>
-                  <a:solidFill>
-                    <a:schemeClr val="tx1">
-                      <a:alpha val="29000"/>
-                    </a:schemeClr>
-                  </a:solidFill>
-                </a:ln>
-                <a:latin typeface="맑은 고딕 Semilight" panose="020B0502040204020203" pitchFamily="50" charset="-127"/>
-                <a:ea typeface="맑은 고딕 Semilight" panose="020B0502040204020203" pitchFamily="50" charset="-127"/>
-                <a:cs typeface="맑은 고딕 Semilight" panose="020B0502040204020203" pitchFamily="50" charset="-127"/>
-                <a:sym typeface="Wingdings" panose="05000000000000000000" pitchFamily="2" charset="2"/>
-              </a:rPr>
-              <a:t>을 제공하는 </a:t>
-            </a:r>
-            <a:r>
-              <a:rPr lang="ko-KR" altLang="en-US" sz="1400" dirty="0" err="1" smtClean="0">
-                <a:ln>
-                  <a:solidFill>
-                    <a:schemeClr val="tx1">
-                      <a:alpha val="29000"/>
-                    </a:schemeClr>
-                  </a:solidFill>
-                </a:ln>
-                <a:latin typeface="맑은 고딕 Semilight" panose="020B0502040204020203" pitchFamily="50" charset="-127"/>
-                <a:ea typeface="맑은 고딕 Semilight" panose="020B0502040204020203" pitchFamily="50" charset="-127"/>
-                <a:cs typeface="맑은 고딕 Semilight" panose="020B0502040204020203" pitchFamily="50" charset="-127"/>
-                <a:sym typeface="Wingdings" panose="05000000000000000000" pitchFamily="2" charset="2"/>
-              </a:rPr>
-              <a:t>클라우드</a:t>
-            </a:r>
-            <a:r>
-              <a:rPr lang="ko-KR" altLang="en-US" sz="1400" dirty="0" smtClean="0">
-                <a:ln>
-                  <a:solidFill>
-                    <a:schemeClr val="tx1">
-                      <a:alpha val="29000"/>
-                    </a:schemeClr>
-                  </a:solidFill>
-                </a:ln>
-                <a:latin typeface="맑은 고딕 Semilight" panose="020B0502040204020203" pitchFamily="50" charset="-127"/>
-                <a:ea typeface="맑은 고딕 Semilight" panose="020B0502040204020203" pitchFamily="50" charset="-127"/>
-                <a:cs typeface="맑은 고딕 Semilight" panose="020B0502040204020203" pitchFamily="50" charset="-127"/>
-                <a:sym typeface="Wingdings" panose="05000000000000000000" pitchFamily="2" charset="2"/>
-              </a:rPr>
-              <a:t> 서버를 사용</a:t>
-            </a:r>
-            <a:r>
-              <a:rPr lang="en-US" altLang="ko-KR" sz="1400" dirty="0" smtClean="0">
-                <a:ln>
-                  <a:solidFill>
-                    <a:schemeClr val="tx1">
-                      <a:alpha val="29000"/>
-                    </a:schemeClr>
-                  </a:solidFill>
-                </a:ln>
-                <a:latin typeface="맑은 고딕 Semilight" panose="020B0502040204020203" pitchFamily="50" charset="-127"/>
-                <a:ea typeface="맑은 고딕 Semilight" panose="020B0502040204020203" pitchFamily="50" charset="-127"/>
-                <a:cs typeface="맑은 고딕 Semilight" panose="020B0502040204020203" pitchFamily="50" charset="-127"/>
-                <a:sym typeface="Wingdings" panose="05000000000000000000" pitchFamily="2" charset="2"/>
-              </a:rPr>
-              <a:t>!</a:t>
-            </a:r>
-          </a:p>
-        </p:txBody>
-      </p:sp>
-      <p:grpSp>
-        <p:nvGrpSpPr>
-          <p:cNvPr id="6" name="그룹 5"/>
-          <p:cNvGrpSpPr/>
-          <p:nvPr/>
-        </p:nvGrpSpPr>
-        <p:grpSpPr>
-          <a:xfrm>
-            <a:off x="441321" y="2264227"/>
-            <a:ext cx="4780431" cy="3009901"/>
-            <a:chOff x="5170654" y="2404606"/>
-            <a:chExt cx="4780431" cy="3009901"/>
-          </a:xfrm>
-        </p:grpSpPr>
-        <p:pic>
-          <p:nvPicPr>
-            <p:cNvPr id="8" name="그림 7"/>
-            <p:cNvPicPr>
-              <a:picLocks noChangeAspect="1"/>
-            </p:cNvPicPr>
-            <p:nvPr/>
-          </p:nvPicPr>
-          <p:blipFill>
-            <a:blip r:embed="rId3"/>
-            <a:stretch>
-              <a:fillRect/>
-            </a:stretch>
-          </p:blipFill>
-          <p:spPr>
-            <a:xfrm>
-              <a:off x="5170654" y="2404606"/>
-              <a:ext cx="4780431" cy="3009901"/>
-            </a:xfrm>
-            <a:prstGeom prst="rect">
-              <a:avLst/>
-            </a:prstGeom>
-          </p:spPr>
-        </p:pic>
-        <p:sp>
-          <p:nvSpPr>
-            <p:cNvPr id="10" name="직사각형 9"/>
-            <p:cNvSpPr/>
-            <p:nvPr/>
-          </p:nvSpPr>
-          <p:spPr>
-            <a:xfrm>
-              <a:off x="6788423" y="3158578"/>
-              <a:ext cx="997388" cy="276999"/>
-            </a:xfrm>
-            <a:prstGeom prst="rect">
-              <a:avLst/>
-            </a:prstGeom>
-            <a:solidFill>
-              <a:schemeClr val="bg1"/>
-            </a:solidFill>
-          </p:spPr>
-          <p:txBody>
-            <a:bodyPr wrap="none">
-              <a:spAutoFit/>
-            </a:bodyPr>
-            <a:lstStyle/>
-            <a:p>
-              <a:pPr algn="ctr"/>
-              <a:r>
-                <a:rPr lang="ko-KR" altLang="en-US" sz="1200" smtClean="0">
-                  <a:ln>
-                    <a:solidFill>
-                      <a:schemeClr val="tx1">
-                        <a:alpha val="29000"/>
-                      </a:schemeClr>
-                    </a:solidFill>
-                  </a:ln>
-                  <a:latin typeface="맑은 고딕 Semilight" panose="020B0502040204020203" pitchFamily="50" charset="-127"/>
-                  <a:ea typeface="맑은 고딕 Semilight" panose="020B0502040204020203" pitchFamily="50" charset="-127"/>
-                  <a:cs typeface="맑은 고딕 Semilight" panose="020B0502040204020203" pitchFamily="50" charset="-127"/>
-                  <a:sym typeface="Wingdings" panose="05000000000000000000" pitchFamily="2" charset="2"/>
-                </a:rPr>
-                <a:t>원격 저장소</a:t>
-              </a:r>
-              <a:endParaRPr lang="ko-KR" altLang="en-US" sz="1200" dirty="0"/>
-            </a:p>
-          </p:txBody>
-        </p:sp>
-      </p:grpSp>
-      <p:grpSp>
-        <p:nvGrpSpPr>
-          <p:cNvPr id="11" name="그룹 10"/>
-          <p:cNvGrpSpPr/>
-          <p:nvPr/>
-        </p:nvGrpSpPr>
-        <p:grpSpPr>
-          <a:xfrm>
-            <a:off x="5575053" y="3018199"/>
-            <a:ext cx="4271206" cy="1376604"/>
-            <a:chOff x="3000117" y="3609892"/>
-            <a:chExt cx="4271206" cy="1376604"/>
-          </a:xfrm>
-        </p:grpSpPr>
-        <p:pic>
-          <p:nvPicPr>
-            <p:cNvPr id="12" name="그림 11"/>
-            <p:cNvPicPr>
-              <a:picLocks noChangeAspect="1"/>
-            </p:cNvPicPr>
-            <p:nvPr/>
-          </p:nvPicPr>
-          <p:blipFill>
-            <a:blip r:embed="rId4" cstate="print">
-              <a:extLst>
-                <a:ext uri="{28A0092B-C50C-407E-A947-70E740481C1C}">
-                  <a14:useLocalDpi xmlns:a14="http://schemas.microsoft.com/office/drawing/2010/main" val="0"/>
-                </a:ext>
-              </a:extLst>
-            </a:blip>
-            <a:stretch>
-              <a:fillRect/>
-            </a:stretch>
-          </p:blipFill>
-          <p:spPr>
-            <a:xfrm>
-              <a:off x="6236368" y="3609892"/>
-              <a:ext cx="936266" cy="936266"/>
-            </a:xfrm>
-            <a:prstGeom prst="rect">
-              <a:avLst/>
-            </a:prstGeom>
-          </p:spPr>
-        </p:pic>
-        <p:pic>
-          <p:nvPicPr>
-            <p:cNvPr id="13" name="그림 12"/>
-            <p:cNvPicPr>
-              <a:picLocks noChangeAspect="1"/>
-            </p:cNvPicPr>
-            <p:nvPr/>
-          </p:nvPicPr>
-          <p:blipFill>
-            <a:blip r:embed="rId5" cstate="print">
-              <a:extLst>
-                <a:ext uri="{28A0092B-C50C-407E-A947-70E740481C1C}">
-                  <a14:useLocalDpi xmlns:a14="http://schemas.microsoft.com/office/drawing/2010/main" val="0"/>
-                </a:ext>
-              </a:extLst>
-            </a:blip>
-            <a:stretch>
-              <a:fillRect/>
-            </a:stretch>
-          </p:blipFill>
-          <p:spPr>
-            <a:xfrm>
-              <a:off x="3098806" y="3609892"/>
-              <a:ext cx="936266" cy="936266"/>
-            </a:xfrm>
-            <a:prstGeom prst="rect">
-              <a:avLst/>
-            </a:prstGeom>
-          </p:spPr>
-        </p:pic>
-        <p:cxnSp>
-          <p:nvCxnSpPr>
-            <p:cNvPr id="14" name="직선 화살표 연결선 13"/>
-            <p:cNvCxnSpPr/>
-            <p:nvPr/>
-          </p:nvCxnSpPr>
-          <p:spPr>
-            <a:xfrm>
-              <a:off x="4444779" y="4071067"/>
-              <a:ext cx="1430421" cy="0"/>
-            </a:xfrm>
-            <a:prstGeom prst="straightConnector1">
-              <a:avLst/>
-            </a:prstGeom>
-            <a:ln w="38100">
-              <a:solidFill>
-                <a:srgbClr val="ED553B"/>
-              </a:solidFill>
-              <a:tailEnd type="triangle"/>
-            </a:ln>
-          </p:spPr>
-          <p:style>
-            <a:lnRef idx="1">
-              <a:schemeClr val="accent1"/>
-            </a:lnRef>
-            <a:fillRef idx="0">
-              <a:schemeClr val="accent1"/>
-            </a:fillRef>
-            <a:effectRef idx="0">
-              <a:schemeClr val="accent1"/>
-            </a:effectRef>
-            <a:fontRef idx="minor">
-              <a:schemeClr val="tx1"/>
-            </a:fontRef>
-          </p:style>
-        </p:cxnSp>
-        <p:sp>
-          <p:nvSpPr>
-            <p:cNvPr id="15" name="직사각형 14"/>
-            <p:cNvSpPr/>
-            <p:nvPr/>
-          </p:nvSpPr>
-          <p:spPr>
-            <a:xfrm>
-              <a:off x="3000117" y="4678719"/>
-              <a:ext cx="1133644" cy="307777"/>
-            </a:xfrm>
-            <a:prstGeom prst="rect">
-              <a:avLst/>
-            </a:prstGeom>
-          </p:spPr>
-          <p:txBody>
-            <a:bodyPr wrap="none">
-              <a:spAutoFit/>
-            </a:bodyPr>
-            <a:lstStyle/>
-            <a:p>
-              <a:r>
-                <a:rPr lang="ko-KR" altLang="en-US" sz="1400" b="1" smtClean="0">
-                  <a:ln>
-                    <a:solidFill>
-                      <a:schemeClr val="tx1">
-                        <a:alpha val="29000"/>
-                      </a:schemeClr>
-                    </a:solidFill>
-                  </a:ln>
-                  <a:latin typeface="맑은 고딕 Semilight" panose="020B0502040204020203" pitchFamily="50" charset="-127"/>
-                  <a:ea typeface="맑은 고딕 Semilight" panose="020B0502040204020203" pitchFamily="50" charset="-127"/>
-                  <a:cs typeface="맑은 고딕 Semilight" panose="020B0502040204020203" pitchFamily="50" charset="-127"/>
-                  <a:sym typeface="Wingdings" panose="05000000000000000000" pitchFamily="2" charset="2"/>
-                </a:rPr>
-                <a:t>원격 저장소</a:t>
-              </a:r>
-              <a:endParaRPr lang="ko-KR" altLang="en-US" sz="1400" b="1" dirty="0"/>
-            </a:p>
-          </p:txBody>
-        </p:sp>
-        <p:sp>
-          <p:nvSpPr>
-            <p:cNvPr id="16" name="직사각형 15"/>
-            <p:cNvSpPr/>
-            <p:nvPr/>
-          </p:nvSpPr>
-          <p:spPr>
-            <a:xfrm>
-              <a:off x="6137679" y="4678719"/>
-              <a:ext cx="1133644" cy="307777"/>
-            </a:xfrm>
-            <a:prstGeom prst="rect">
-              <a:avLst/>
-            </a:prstGeom>
-          </p:spPr>
-          <p:txBody>
-            <a:bodyPr wrap="none">
-              <a:spAutoFit/>
-            </a:bodyPr>
-            <a:lstStyle/>
-            <a:p>
-              <a:r>
-                <a:rPr lang="ko-KR" altLang="en-US" sz="1400" b="1" dirty="0" smtClean="0">
-                  <a:ln>
-                    <a:solidFill>
-                      <a:schemeClr val="tx1">
-                        <a:alpha val="29000"/>
-                      </a:schemeClr>
-                    </a:solidFill>
-                  </a:ln>
-                  <a:latin typeface="맑은 고딕 Semilight" panose="020B0502040204020203" pitchFamily="50" charset="-127"/>
-                  <a:ea typeface="맑은 고딕 Semilight" panose="020B0502040204020203" pitchFamily="50" charset="-127"/>
-                  <a:cs typeface="맑은 고딕 Semilight" panose="020B0502040204020203" pitchFamily="50" charset="-127"/>
-                  <a:sym typeface="Wingdings" panose="05000000000000000000" pitchFamily="2" charset="2"/>
-                </a:rPr>
-                <a:t>로컬 저장소</a:t>
-              </a:r>
-              <a:endParaRPr lang="ko-KR" altLang="en-US" sz="1400" b="1" dirty="0"/>
-            </a:p>
-          </p:txBody>
-        </p:sp>
-        <p:sp>
-          <p:nvSpPr>
-            <p:cNvPr id="17" name="직사각형 16"/>
-            <p:cNvSpPr/>
-            <p:nvPr/>
-          </p:nvSpPr>
-          <p:spPr>
-            <a:xfrm>
-              <a:off x="4813580" y="3609892"/>
-              <a:ext cx="692818" cy="307777"/>
-            </a:xfrm>
-            <a:prstGeom prst="rect">
-              <a:avLst/>
-            </a:prstGeom>
-          </p:spPr>
-          <p:txBody>
-            <a:bodyPr wrap="none">
-              <a:spAutoFit/>
-            </a:bodyPr>
-            <a:lstStyle/>
-            <a:p>
-              <a:r>
-                <a:rPr lang="en-US" altLang="ko-KR" sz="1400" b="1" dirty="0" smtClean="0">
-                  <a:ln>
-                    <a:solidFill>
-                      <a:schemeClr val="tx1">
-                        <a:alpha val="29000"/>
-                      </a:schemeClr>
-                    </a:solidFill>
-                  </a:ln>
-                  <a:latin typeface="맑은 고딕 Semilight" panose="020B0502040204020203" pitchFamily="50" charset="-127"/>
-                  <a:ea typeface="맑은 고딕 Semilight" panose="020B0502040204020203" pitchFamily="50" charset="-127"/>
-                  <a:cs typeface="맑은 고딕 Semilight" panose="020B0502040204020203" pitchFamily="50" charset="-127"/>
-                  <a:sym typeface="Wingdings" panose="05000000000000000000" pitchFamily="2" charset="2"/>
-                </a:rPr>
-                <a:t>Clone</a:t>
-              </a:r>
-              <a:r>
-                <a:rPr lang="en-US" altLang="ko-KR" sz="1400" b="1" dirty="0">
-                  <a:ln>
-                    <a:solidFill>
-                      <a:schemeClr val="tx1">
-                        <a:alpha val="29000"/>
-                      </a:schemeClr>
-                    </a:solidFill>
-                  </a:ln>
-                  <a:latin typeface="맑은 고딕 Semilight" panose="020B0502040204020203" pitchFamily="50" charset="-127"/>
-                  <a:ea typeface="맑은 고딕 Semilight" panose="020B0502040204020203" pitchFamily="50" charset="-127"/>
-                  <a:cs typeface="맑은 고딕 Semilight" panose="020B0502040204020203" pitchFamily="50" charset="-127"/>
-                  <a:sym typeface="Wingdings" panose="05000000000000000000" pitchFamily="2" charset="2"/>
-                </a:rPr>
-                <a:t>!</a:t>
-              </a:r>
-              <a:endParaRPr lang="ko-KR" altLang="en-US" sz="1400" b="1" dirty="0"/>
-            </a:p>
-          </p:txBody>
-        </p:sp>
-      </p:grpSp>
-    </p:spTree>
-    <p:extLst>
-      <p:ext uri="{BB962C8B-B14F-4D97-AF65-F5344CB8AC3E}">
-        <p14:creationId xmlns:p14="http://schemas.microsoft.com/office/powerpoint/2010/main" val="4032042960"/>
-      </p:ext>
-    </p:extLst>
-  </p:cSld>
-  <p:clrMapOvr>
-    <a:masterClrMapping/>
-  </p:clrMapOvr>
-  <p:timing>
-    <p:tnLst>
-      <p:par>
-        <p:cTn id="1" dur="indefinite" restart="never" nodeType="tmRoot"/>
-      </p:par>
-    </p:tnLst>
-  </p:timing>
-</p:sld>
-</file>
-
-<file path=ppt/slides/slide12.xml><?xml version="1.0" encoding="utf-8"?>
-<p:sld xmlns:a="http://schemas.openxmlformats.org/drawingml/2006/main" xmlns:r="http://schemas.openxmlformats.org/officeDocument/2006/relationships" xmlns:p="http://schemas.openxmlformats.org/presentationml/2006/main">
-  <p:cSld>
-    <p:spTree>
-      <p:nvGrpSpPr>
-        <p:cNvPr id="1" name=""/>
-        <p:cNvGrpSpPr/>
-        <p:nvPr/>
-      </p:nvGrpSpPr>
-      <p:grpSpPr>
-        <a:xfrm>
-          <a:off x="0" y="0"/>
-          <a:ext cx="0" cy="0"/>
-          <a:chOff x="0" y="0"/>
-          <a:chExt cx="0" cy="0"/>
-        </a:xfrm>
-      </p:grpSpPr>
-      <p:cxnSp>
-        <p:nvCxnSpPr>
-          <p:cNvPr id="7" name="직선 연결선 6"/>
-          <p:cNvCxnSpPr/>
-          <p:nvPr/>
-        </p:nvCxnSpPr>
-        <p:spPr>
-          <a:xfrm>
-            <a:off x="0" y="683316"/>
-            <a:ext cx="2228295" cy="0"/>
-          </a:xfrm>
-          <a:prstGeom prst="line">
-            <a:avLst/>
-          </a:prstGeom>
-          <a:ln w="28575">
-            <a:solidFill>
-              <a:srgbClr val="ED553B"/>
-            </a:solidFill>
-            <a:tailEnd type="oval" w="lg" len="lg"/>
-          </a:ln>
-        </p:spPr>
-        <p:style>
-          <a:lnRef idx="1">
-            <a:schemeClr val="accent1"/>
-          </a:lnRef>
-          <a:fillRef idx="0">
-            <a:schemeClr val="accent1"/>
-          </a:fillRef>
-          <a:effectRef idx="0">
-            <a:schemeClr val="accent1"/>
-          </a:effectRef>
-          <a:fontRef idx="minor">
-            <a:schemeClr val="tx1"/>
-          </a:fontRef>
-        </p:style>
-      </p:cxnSp>
-      <p:sp>
-        <p:nvSpPr>
-          <p:cNvPr id="9" name="TextBox 8"/>
-          <p:cNvSpPr txBox="1"/>
-          <p:nvPr/>
-        </p:nvSpPr>
-        <p:spPr>
-          <a:xfrm>
-            <a:off x="322413" y="140957"/>
-            <a:ext cx="5552787" cy="400110"/>
-          </a:xfrm>
-          <a:prstGeom prst="rect">
-            <a:avLst/>
-          </a:prstGeom>
-          <a:noFill/>
-        </p:spPr>
-        <p:txBody>
-          <a:bodyPr wrap="square" rtlCol="0">
-            <a:spAutoFit/>
-          </a:bodyPr>
-          <a:lstStyle/>
-          <a:p>
-            <a:r>
-              <a:rPr lang="en-US" altLang="ko-KR" sz="2000" b="1" dirty="0" smtClean="0">
-                <a:ln>
-                  <a:solidFill>
-                    <a:schemeClr val="tx1">
-                      <a:alpha val="29000"/>
-                    </a:schemeClr>
-                  </a:solidFill>
-                </a:ln>
-                <a:latin typeface="맑은 고딕 Semilight" panose="020B0502040204020203" pitchFamily="50" charset="-127"/>
-                <a:ea typeface="맑은 고딕 Semilight" panose="020B0502040204020203" pitchFamily="50" charset="-127"/>
-                <a:cs typeface="맑은 고딕 Semilight" panose="020B0502040204020203" pitchFamily="50" charset="-127"/>
-              </a:rPr>
-              <a:t>Let’s </a:t>
-            </a:r>
-            <a:r>
-              <a:rPr lang="en-US" altLang="ko-KR" sz="2000" b="1" dirty="0" err="1" smtClean="0">
-                <a:ln>
-                  <a:solidFill>
-                    <a:schemeClr val="tx1">
-                      <a:alpha val="29000"/>
-                    </a:schemeClr>
-                  </a:solidFill>
-                </a:ln>
-                <a:latin typeface="맑은 고딕 Semilight" panose="020B0502040204020203" pitchFamily="50" charset="-127"/>
-                <a:ea typeface="맑은 고딕 Semilight" panose="020B0502040204020203" pitchFamily="50" charset="-127"/>
-                <a:cs typeface="맑은 고딕 Semilight" panose="020B0502040204020203" pitchFamily="50" charset="-127"/>
-              </a:rPr>
-              <a:t>Git</a:t>
-            </a:r>
-            <a:r>
-              <a:rPr lang="en-US" altLang="ko-KR" sz="2000" b="1" dirty="0" smtClean="0">
-                <a:ln>
-                  <a:solidFill>
-                    <a:schemeClr val="tx1">
-                      <a:alpha val="29000"/>
-                    </a:schemeClr>
-                  </a:solidFill>
-                </a:ln>
-                <a:latin typeface="맑은 고딕 Semilight" panose="020B0502040204020203" pitchFamily="50" charset="-127"/>
-                <a:ea typeface="맑은 고딕 Semilight" panose="020B0502040204020203" pitchFamily="50" charset="-127"/>
-                <a:cs typeface="맑은 고딕 Semilight" panose="020B0502040204020203" pitchFamily="50" charset="-127"/>
-              </a:rPr>
-              <a:t> it (?)</a:t>
-            </a:r>
-            <a:endParaRPr lang="en-US" altLang="ko-KR" sz="2000" b="1" dirty="0">
-              <a:ln>
-                <a:solidFill>
-                  <a:schemeClr val="tx1">
-                    <a:alpha val="29000"/>
-                  </a:schemeClr>
-                </a:solidFill>
-              </a:ln>
-              <a:latin typeface="맑은 고딕 Semilight" panose="020B0502040204020203" pitchFamily="50" charset="-127"/>
-              <a:ea typeface="맑은 고딕 Semilight" panose="020B0502040204020203" pitchFamily="50" charset="-127"/>
-              <a:cs typeface="맑은 고딕 Semilight" panose="020B0502040204020203" pitchFamily="50" charset="-127"/>
-            </a:endParaRPr>
-          </a:p>
-        </p:txBody>
-      </p:sp>
-      <p:sp>
-        <p:nvSpPr>
-          <p:cNvPr id="74" name="TextBox 73"/>
-          <p:cNvSpPr txBox="1"/>
-          <p:nvPr/>
-        </p:nvSpPr>
-        <p:spPr>
-          <a:xfrm>
-            <a:off x="267599" y="825566"/>
-            <a:ext cx="9578660" cy="830997"/>
-          </a:xfrm>
-          <a:prstGeom prst="rect">
-            <a:avLst/>
-          </a:prstGeom>
-          <a:noFill/>
-        </p:spPr>
-        <p:txBody>
-          <a:bodyPr wrap="square" rtlCol="0">
-            <a:spAutoFit/>
-          </a:bodyPr>
-          <a:lstStyle/>
-          <a:p>
-            <a:pPr marL="285750" indent="-285750">
-              <a:lnSpc>
-                <a:spcPct val="150000"/>
-              </a:lnSpc>
-              <a:buFont typeface="Arial" panose="020B0604020202020204" pitchFamily="34" charset="0"/>
-              <a:buChar char="•"/>
-            </a:pPr>
-            <a:r>
-              <a:rPr lang="en-US" altLang="ko-KR" sz="1800" b="1" dirty="0" err="1" smtClean="0">
-                <a:ln>
-                  <a:solidFill>
-                    <a:schemeClr val="tx1">
-                      <a:alpha val="29000"/>
-                    </a:schemeClr>
-                  </a:solidFill>
-                </a:ln>
-                <a:latin typeface="맑은 고딕 Semilight" panose="020B0502040204020203" pitchFamily="50" charset="-127"/>
-                <a:ea typeface="맑은 고딕 Semilight" panose="020B0502040204020203" pitchFamily="50" charset="-127"/>
-                <a:cs typeface="맑은 고딕 Semilight" panose="020B0502040204020203" pitchFamily="50" charset="-127"/>
-                <a:sym typeface="Wingdings" panose="05000000000000000000" pitchFamily="2" charset="2"/>
-              </a:rPr>
-              <a:t>Git</a:t>
-            </a:r>
-            <a:r>
-              <a:rPr lang="ko-KR" altLang="en-US" sz="1800" b="1" dirty="0" smtClean="0">
-                <a:ln>
-                  <a:solidFill>
-                    <a:schemeClr val="tx1">
-                      <a:alpha val="29000"/>
-                    </a:schemeClr>
-                  </a:solidFill>
-                </a:ln>
-                <a:latin typeface="맑은 고딕 Semilight" panose="020B0502040204020203" pitchFamily="50" charset="-127"/>
-                <a:ea typeface="맑은 고딕 Semilight" panose="020B0502040204020203" pitchFamily="50" charset="-127"/>
-                <a:cs typeface="맑은 고딕 Semilight" panose="020B0502040204020203" pitchFamily="50" charset="-127"/>
-                <a:sym typeface="Wingdings" panose="05000000000000000000" pitchFamily="2" charset="2"/>
-              </a:rPr>
-              <a:t>을 다루는 </a:t>
-            </a:r>
-            <a:r>
-              <a:rPr lang="en-US" altLang="ko-KR" sz="1800" b="1" dirty="0" smtClean="0">
-                <a:ln>
-                  <a:solidFill>
-                    <a:schemeClr val="tx1">
-                      <a:alpha val="29000"/>
-                    </a:schemeClr>
-                  </a:solidFill>
-                </a:ln>
-                <a:latin typeface="맑은 고딕 Semilight" panose="020B0502040204020203" pitchFamily="50" charset="-127"/>
-                <a:ea typeface="맑은 고딕 Semilight" panose="020B0502040204020203" pitchFamily="50" charset="-127"/>
-                <a:cs typeface="맑은 고딕 Semilight" panose="020B0502040204020203" pitchFamily="50" charset="-127"/>
-                <a:sym typeface="Wingdings" panose="05000000000000000000" pitchFamily="2" charset="2"/>
-              </a:rPr>
-              <a:t>GUI </a:t>
-            </a:r>
-            <a:r>
-              <a:rPr lang="en-US" altLang="ko-KR" sz="1800" b="1" dirty="0" err="1" smtClean="0">
-                <a:ln>
-                  <a:solidFill>
-                    <a:schemeClr val="tx1">
-                      <a:alpha val="29000"/>
-                    </a:schemeClr>
-                  </a:solidFill>
-                </a:ln>
-                <a:latin typeface="맑은 고딕 Semilight" panose="020B0502040204020203" pitchFamily="50" charset="-127"/>
-                <a:ea typeface="맑은 고딕 Semilight" panose="020B0502040204020203" pitchFamily="50" charset="-127"/>
-                <a:cs typeface="맑은 고딕 Semilight" panose="020B0502040204020203" pitchFamily="50" charset="-127"/>
-                <a:sym typeface="Wingdings" panose="05000000000000000000" pitchFamily="2" charset="2"/>
-              </a:rPr>
-              <a:t>sourcetree</a:t>
-            </a:r>
-            <a:r>
-              <a:rPr lang="ko-KR" altLang="en-US" sz="1800" b="1" dirty="0">
-                <a:ln>
-                  <a:solidFill>
-                    <a:schemeClr val="tx1">
-                      <a:alpha val="29000"/>
-                    </a:schemeClr>
-                  </a:solidFill>
-                </a:ln>
-                <a:latin typeface="맑은 고딕 Semilight" panose="020B0502040204020203" pitchFamily="50" charset="-127"/>
-                <a:ea typeface="맑은 고딕 Semilight" panose="020B0502040204020203" pitchFamily="50" charset="-127"/>
-                <a:cs typeface="맑은 고딕 Semilight" panose="020B0502040204020203" pitchFamily="50" charset="-127"/>
-                <a:sym typeface="Wingdings" panose="05000000000000000000" pitchFamily="2" charset="2"/>
-              </a:rPr>
-              <a:t> </a:t>
-            </a:r>
-            <a:r>
-              <a:rPr lang="ko-KR" altLang="en-US" sz="1800" b="1" dirty="0" smtClean="0">
-                <a:ln>
-                  <a:solidFill>
-                    <a:schemeClr val="tx1">
-                      <a:alpha val="29000"/>
-                    </a:schemeClr>
-                  </a:solidFill>
-                </a:ln>
-                <a:latin typeface="맑은 고딕 Semilight" panose="020B0502040204020203" pitchFamily="50" charset="-127"/>
-                <a:ea typeface="맑은 고딕 Semilight" panose="020B0502040204020203" pitchFamily="50" charset="-127"/>
-                <a:cs typeface="맑은 고딕 Semilight" panose="020B0502040204020203" pitchFamily="50" charset="-127"/>
-                <a:sym typeface="Wingdings" panose="05000000000000000000" pitchFamily="2" charset="2"/>
-              </a:rPr>
-              <a:t>설치</a:t>
-            </a:r>
-            <a:endParaRPr lang="en-US" altLang="ko-KR" sz="1800" b="1" dirty="0">
-              <a:ln>
-                <a:solidFill>
-                  <a:schemeClr val="tx1">
-                    <a:alpha val="29000"/>
-                  </a:schemeClr>
-                </a:solidFill>
-              </a:ln>
-              <a:latin typeface="맑은 고딕 Semilight" panose="020B0502040204020203" pitchFamily="50" charset="-127"/>
-              <a:ea typeface="맑은 고딕 Semilight" panose="020B0502040204020203" pitchFamily="50" charset="-127"/>
-              <a:cs typeface="맑은 고딕 Semilight" panose="020B0502040204020203" pitchFamily="50" charset="-127"/>
-              <a:sym typeface="Wingdings" panose="05000000000000000000" pitchFamily="2" charset="2"/>
-            </a:endParaRPr>
-          </a:p>
-          <a:p>
-            <a:pPr marL="449263" lvl="1" indent="-182563">
-              <a:lnSpc>
-                <a:spcPct val="150000"/>
-              </a:lnSpc>
-              <a:buFontTx/>
-              <a:buChar char="-"/>
-              <a:tabLst>
-                <a:tab pos="182563" algn="l"/>
-                <a:tab pos="449263" algn="l"/>
-              </a:tabLst>
-            </a:pPr>
-            <a:r>
-              <a:rPr lang="en-US" altLang="ko-KR" sz="1400" dirty="0" err="1" smtClean="0">
-                <a:ln>
-                  <a:solidFill>
-                    <a:schemeClr val="tx1">
-                      <a:alpha val="29000"/>
-                    </a:schemeClr>
-                  </a:solidFill>
-                </a:ln>
-                <a:latin typeface="맑은 고딕 Semilight" panose="020B0502040204020203" pitchFamily="50" charset="-127"/>
-                <a:ea typeface="맑은 고딕 Semilight" panose="020B0502040204020203" pitchFamily="50" charset="-127"/>
-                <a:cs typeface="맑은 고딕 Semilight" panose="020B0502040204020203" pitchFamily="50" charset="-127"/>
-                <a:sym typeface="Wingdings" panose="05000000000000000000" pitchFamily="2" charset="2"/>
-              </a:rPr>
-              <a:t>Sourcetree</a:t>
-            </a:r>
-            <a:r>
-              <a:rPr lang="en-US" altLang="ko-KR" sz="1400" dirty="0" smtClean="0">
-                <a:ln>
-                  <a:solidFill>
-                    <a:schemeClr val="tx1">
-                      <a:alpha val="29000"/>
-                    </a:schemeClr>
-                  </a:solidFill>
-                </a:ln>
-                <a:latin typeface="맑은 고딕 Semilight" panose="020B0502040204020203" pitchFamily="50" charset="-127"/>
-                <a:ea typeface="맑은 고딕 Semilight" panose="020B0502040204020203" pitchFamily="50" charset="-127"/>
-                <a:cs typeface="맑은 고딕 Semilight" panose="020B0502040204020203" pitchFamily="50" charset="-127"/>
-                <a:sym typeface="Wingdings" panose="05000000000000000000" pitchFamily="2" charset="2"/>
-              </a:rPr>
-              <a:t> </a:t>
-            </a:r>
-            <a:r>
-              <a:rPr lang="ko-KR" altLang="en-US" sz="1400" dirty="0" smtClean="0">
-                <a:ln>
-                  <a:solidFill>
-                    <a:schemeClr val="tx1">
-                      <a:alpha val="29000"/>
-                    </a:schemeClr>
-                  </a:solidFill>
-                </a:ln>
-                <a:latin typeface="맑은 고딕 Semilight" panose="020B0502040204020203" pitchFamily="50" charset="-127"/>
-                <a:ea typeface="맑은 고딕 Semilight" panose="020B0502040204020203" pitchFamily="50" charset="-127"/>
-                <a:cs typeface="맑은 고딕 Semilight" panose="020B0502040204020203" pitchFamily="50" charset="-127"/>
-                <a:sym typeface="Wingdings" panose="05000000000000000000" pitchFamily="2" charset="2"/>
-              </a:rPr>
-              <a:t>홈페이지에서 </a:t>
-            </a:r>
-            <a:r>
-              <a:rPr lang="en-US" altLang="ko-KR" sz="1400" dirty="0" smtClean="0">
-                <a:ln>
-                  <a:solidFill>
-                    <a:schemeClr val="tx1">
-                      <a:alpha val="29000"/>
-                    </a:schemeClr>
-                  </a:solidFill>
-                </a:ln>
-                <a:latin typeface="맑은 고딕 Semilight" panose="020B0502040204020203" pitchFamily="50" charset="-127"/>
-                <a:ea typeface="맑은 고딕 Semilight" panose="020B0502040204020203" pitchFamily="50" charset="-127"/>
-                <a:cs typeface="맑은 고딕 Semilight" panose="020B0502040204020203" pitchFamily="50" charset="-127"/>
-                <a:sym typeface="Wingdings" panose="05000000000000000000" pitchFamily="2" charset="2"/>
-              </a:rPr>
-              <a:t>exe </a:t>
-            </a:r>
-            <a:r>
-              <a:rPr lang="ko-KR" altLang="en-US" sz="1400" dirty="0" smtClean="0">
-                <a:ln>
-                  <a:solidFill>
-                    <a:schemeClr val="tx1">
-                      <a:alpha val="29000"/>
-                    </a:schemeClr>
-                  </a:solidFill>
-                </a:ln>
-                <a:latin typeface="맑은 고딕 Semilight" panose="020B0502040204020203" pitchFamily="50" charset="-127"/>
-                <a:ea typeface="맑은 고딕 Semilight" panose="020B0502040204020203" pitchFamily="50" charset="-127"/>
-                <a:cs typeface="맑은 고딕 Semilight" panose="020B0502040204020203" pitchFamily="50" charset="-127"/>
-                <a:sym typeface="Wingdings" panose="05000000000000000000" pitchFamily="2" charset="2"/>
-              </a:rPr>
-              <a:t>파일 다운로드 진행</a:t>
-            </a:r>
-            <a:endParaRPr lang="en-US" altLang="ko-KR" sz="1400" dirty="0" smtClean="0">
-              <a:ln>
-                <a:solidFill>
-                  <a:schemeClr val="tx1">
-                    <a:alpha val="29000"/>
-                  </a:schemeClr>
-                </a:solidFill>
-              </a:ln>
-              <a:latin typeface="맑은 고딕 Semilight" panose="020B0502040204020203" pitchFamily="50" charset="-127"/>
-              <a:ea typeface="맑은 고딕 Semilight" panose="020B0502040204020203" pitchFamily="50" charset="-127"/>
-              <a:cs typeface="맑은 고딕 Semilight" panose="020B0502040204020203" pitchFamily="50" charset="-127"/>
-              <a:sym typeface="Wingdings" panose="05000000000000000000" pitchFamily="2" charset="2"/>
-            </a:endParaRPr>
-          </a:p>
-        </p:txBody>
-      </p:sp>
-      <p:pic>
-        <p:nvPicPr>
-          <p:cNvPr id="10242" name="Picture 2" descr="https://t1.daumcdn.net/cfile/tistory/99E5A4335C80B72530"/>
-          <p:cNvPicPr>
-            <a:picLocks noChangeAspect="1" noChangeArrowheads="1"/>
-          </p:cNvPicPr>
-          <p:nvPr/>
-        </p:nvPicPr>
-        <p:blipFill>
-          <a:blip r:embed="rId3">
-            <a:extLst>
-              <a:ext uri="{28A0092B-C50C-407E-A947-70E740481C1C}">
-                <a14:useLocalDpi xmlns:a14="http://schemas.microsoft.com/office/drawing/2010/main" val="0"/>
-              </a:ext>
-            </a:extLst>
-          </a:blip>
-          <a:srcRect/>
-          <a:stretch>
-            <a:fillRect/>
-          </a:stretch>
-        </p:blipFill>
-        <p:spPr bwMode="auto">
-          <a:xfrm>
-            <a:off x="3448171" y="1941062"/>
-            <a:ext cx="3217516" cy="3078963"/>
-          </a:xfrm>
-          <a:prstGeom prst="rect">
-            <a:avLst/>
-          </a:prstGeom>
-          <a:noFill/>
-          <a:extLst>
-            <a:ext uri="{909E8E84-426E-40DD-AFC4-6F175D3DCCD1}">
-              <a14:hiddenFill xmlns:a14="http://schemas.microsoft.com/office/drawing/2010/main">
-                <a:solidFill>
-                  <a:srgbClr val="FFFFFF"/>
-                </a:solidFill>
-              </a14:hiddenFill>
-            </a:ext>
-          </a:extLst>
-        </p:spPr>
-      </p:pic>
-    </p:spTree>
-    <p:extLst>
-      <p:ext uri="{BB962C8B-B14F-4D97-AF65-F5344CB8AC3E}">
-        <p14:creationId xmlns:p14="http://schemas.microsoft.com/office/powerpoint/2010/main" val="2219159561"/>
-      </p:ext>
-    </p:extLst>
-  </p:cSld>
-  <p:clrMapOvr>
-    <a:masterClrMapping/>
-  </p:clrMapOvr>
-  <p:timing>
-    <p:tnLst>
-      <p:par>
-        <p:cTn id="1" dur="indefinite" restart="never" nodeType="tmRoot"/>
-      </p:par>
-    </p:tnLst>
-  </p:timing>
-</p:sld>
-</file>
-
-<file path=ppt/slides/slide13.xml><?xml version="1.0" encoding="utf-8"?>
-<p:sld xmlns:a="http://schemas.openxmlformats.org/drawingml/2006/main" xmlns:r="http://schemas.openxmlformats.org/officeDocument/2006/relationships" xmlns:p="http://schemas.openxmlformats.org/presentationml/2006/main">
-  <p:cSld>
-    <p:spTree>
-      <p:nvGrpSpPr>
-        <p:cNvPr id="1" name=""/>
-        <p:cNvGrpSpPr/>
-        <p:nvPr/>
-      </p:nvGrpSpPr>
-      <p:grpSpPr>
-        <a:xfrm>
-          <a:off x="0" y="0"/>
-          <a:ext cx="0" cy="0"/>
-          <a:chOff x="0" y="0"/>
-          <a:chExt cx="0" cy="0"/>
-        </a:xfrm>
-      </p:grpSpPr>
-      <p:cxnSp>
-        <p:nvCxnSpPr>
-          <p:cNvPr id="7" name="직선 연결선 6"/>
-          <p:cNvCxnSpPr/>
-          <p:nvPr/>
-        </p:nvCxnSpPr>
-        <p:spPr>
-          <a:xfrm>
-            <a:off x="0" y="683316"/>
-            <a:ext cx="2228295" cy="0"/>
-          </a:xfrm>
-          <a:prstGeom prst="line">
-            <a:avLst/>
-          </a:prstGeom>
-          <a:ln w="28575">
-            <a:solidFill>
-              <a:srgbClr val="ED553B"/>
-            </a:solidFill>
-            <a:tailEnd type="oval" w="lg" len="lg"/>
-          </a:ln>
-        </p:spPr>
-        <p:style>
-          <a:lnRef idx="1">
-            <a:schemeClr val="accent1"/>
-          </a:lnRef>
-          <a:fillRef idx="0">
-            <a:schemeClr val="accent1"/>
-          </a:fillRef>
-          <a:effectRef idx="0">
-            <a:schemeClr val="accent1"/>
-          </a:effectRef>
-          <a:fontRef idx="minor">
-            <a:schemeClr val="tx1"/>
-          </a:fontRef>
-        </p:style>
-      </p:cxnSp>
-      <p:sp>
-        <p:nvSpPr>
-          <p:cNvPr id="9" name="TextBox 8"/>
-          <p:cNvSpPr txBox="1"/>
-          <p:nvPr/>
-        </p:nvSpPr>
-        <p:spPr>
-          <a:xfrm>
-            <a:off x="322413" y="140957"/>
-            <a:ext cx="5552787" cy="400110"/>
-          </a:xfrm>
-          <a:prstGeom prst="rect">
-            <a:avLst/>
-          </a:prstGeom>
-          <a:noFill/>
-        </p:spPr>
-        <p:txBody>
-          <a:bodyPr wrap="square" rtlCol="0">
-            <a:spAutoFit/>
-          </a:bodyPr>
-          <a:lstStyle/>
-          <a:p>
-            <a:r>
-              <a:rPr lang="en-US" altLang="ko-KR" sz="2000" b="1" dirty="0" smtClean="0">
-                <a:ln>
-                  <a:solidFill>
-                    <a:schemeClr val="tx1">
-                      <a:alpha val="29000"/>
-                    </a:schemeClr>
-                  </a:solidFill>
-                </a:ln>
-                <a:latin typeface="맑은 고딕 Semilight" panose="020B0502040204020203" pitchFamily="50" charset="-127"/>
-                <a:ea typeface="맑은 고딕 Semilight" panose="020B0502040204020203" pitchFamily="50" charset="-127"/>
-                <a:cs typeface="맑은 고딕 Semilight" panose="020B0502040204020203" pitchFamily="50" charset="-127"/>
-              </a:rPr>
-              <a:t>Let’s </a:t>
-            </a:r>
-            <a:r>
-              <a:rPr lang="en-US" altLang="ko-KR" sz="2000" b="1" dirty="0" err="1" smtClean="0">
-                <a:ln>
-                  <a:solidFill>
-                    <a:schemeClr val="tx1">
-                      <a:alpha val="29000"/>
-                    </a:schemeClr>
-                  </a:solidFill>
-                </a:ln>
-                <a:latin typeface="맑은 고딕 Semilight" panose="020B0502040204020203" pitchFamily="50" charset="-127"/>
-                <a:ea typeface="맑은 고딕 Semilight" panose="020B0502040204020203" pitchFamily="50" charset="-127"/>
-                <a:cs typeface="맑은 고딕 Semilight" panose="020B0502040204020203" pitchFamily="50" charset="-127"/>
-              </a:rPr>
-              <a:t>Git</a:t>
-            </a:r>
-            <a:r>
-              <a:rPr lang="en-US" altLang="ko-KR" sz="2000" b="1" dirty="0" smtClean="0">
-                <a:ln>
-                  <a:solidFill>
-                    <a:schemeClr val="tx1">
-                      <a:alpha val="29000"/>
-                    </a:schemeClr>
-                  </a:solidFill>
-                </a:ln>
-                <a:latin typeface="맑은 고딕 Semilight" panose="020B0502040204020203" pitchFamily="50" charset="-127"/>
-                <a:ea typeface="맑은 고딕 Semilight" panose="020B0502040204020203" pitchFamily="50" charset="-127"/>
-                <a:cs typeface="맑은 고딕 Semilight" panose="020B0502040204020203" pitchFamily="50" charset="-127"/>
-              </a:rPr>
-              <a:t> it (?)</a:t>
-            </a:r>
-            <a:endParaRPr lang="en-US" altLang="ko-KR" sz="2000" b="1" dirty="0">
-              <a:ln>
-                <a:solidFill>
-                  <a:schemeClr val="tx1">
-                    <a:alpha val="29000"/>
-                  </a:schemeClr>
-                </a:solidFill>
-              </a:ln>
-              <a:latin typeface="맑은 고딕 Semilight" panose="020B0502040204020203" pitchFamily="50" charset="-127"/>
-              <a:ea typeface="맑은 고딕 Semilight" panose="020B0502040204020203" pitchFamily="50" charset="-127"/>
-              <a:cs typeface="맑은 고딕 Semilight" panose="020B0502040204020203" pitchFamily="50" charset="-127"/>
-            </a:endParaRPr>
-          </a:p>
-        </p:txBody>
-      </p:sp>
-      <p:sp>
-        <p:nvSpPr>
-          <p:cNvPr id="74" name="TextBox 73"/>
-          <p:cNvSpPr txBox="1"/>
-          <p:nvPr/>
-        </p:nvSpPr>
-        <p:spPr>
-          <a:xfrm>
-            <a:off x="267599" y="825566"/>
-            <a:ext cx="9578660" cy="830997"/>
-          </a:xfrm>
-          <a:prstGeom prst="rect">
-            <a:avLst/>
-          </a:prstGeom>
-          <a:noFill/>
-        </p:spPr>
-        <p:txBody>
-          <a:bodyPr wrap="square" rtlCol="0">
-            <a:spAutoFit/>
-          </a:bodyPr>
-          <a:lstStyle/>
-          <a:p>
-            <a:pPr marL="285750" indent="-285750">
-              <a:lnSpc>
-                <a:spcPct val="150000"/>
-              </a:lnSpc>
-              <a:buFont typeface="Arial" panose="020B0604020202020204" pitchFamily="34" charset="0"/>
-              <a:buChar char="•"/>
-            </a:pPr>
-            <a:r>
-              <a:rPr lang="en-US" altLang="ko-KR" sz="1800" b="1" dirty="0" err="1" smtClean="0">
-                <a:ln>
-                  <a:solidFill>
-                    <a:schemeClr val="tx1">
-                      <a:alpha val="29000"/>
-                    </a:schemeClr>
-                  </a:solidFill>
-                </a:ln>
-                <a:latin typeface="맑은 고딕 Semilight" panose="020B0502040204020203" pitchFamily="50" charset="-127"/>
-                <a:ea typeface="맑은 고딕 Semilight" panose="020B0502040204020203" pitchFamily="50" charset="-127"/>
-                <a:cs typeface="맑은 고딕 Semilight" panose="020B0502040204020203" pitchFamily="50" charset="-127"/>
-                <a:sym typeface="Wingdings" panose="05000000000000000000" pitchFamily="2" charset="2"/>
-              </a:rPr>
-              <a:t>Git</a:t>
-            </a:r>
-            <a:r>
-              <a:rPr lang="ko-KR" altLang="en-US" sz="1800" b="1" dirty="0" smtClean="0">
-                <a:ln>
-                  <a:solidFill>
-                    <a:schemeClr val="tx1">
-                      <a:alpha val="29000"/>
-                    </a:schemeClr>
-                  </a:solidFill>
-                </a:ln>
-                <a:latin typeface="맑은 고딕 Semilight" panose="020B0502040204020203" pitchFamily="50" charset="-127"/>
-                <a:ea typeface="맑은 고딕 Semilight" panose="020B0502040204020203" pitchFamily="50" charset="-127"/>
-                <a:cs typeface="맑은 고딕 Semilight" panose="020B0502040204020203" pitchFamily="50" charset="-127"/>
-                <a:sym typeface="Wingdings" panose="05000000000000000000" pitchFamily="2" charset="2"/>
-              </a:rPr>
-              <a:t>을 다루는 </a:t>
-            </a:r>
-            <a:r>
-              <a:rPr lang="en-US" altLang="ko-KR" sz="1800" b="1" dirty="0" smtClean="0">
-                <a:ln>
-                  <a:solidFill>
-                    <a:schemeClr val="tx1">
-                      <a:alpha val="29000"/>
-                    </a:schemeClr>
-                  </a:solidFill>
-                </a:ln>
-                <a:latin typeface="맑은 고딕 Semilight" panose="020B0502040204020203" pitchFamily="50" charset="-127"/>
-                <a:ea typeface="맑은 고딕 Semilight" panose="020B0502040204020203" pitchFamily="50" charset="-127"/>
-                <a:cs typeface="맑은 고딕 Semilight" panose="020B0502040204020203" pitchFamily="50" charset="-127"/>
-                <a:sym typeface="Wingdings" panose="05000000000000000000" pitchFamily="2" charset="2"/>
-              </a:rPr>
-              <a:t>GUI </a:t>
-            </a:r>
-            <a:r>
-              <a:rPr lang="en-US" altLang="ko-KR" sz="1800" b="1" dirty="0" err="1" smtClean="0">
-                <a:ln>
-                  <a:solidFill>
-                    <a:schemeClr val="tx1">
-                      <a:alpha val="29000"/>
-                    </a:schemeClr>
-                  </a:solidFill>
-                </a:ln>
-                <a:latin typeface="맑은 고딕 Semilight" panose="020B0502040204020203" pitchFamily="50" charset="-127"/>
-                <a:ea typeface="맑은 고딕 Semilight" panose="020B0502040204020203" pitchFamily="50" charset="-127"/>
-                <a:cs typeface="맑은 고딕 Semilight" panose="020B0502040204020203" pitchFamily="50" charset="-127"/>
-                <a:sym typeface="Wingdings" panose="05000000000000000000" pitchFamily="2" charset="2"/>
-              </a:rPr>
-              <a:t>sourcetree</a:t>
-            </a:r>
-            <a:r>
-              <a:rPr lang="ko-KR" altLang="en-US" sz="1800" b="1" dirty="0">
-                <a:ln>
-                  <a:solidFill>
-                    <a:schemeClr val="tx1">
-                      <a:alpha val="29000"/>
-                    </a:schemeClr>
-                  </a:solidFill>
-                </a:ln>
-                <a:latin typeface="맑은 고딕 Semilight" panose="020B0502040204020203" pitchFamily="50" charset="-127"/>
-                <a:ea typeface="맑은 고딕 Semilight" panose="020B0502040204020203" pitchFamily="50" charset="-127"/>
-                <a:cs typeface="맑은 고딕 Semilight" panose="020B0502040204020203" pitchFamily="50" charset="-127"/>
-                <a:sym typeface="Wingdings" panose="05000000000000000000" pitchFamily="2" charset="2"/>
-              </a:rPr>
-              <a:t> </a:t>
-            </a:r>
-            <a:r>
-              <a:rPr lang="ko-KR" altLang="en-US" sz="1800" b="1" dirty="0" smtClean="0">
-                <a:ln>
-                  <a:solidFill>
-                    <a:schemeClr val="tx1">
-                      <a:alpha val="29000"/>
-                    </a:schemeClr>
-                  </a:solidFill>
-                </a:ln>
-                <a:latin typeface="맑은 고딕 Semilight" panose="020B0502040204020203" pitchFamily="50" charset="-127"/>
-                <a:ea typeface="맑은 고딕 Semilight" panose="020B0502040204020203" pitchFamily="50" charset="-127"/>
-                <a:cs typeface="맑은 고딕 Semilight" panose="020B0502040204020203" pitchFamily="50" charset="-127"/>
-                <a:sym typeface="Wingdings" panose="05000000000000000000" pitchFamily="2" charset="2"/>
-              </a:rPr>
-              <a:t>설치</a:t>
-            </a:r>
-            <a:endParaRPr lang="en-US" altLang="ko-KR" sz="1800" b="1" dirty="0">
-              <a:ln>
-                <a:solidFill>
-                  <a:schemeClr val="tx1">
-                    <a:alpha val="29000"/>
-                  </a:schemeClr>
-                </a:solidFill>
-              </a:ln>
-              <a:latin typeface="맑은 고딕 Semilight" panose="020B0502040204020203" pitchFamily="50" charset="-127"/>
-              <a:ea typeface="맑은 고딕 Semilight" panose="020B0502040204020203" pitchFamily="50" charset="-127"/>
-              <a:cs typeface="맑은 고딕 Semilight" panose="020B0502040204020203" pitchFamily="50" charset="-127"/>
-              <a:sym typeface="Wingdings" panose="05000000000000000000" pitchFamily="2" charset="2"/>
-            </a:endParaRPr>
-          </a:p>
-          <a:p>
-            <a:pPr marL="449263" lvl="1" indent="-182563">
-              <a:lnSpc>
-                <a:spcPct val="150000"/>
-              </a:lnSpc>
-              <a:buFontTx/>
-              <a:buChar char="-"/>
-              <a:tabLst>
-                <a:tab pos="182563" algn="l"/>
-                <a:tab pos="449263" algn="l"/>
-              </a:tabLst>
-            </a:pPr>
-            <a:r>
-              <a:rPr lang="ko-KR" altLang="en-US" sz="1400" dirty="0" smtClean="0">
-                <a:ln>
-                  <a:solidFill>
-                    <a:schemeClr val="tx1">
-                      <a:alpha val="29000"/>
-                    </a:schemeClr>
-                  </a:solidFill>
-                </a:ln>
-                <a:latin typeface="맑은 고딕 Semilight" panose="020B0502040204020203" pitchFamily="50" charset="-127"/>
-                <a:ea typeface="맑은 고딕 Semilight" panose="020B0502040204020203" pitchFamily="50" charset="-127"/>
-                <a:cs typeface="맑은 고딕 Semilight" panose="020B0502040204020203" pitchFamily="50" charset="-127"/>
-                <a:sym typeface="Wingdings" panose="05000000000000000000" pitchFamily="2" charset="2"/>
-              </a:rPr>
-              <a:t>아이디 등록</a:t>
-            </a:r>
-            <a:endParaRPr lang="en-US" altLang="ko-KR" sz="1400" dirty="0" smtClean="0">
-              <a:ln>
-                <a:solidFill>
-                  <a:schemeClr val="tx1">
-                    <a:alpha val="29000"/>
-                  </a:schemeClr>
-                </a:solidFill>
-              </a:ln>
-              <a:latin typeface="맑은 고딕 Semilight" panose="020B0502040204020203" pitchFamily="50" charset="-127"/>
-              <a:ea typeface="맑은 고딕 Semilight" panose="020B0502040204020203" pitchFamily="50" charset="-127"/>
-              <a:cs typeface="맑은 고딕 Semilight" panose="020B0502040204020203" pitchFamily="50" charset="-127"/>
-              <a:sym typeface="Wingdings" panose="05000000000000000000" pitchFamily="2" charset="2"/>
-            </a:endParaRPr>
-          </a:p>
-        </p:txBody>
-      </p:sp>
-      <p:pic>
-        <p:nvPicPr>
-          <p:cNvPr id="12290" name="Picture 2" descr="https://t1.daumcdn.net/cfile/tistory/993C2D365C80B7C932"/>
-          <p:cNvPicPr>
-            <a:picLocks noChangeAspect="1" noChangeArrowheads="1"/>
-          </p:cNvPicPr>
-          <p:nvPr/>
-        </p:nvPicPr>
-        <p:blipFill>
-          <a:blip r:embed="rId3">
-            <a:extLst>
-              <a:ext uri="{28A0092B-C50C-407E-A947-70E740481C1C}">
-                <a14:useLocalDpi xmlns:a14="http://schemas.microsoft.com/office/drawing/2010/main" val="0"/>
-              </a:ext>
-            </a:extLst>
-          </a:blip>
-          <a:srcRect/>
-          <a:stretch>
-            <a:fillRect/>
-          </a:stretch>
-        </p:blipFill>
-        <p:spPr bwMode="auto">
-          <a:xfrm>
-            <a:off x="541655" y="1798812"/>
-            <a:ext cx="5899785" cy="3582012"/>
-          </a:xfrm>
-          <a:prstGeom prst="rect">
-            <a:avLst/>
-          </a:prstGeom>
-          <a:noFill/>
-          <a:extLst>
-            <a:ext uri="{909E8E84-426E-40DD-AFC4-6F175D3DCCD1}">
-              <a14:hiddenFill xmlns:a14="http://schemas.microsoft.com/office/drawing/2010/main">
-                <a:solidFill>
-                  <a:srgbClr val="FFFFFF"/>
-                </a:solidFill>
-              </a14:hiddenFill>
-            </a:ext>
-          </a:extLst>
-        </p:spPr>
-      </p:pic>
-      <p:pic>
-        <p:nvPicPr>
-          <p:cNvPr id="12292" name="Picture 4" descr="https://t1.daumcdn.net/cfile/tistory/99FCAA3F5C80B7D62D"/>
-          <p:cNvPicPr>
-            <a:picLocks noChangeAspect="1" noChangeArrowheads="1"/>
-          </p:cNvPicPr>
-          <p:nvPr/>
-        </p:nvPicPr>
-        <p:blipFill>
-          <a:blip r:embed="rId4">
-            <a:extLst>
-              <a:ext uri="{28A0092B-C50C-407E-A947-70E740481C1C}">
-                <a14:useLocalDpi xmlns:a14="http://schemas.microsoft.com/office/drawing/2010/main" val="0"/>
-              </a:ext>
-            </a:extLst>
-          </a:blip>
-          <a:srcRect/>
-          <a:stretch>
-            <a:fillRect/>
-          </a:stretch>
-        </p:blipFill>
-        <p:spPr bwMode="auto">
-          <a:xfrm>
-            <a:off x="6251575" y="1656563"/>
-            <a:ext cx="3339465" cy="3057257"/>
-          </a:xfrm>
-          <a:prstGeom prst="rect">
-            <a:avLst/>
-          </a:prstGeom>
-          <a:noFill/>
-          <a:extLst>
-            <a:ext uri="{909E8E84-426E-40DD-AFC4-6F175D3DCCD1}">
-              <a14:hiddenFill xmlns:a14="http://schemas.microsoft.com/office/drawing/2010/main">
-                <a:solidFill>
-                  <a:srgbClr val="FFFFFF"/>
-                </a:solidFill>
-              </a14:hiddenFill>
-            </a:ext>
-          </a:extLst>
-        </p:spPr>
-      </p:pic>
-      <p:cxnSp>
-        <p:nvCxnSpPr>
-          <p:cNvPr id="3" name="직선 화살표 연결선 2"/>
-          <p:cNvCxnSpPr/>
-          <p:nvPr/>
-        </p:nvCxnSpPr>
-        <p:spPr>
-          <a:xfrm flipV="1">
-            <a:off x="5329530" y="2966720"/>
-            <a:ext cx="1239520" cy="218471"/>
-          </a:xfrm>
-          <a:prstGeom prst="straightConnector1">
-            <a:avLst/>
-          </a:prstGeom>
-          <a:ln w="28575">
-            <a:solidFill>
-              <a:srgbClr val="ED553B"/>
-            </a:solidFill>
-            <a:tailEnd type="triangle"/>
-          </a:ln>
-        </p:spPr>
-        <p:style>
-          <a:lnRef idx="1">
-            <a:schemeClr val="accent1"/>
-          </a:lnRef>
-          <a:fillRef idx="0">
-            <a:schemeClr val="accent1"/>
-          </a:fillRef>
-          <a:effectRef idx="0">
-            <a:schemeClr val="accent1"/>
-          </a:effectRef>
-          <a:fontRef idx="minor">
-            <a:schemeClr val="tx1"/>
-          </a:fontRef>
-        </p:style>
-      </p:cxnSp>
-    </p:spTree>
-    <p:extLst>
-      <p:ext uri="{BB962C8B-B14F-4D97-AF65-F5344CB8AC3E}">
-        <p14:creationId xmlns:p14="http://schemas.microsoft.com/office/powerpoint/2010/main" val="2961946969"/>
-      </p:ext>
-    </p:extLst>
-  </p:cSld>
-  <p:clrMapOvr>
-    <a:masterClrMapping/>
-  </p:clrMapOvr>
-  <p:timing>
-    <p:tnLst>
-      <p:par>
-        <p:cTn id="1" dur="indefinite" restart="never" nodeType="tmRoot"/>
-      </p:par>
-    </p:tnLst>
-  </p:timing>
-</p:sld>
-</file>
-
-<file path=ppt/slides/slide14.xml><?xml version="1.0" encoding="utf-8"?>
-<p:sld xmlns:a="http://schemas.openxmlformats.org/drawingml/2006/main" xmlns:r="http://schemas.openxmlformats.org/officeDocument/2006/relationships" xmlns:p="http://schemas.openxmlformats.org/presentationml/2006/main">
-  <p:cSld>
-    <p:spTree>
-      <p:nvGrpSpPr>
-        <p:cNvPr id="1" name=""/>
-        <p:cNvGrpSpPr/>
-        <p:nvPr/>
-      </p:nvGrpSpPr>
-      <p:grpSpPr>
-        <a:xfrm>
-          <a:off x="0" y="0"/>
-          <a:ext cx="0" cy="0"/>
-          <a:chOff x="0" y="0"/>
-          <a:chExt cx="0" cy="0"/>
-        </a:xfrm>
-      </p:grpSpPr>
-      <p:cxnSp>
-        <p:nvCxnSpPr>
-          <p:cNvPr id="7" name="직선 연결선 6"/>
-          <p:cNvCxnSpPr/>
-          <p:nvPr/>
-        </p:nvCxnSpPr>
-        <p:spPr>
-          <a:xfrm>
-            <a:off x="0" y="683316"/>
-            <a:ext cx="2228295" cy="0"/>
-          </a:xfrm>
-          <a:prstGeom prst="line">
-            <a:avLst/>
-          </a:prstGeom>
-          <a:ln w="28575">
-            <a:solidFill>
-              <a:srgbClr val="ED553B"/>
-            </a:solidFill>
-            <a:tailEnd type="oval" w="lg" len="lg"/>
-          </a:ln>
-        </p:spPr>
-        <p:style>
-          <a:lnRef idx="1">
-            <a:schemeClr val="accent1"/>
-          </a:lnRef>
-          <a:fillRef idx="0">
-            <a:schemeClr val="accent1"/>
-          </a:fillRef>
-          <a:effectRef idx="0">
-            <a:schemeClr val="accent1"/>
-          </a:effectRef>
-          <a:fontRef idx="minor">
-            <a:schemeClr val="tx1"/>
-          </a:fontRef>
-        </p:style>
-      </p:cxnSp>
-      <p:sp>
-        <p:nvSpPr>
-          <p:cNvPr id="9" name="TextBox 8"/>
-          <p:cNvSpPr txBox="1"/>
-          <p:nvPr/>
-        </p:nvSpPr>
-        <p:spPr>
-          <a:xfrm>
-            <a:off x="322413" y="140957"/>
-            <a:ext cx="5552787" cy="400110"/>
-          </a:xfrm>
-          <a:prstGeom prst="rect">
-            <a:avLst/>
-          </a:prstGeom>
-          <a:noFill/>
-        </p:spPr>
-        <p:txBody>
-          <a:bodyPr wrap="square" rtlCol="0">
-            <a:spAutoFit/>
-          </a:bodyPr>
-          <a:lstStyle/>
-          <a:p>
-            <a:r>
-              <a:rPr lang="en-US" altLang="ko-KR" sz="2000" b="1" dirty="0" smtClean="0">
-                <a:ln>
-                  <a:solidFill>
-                    <a:schemeClr val="tx1">
-                      <a:alpha val="29000"/>
-                    </a:schemeClr>
-                  </a:solidFill>
-                </a:ln>
-                <a:latin typeface="맑은 고딕 Semilight" panose="020B0502040204020203" pitchFamily="50" charset="-127"/>
-                <a:ea typeface="맑은 고딕 Semilight" panose="020B0502040204020203" pitchFamily="50" charset="-127"/>
-                <a:cs typeface="맑은 고딕 Semilight" panose="020B0502040204020203" pitchFamily="50" charset="-127"/>
-              </a:rPr>
-              <a:t>Let’s </a:t>
-            </a:r>
-            <a:r>
-              <a:rPr lang="en-US" altLang="ko-KR" sz="2000" b="1" dirty="0" err="1" smtClean="0">
-                <a:ln>
-                  <a:solidFill>
-                    <a:schemeClr val="tx1">
-                      <a:alpha val="29000"/>
-                    </a:schemeClr>
-                  </a:solidFill>
-                </a:ln>
-                <a:latin typeface="맑은 고딕 Semilight" panose="020B0502040204020203" pitchFamily="50" charset="-127"/>
-                <a:ea typeface="맑은 고딕 Semilight" panose="020B0502040204020203" pitchFamily="50" charset="-127"/>
-                <a:cs typeface="맑은 고딕 Semilight" panose="020B0502040204020203" pitchFamily="50" charset="-127"/>
-              </a:rPr>
-              <a:t>Git</a:t>
-            </a:r>
-            <a:r>
-              <a:rPr lang="en-US" altLang="ko-KR" sz="2000" b="1" dirty="0" smtClean="0">
-                <a:ln>
-                  <a:solidFill>
-                    <a:schemeClr val="tx1">
-                      <a:alpha val="29000"/>
-                    </a:schemeClr>
-                  </a:solidFill>
-                </a:ln>
-                <a:latin typeface="맑은 고딕 Semilight" panose="020B0502040204020203" pitchFamily="50" charset="-127"/>
-                <a:ea typeface="맑은 고딕 Semilight" panose="020B0502040204020203" pitchFamily="50" charset="-127"/>
-                <a:cs typeface="맑은 고딕 Semilight" panose="020B0502040204020203" pitchFamily="50" charset="-127"/>
-              </a:rPr>
-              <a:t> it (?)</a:t>
-            </a:r>
-            <a:endParaRPr lang="en-US" altLang="ko-KR" sz="2000" b="1" dirty="0">
-              <a:ln>
-                <a:solidFill>
-                  <a:schemeClr val="tx1">
-                    <a:alpha val="29000"/>
-                  </a:schemeClr>
-                </a:solidFill>
-              </a:ln>
-              <a:latin typeface="맑은 고딕 Semilight" panose="020B0502040204020203" pitchFamily="50" charset="-127"/>
-              <a:ea typeface="맑은 고딕 Semilight" panose="020B0502040204020203" pitchFamily="50" charset="-127"/>
-              <a:cs typeface="맑은 고딕 Semilight" panose="020B0502040204020203" pitchFamily="50" charset="-127"/>
-            </a:endParaRPr>
-          </a:p>
-        </p:txBody>
-      </p:sp>
-      <p:sp>
-        <p:nvSpPr>
-          <p:cNvPr id="74" name="TextBox 73"/>
-          <p:cNvSpPr txBox="1"/>
-          <p:nvPr/>
-        </p:nvSpPr>
-        <p:spPr>
-          <a:xfrm>
-            <a:off x="267599" y="825566"/>
-            <a:ext cx="9578660" cy="830997"/>
-          </a:xfrm>
-          <a:prstGeom prst="rect">
-            <a:avLst/>
-          </a:prstGeom>
-          <a:noFill/>
-        </p:spPr>
-        <p:txBody>
-          <a:bodyPr wrap="square" rtlCol="0">
-            <a:spAutoFit/>
-          </a:bodyPr>
-          <a:lstStyle/>
-          <a:p>
-            <a:pPr marL="285750" indent="-285750">
-              <a:lnSpc>
-                <a:spcPct val="150000"/>
-              </a:lnSpc>
-              <a:buFont typeface="Arial" panose="020B0604020202020204" pitchFamily="34" charset="0"/>
-              <a:buChar char="•"/>
-            </a:pPr>
-            <a:r>
-              <a:rPr lang="en-US" altLang="ko-KR" sz="1800" b="1" dirty="0" err="1" smtClean="0">
-                <a:ln>
-                  <a:solidFill>
-                    <a:schemeClr val="tx1">
-                      <a:alpha val="29000"/>
-                    </a:schemeClr>
-                  </a:solidFill>
-                </a:ln>
-                <a:latin typeface="맑은 고딕 Semilight" panose="020B0502040204020203" pitchFamily="50" charset="-127"/>
-                <a:ea typeface="맑은 고딕 Semilight" panose="020B0502040204020203" pitchFamily="50" charset="-127"/>
-                <a:cs typeface="맑은 고딕 Semilight" panose="020B0502040204020203" pitchFamily="50" charset="-127"/>
-                <a:sym typeface="Wingdings" panose="05000000000000000000" pitchFamily="2" charset="2"/>
-              </a:rPr>
-              <a:t>Github</a:t>
-            </a:r>
-            <a:r>
-              <a:rPr lang="ko-KR" altLang="en-US" sz="1800" b="1" dirty="0" smtClean="0">
-                <a:ln>
-                  <a:solidFill>
-                    <a:schemeClr val="tx1">
-                      <a:alpha val="29000"/>
-                    </a:schemeClr>
-                  </a:solidFill>
-                </a:ln>
-                <a:latin typeface="맑은 고딕 Semilight" panose="020B0502040204020203" pitchFamily="50" charset="-127"/>
-                <a:ea typeface="맑은 고딕 Semilight" panose="020B0502040204020203" pitchFamily="50" charset="-127"/>
-                <a:cs typeface="맑은 고딕 Semilight" panose="020B0502040204020203" pitchFamily="50" charset="-127"/>
-                <a:sym typeface="Wingdings" panose="05000000000000000000" pitchFamily="2" charset="2"/>
-              </a:rPr>
-              <a:t>의 저장소를 </a:t>
-            </a:r>
-            <a:r>
-              <a:rPr lang="en-US" altLang="ko-KR" sz="1800" b="1" dirty="0" err="1" smtClean="0">
-                <a:ln>
-                  <a:solidFill>
-                    <a:schemeClr val="tx1">
-                      <a:alpha val="29000"/>
-                    </a:schemeClr>
-                  </a:solidFill>
-                </a:ln>
-                <a:latin typeface="맑은 고딕 Semilight" panose="020B0502040204020203" pitchFamily="50" charset="-127"/>
-                <a:ea typeface="맑은 고딕 Semilight" panose="020B0502040204020203" pitchFamily="50" charset="-127"/>
-                <a:cs typeface="맑은 고딕 Semilight" panose="020B0502040204020203" pitchFamily="50" charset="-127"/>
-                <a:sym typeface="Wingdings" panose="05000000000000000000" pitchFamily="2" charset="2"/>
-              </a:rPr>
-              <a:t>sourcetree</a:t>
-            </a:r>
-            <a:r>
-              <a:rPr lang="ko-KR" altLang="en-US" sz="1800" b="1" dirty="0" smtClean="0">
-                <a:ln>
-                  <a:solidFill>
-                    <a:schemeClr val="tx1">
-                      <a:alpha val="29000"/>
-                    </a:schemeClr>
-                  </a:solidFill>
-                </a:ln>
-                <a:latin typeface="맑은 고딕 Semilight" panose="020B0502040204020203" pitchFamily="50" charset="-127"/>
-                <a:ea typeface="맑은 고딕 Semilight" panose="020B0502040204020203" pitchFamily="50" charset="-127"/>
-                <a:cs typeface="맑은 고딕 Semilight" panose="020B0502040204020203" pitchFamily="50" charset="-127"/>
-                <a:sym typeface="Wingdings" panose="05000000000000000000" pitchFamily="2" charset="2"/>
-              </a:rPr>
-              <a:t>를 통해 다루기</a:t>
-            </a:r>
-            <a:endParaRPr lang="en-US" altLang="ko-KR" sz="1800" b="1" dirty="0">
-              <a:ln>
-                <a:solidFill>
-                  <a:schemeClr val="tx1">
-                    <a:alpha val="29000"/>
-                  </a:schemeClr>
-                </a:solidFill>
-              </a:ln>
-              <a:latin typeface="맑은 고딕 Semilight" panose="020B0502040204020203" pitchFamily="50" charset="-127"/>
-              <a:ea typeface="맑은 고딕 Semilight" panose="020B0502040204020203" pitchFamily="50" charset="-127"/>
-              <a:cs typeface="맑은 고딕 Semilight" panose="020B0502040204020203" pitchFamily="50" charset="-127"/>
-              <a:sym typeface="Wingdings" panose="05000000000000000000" pitchFamily="2" charset="2"/>
-            </a:endParaRPr>
-          </a:p>
-          <a:p>
-            <a:pPr marL="449263" lvl="1" indent="-182563">
-              <a:lnSpc>
-                <a:spcPct val="150000"/>
-              </a:lnSpc>
-              <a:buFontTx/>
-              <a:buChar char="-"/>
-              <a:tabLst>
-                <a:tab pos="182563" algn="l"/>
-                <a:tab pos="449263" algn="l"/>
-              </a:tabLst>
-            </a:pPr>
-            <a:r>
-              <a:rPr lang="ko-KR" altLang="en-US" sz="1400" dirty="0" smtClean="0">
-                <a:ln>
-                  <a:solidFill>
-                    <a:schemeClr val="tx1">
-                      <a:alpha val="29000"/>
-                    </a:schemeClr>
-                  </a:solidFill>
-                </a:ln>
-                <a:latin typeface="맑은 고딕 Semilight" panose="020B0502040204020203" pitchFamily="50" charset="-127"/>
-                <a:ea typeface="맑은 고딕 Semilight" panose="020B0502040204020203" pitchFamily="50" charset="-127"/>
-                <a:cs typeface="맑은 고딕 Semilight" panose="020B0502040204020203" pitchFamily="50" charset="-127"/>
-                <a:sym typeface="Wingdings" panose="05000000000000000000" pitchFamily="2" charset="2"/>
-              </a:rPr>
-              <a:t>복사한 주소를 소스 경로에 입력하고 </a:t>
-            </a:r>
-            <a:r>
-              <a:rPr lang="en-US" altLang="ko-KR" sz="1400" dirty="0" smtClean="0">
-                <a:ln>
-                  <a:solidFill>
-                    <a:schemeClr val="tx1">
-                      <a:alpha val="29000"/>
-                    </a:schemeClr>
-                  </a:solidFill>
-                </a:ln>
-                <a:latin typeface="맑은 고딕 Semilight" panose="020B0502040204020203" pitchFamily="50" charset="-127"/>
-                <a:ea typeface="맑은 고딕 Semilight" panose="020B0502040204020203" pitchFamily="50" charset="-127"/>
-                <a:cs typeface="맑은 고딕 Semilight" panose="020B0502040204020203" pitchFamily="50" charset="-127"/>
-                <a:sym typeface="Wingdings" panose="05000000000000000000" pitchFamily="2" charset="2"/>
-              </a:rPr>
-              <a:t>clone </a:t>
-            </a:r>
-            <a:r>
-              <a:rPr lang="ko-KR" altLang="en-US" sz="1400" dirty="0" smtClean="0">
-                <a:ln>
-                  <a:solidFill>
-                    <a:schemeClr val="tx1">
-                      <a:alpha val="29000"/>
-                    </a:schemeClr>
-                  </a:solidFill>
-                </a:ln>
-                <a:latin typeface="맑은 고딕 Semilight" panose="020B0502040204020203" pitchFamily="50" charset="-127"/>
-                <a:ea typeface="맑은 고딕 Semilight" panose="020B0502040204020203" pitchFamily="50" charset="-127"/>
-                <a:cs typeface="맑은 고딕 Semilight" panose="020B0502040204020203" pitchFamily="50" charset="-127"/>
-                <a:sym typeface="Wingdings" panose="05000000000000000000" pitchFamily="2" charset="2"/>
-              </a:rPr>
-              <a:t>진행</a:t>
-            </a:r>
-            <a:endParaRPr lang="en-US" altLang="ko-KR" sz="1400" dirty="0" smtClean="0">
-              <a:ln>
-                <a:solidFill>
-                  <a:schemeClr val="tx1">
-                    <a:alpha val="29000"/>
-                  </a:schemeClr>
-                </a:solidFill>
-              </a:ln>
-              <a:latin typeface="맑은 고딕 Semilight" panose="020B0502040204020203" pitchFamily="50" charset="-127"/>
-              <a:ea typeface="맑은 고딕 Semilight" panose="020B0502040204020203" pitchFamily="50" charset="-127"/>
-              <a:cs typeface="맑은 고딕 Semilight" panose="020B0502040204020203" pitchFamily="50" charset="-127"/>
-              <a:sym typeface="Wingdings" panose="05000000000000000000" pitchFamily="2" charset="2"/>
-            </a:endParaRPr>
-          </a:p>
-        </p:txBody>
-      </p:sp>
-      <p:pic>
-        <p:nvPicPr>
-          <p:cNvPr id="4" name="그림 3"/>
-          <p:cNvPicPr>
-            <a:picLocks noChangeAspect="1"/>
-          </p:cNvPicPr>
-          <p:nvPr/>
-        </p:nvPicPr>
-        <p:blipFill>
-          <a:blip r:embed="rId3"/>
-          <a:stretch>
-            <a:fillRect/>
-          </a:stretch>
-        </p:blipFill>
-        <p:spPr>
-          <a:xfrm>
-            <a:off x="4504322" y="1848258"/>
-            <a:ext cx="5341937" cy="3562894"/>
-          </a:xfrm>
-          <a:prstGeom prst="rect">
-            <a:avLst/>
-          </a:prstGeom>
-        </p:spPr>
-      </p:pic>
-      <p:sp>
-        <p:nvSpPr>
-          <p:cNvPr id="8" name="직사각형 7"/>
-          <p:cNvSpPr/>
-          <p:nvPr/>
-        </p:nvSpPr>
-        <p:spPr>
-          <a:xfrm>
-            <a:off x="8222991" y="1979728"/>
-            <a:ext cx="1427036" cy="284499"/>
-          </a:xfrm>
-          <a:prstGeom prst="rect">
-            <a:avLst/>
-          </a:prstGeom>
-          <a:noFill/>
-          <a:ln w="38100">
-            <a:solidFill>
-              <a:srgbClr val="ED553B"/>
-            </a:solidFill>
-          </a:ln>
-        </p:spPr>
-        <p:style>
-          <a:lnRef idx="2">
-            <a:schemeClr val="accent1">
-              <a:shade val="50000"/>
-            </a:schemeClr>
-          </a:lnRef>
-          <a:fillRef idx="1">
-            <a:schemeClr val="accent1"/>
-          </a:fillRef>
-          <a:effectRef idx="0">
-            <a:schemeClr val="accent1"/>
-          </a:effectRef>
-          <a:fontRef idx="minor">
-            <a:schemeClr val="lt1"/>
-          </a:fontRef>
-        </p:style>
-        <p:txBody>
-          <a:bodyPr rtlCol="0" anchor="ctr"/>
-          <a:lstStyle/>
-          <a:p>
-            <a:pPr algn="ctr"/>
-            <a:endParaRPr lang="ko-KR" altLang="en-US"/>
-          </a:p>
-        </p:txBody>
-      </p:sp>
-      <p:sp>
-        <p:nvSpPr>
-          <p:cNvPr id="10" name="직사각형 9"/>
-          <p:cNvSpPr/>
-          <p:nvPr/>
-        </p:nvSpPr>
-        <p:spPr>
-          <a:xfrm>
-            <a:off x="5765399" y="2198370"/>
-            <a:ext cx="448360" cy="335280"/>
-          </a:xfrm>
-          <a:prstGeom prst="rect">
-            <a:avLst/>
-          </a:prstGeom>
-          <a:noFill/>
-          <a:ln w="38100">
-            <a:solidFill>
-              <a:srgbClr val="ED553B"/>
-            </a:solidFill>
-          </a:ln>
-        </p:spPr>
-        <p:style>
-          <a:lnRef idx="2">
-            <a:schemeClr val="accent1">
-              <a:shade val="50000"/>
-            </a:schemeClr>
-          </a:lnRef>
-          <a:fillRef idx="1">
-            <a:schemeClr val="accent1"/>
-          </a:fillRef>
-          <a:effectRef idx="0">
-            <a:schemeClr val="accent1"/>
-          </a:effectRef>
-          <a:fontRef idx="minor">
-            <a:schemeClr val="lt1"/>
-          </a:fontRef>
-        </p:style>
-        <p:txBody>
-          <a:bodyPr rtlCol="0" anchor="ctr"/>
-          <a:lstStyle/>
-          <a:p>
-            <a:pPr algn="ctr"/>
-            <a:endParaRPr lang="ko-KR" altLang="en-US"/>
-          </a:p>
-        </p:txBody>
-      </p:sp>
-      <p:sp>
-        <p:nvSpPr>
-          <p:cNvPr id="11" name="직사각형 10"/>
-          <p:cNvSpPr/>
-          <p:nvPr/>
-        </p:nvSpPr>
-        <p:spPr>
-          <a:xfrm>
-            <a:off x="4761628" y="2758580"/>
-            <a:ext cx="3782931" cy="2652572"/>
-          </a:xfrm>
-          <a:prstGeom prst="rect">
-            <a:avLst/>
-          </a:prstGeom>
-          <a:noFill/>
-          <a:ln w="38100">
-            <a:solidFill>
-              <a:srgbClr val="ED553B"/>
-            </a:solidFill>
-          </a:ln>
-        </p:spPr>
-        <p:style>
-          <a:lnRef idx="2">
-            <a:schemeClr val="accent1">
-              <a:shade val="50000"/>
-            </a:schemeClr>
-          </a:lnRef>
-          <a:fillRef idx="1">
-            <a:schemeClr val="accent1"/>
-          </a:fillRef>
-          <a:effectRef idx="0">
-            <a:schemeClr val="accent1"/>
-          </a:effectRef>
-          <a:fontRef idx="minor">
-            <a:schemeClr val="lt1"/>
-          </a:fontRef>
-        </p:style>
-        <p:txBody>
-          <a:bodyPr rtlCol="0" anchor="ctr"/>
-          <a:lstStyle/>
-          <a:p>
-            <a:pPr algn="ctr"/>
-            <a:endParaRPr lang="ko-KR" altLang="en-US"/>
-          </a:p>
-        </p:txBody>
-      </p:sp>
-    </p:spTree>
-    <p:extLst>
-      <p:ext uri="{BB962C8B-B14F-4D97-AF65-F5344CB8AC3E}">
-        <p14:creationId xmlns:p14="http://schemas.microsoft.com/office/powerpoint/2010/main" val="1160709474"/>
-      </p:ext>
-    </p:extLst>
-  </p:cSld>
-  <p:clrMapOvr>
-    <a:masterClrMapping/>
-  </p:clrMapOvr>
-  <p:timing>
-    <p:tnLst>
-      <p:par>
-        <p:cTn id="1" dur="indefinite" restart="never" nodeType="tmRoot"/>
-      </p:par>
-    </p:tnLst>
-  </p:timing>
-</p:sld>
-</file>
-
-<file path=ppt/slides/slide15.xml><?xml version="1.0" encoding="utf-8"?>
-<p:sld xmlns:a="http://schemas.openxmlformats.org/drawingml/2006/main" xmlns:r="http://schemas.openxmlformats.org/officeDocument/2006/relationships" xmlns:p="http://schemas.openxmlformats.org/presentationml/2006/main">
-  <p:cSld>
-    <p:spTree>
-      <p:nvGrpSpPr>
-        <p:cNvPr id="1" name=""/>
-        <p:cNvGrpSpPr/>
-        <p:nvPr/>
-      </p:nvGrpSpPr>
-      <p:grpSpPr>
-        <a:xfrm>
-          <a:off x="0" y="0"/>
-          <a:ext cx="0" cy="0"/>
-          <a:chOff x="0" y="0"/>
-          <a:chExt cx="0" cy="0"/>
-        </a:xfrm>
-      </p:grpSpPr>
-      <p:cxnSp>
-        <p:nvCxnSpPr>
-          <p:cNvPr id="7" name="직선 연결선 6"/>
-          <p:cNvCxnSpPr/>
-          <p:nvPr/>
-        </p:nvCxnSpPr>
-        <p:spPr>
-          <a:xfrm>
-            <a:off x="0" y="683316"/>
-            <a:ext cx="2794000" cy="0"/>
-          </a:xfrm>
-          <a:prstGeom prst="line">
-            <a:avLst/>
-          </a:prstGeom>
-          <a:ln w="28575">
-            <a:solidFill>
-              <a:srgbClr val="ED553B"/>
-            </a:solidFill>
-            <a:tailEnd type="oval" w="lg" len="lg"/>
-          </a:ln>
-        </p:spPr>
-        <p:style>
-          <a:lnRef idx="1">
-            <a:schemeClr val="accent1"/>
-          </a:lnRef>
-          <a:fillRef idx="0">
-            <a:schemeClr val="accent1"/>
-          </a:fillRef>
-          <a:effectRef idx="0">
-            <a:schemeClr val="accent1"/>
-          </a:effectRef>
-          <a:fontRef idx="minor">
-            <a:schemeClr val="tx1"/>
-          </a:fontRef>
-        </p:style>
-      </p:cxnSp>
-      <p:sp>
-        <p:nvSpPr>
-          <p:cNvPr id="9" name="TextBox 8"/>
-          <p:cNvSpPr txBox="1"/>
-          <p:nvPr/>
-        </p:nvSpPr>
-        <p:spPr>
-          <a:xfrm>
-            <a:off x="322413" y="140957"/>
-            <a:ext cx="5552787" cy="400110"/>
-          </a:xfrm>
-          <a:prstGeom prst="rect">
-            <a:avLst/>
-          </a:prstGeom>
-          <a:noFill/>
-        </p:spPr>
-        <p:txBody>
-          <a:bodyPr wrap="square" rtlCol="0">
-            <a:spAutoFit/>
-          </a:bodyPr>
-          <a:lstStyle/>
-          <a:p>
-            <a:r>
-              <a:rPr lang="en-US" altLang="ko-KR" sz="2000" b="1" dirty="0" smtClean="0">
-                <a:ln>
-                  <a:solidFill>
-                    <a:schemeClr val="tx1">
-                      <a:alpha val="29000"/>
-                    </a:schemeClr>
-                  </a:solidFill>
-                </a:ln>
-                <a:latin typeface="맑은 고딕 Semilight" panose="020B0502040204020203" pitchFamily="50" charset="-127"/>
-                <a:ea typeface="맑은 고딕 Semilight" panose="020B0502040204020203" pitchFamily="50" charset="-127"/>
-                <a:cs typeface="맑은 고딕 Semilight" panose="020B0502040204020203" pitchFamily="50" charset="-127"/>
-              </a:rPr>
-              <a:t>Commit</a:t>
-            </a:r>
-            <a:r>
-              <a:rPr lang="ko-KR" altLang="en-US" sz="2000" b="1" dirty="0" smtClean="0">
-                <a:ln>
-                  <a:solidFill>
-                    <a:schemeClr val="tx1">
-                      <a:alpha val="29000"/>
-                    </a:schemeClr>
-                  </a:solidFill>
-                </a:ln>
-                <a:latin typeface="맑은 고딕 Semilight" panose="020B0502040204020203" pitchFamily="50" charset="-127"/>
-                <a:ea typeface="맑은 고딕 Semilight" panose="020B0502040204020203" pitchFamily="50" charset="-127"/>
-                <a:cs typeface="맑은 고딕 Semilight" panose="020B0502040204020203" pitchFamily="50" charset="-127"/>
-              </a:rPr>
-              <a:t>을 해보자</a:t>
-            </a:r>
-            <a:endParaRPr lang="en-US" altLang="ko-KR" sz="2000" b="1" dirty="0">
-              <a:ln>
-                <a:solidFill>
-                  <a:schemeClr val="tx1">
-                    <a:alpha val="29000"/>
-                  </a:schemeClr>
-                </a:solidFill>
-              </a:ln>
-              <a:latin typeface="맑은 고딕 Semilight" panose="020B0502040204020203" pitchFamily="50" charset="-127"/>
-              <a:ea typeface="맑은 고딕 Semilight" panose="020B0502040204020203" pitchFamily="50" charset="-127"/>
-              <a:cs typeface="맑은 고딕 Semilight" panose="020B0502040204020203" pitchFamily="50" charset="-127"/>
-            </a:endParaRPr>
-          </a:p>
-        </p:txBody>
-      </p:sp>
-      <p:sp>
-        <p:nvSpPr>
-          <p:cNvPr id="74" name="TextBox 73"/>
-          <p:cNvSpPr txBox="1"/>
-          <p:nvPr/>
-        </p:nvSpPr>
-        <p:spPr>
-          <a:xfrm>
-            <a:off x="267599" y="825566"/>
-            <a:ext cx="9578660" cy="830997"/>
-          </a:xfrm>
-          <a:prstGeom prst="rect">
-            <a:avLst/>
-          </a:prstGeom>
-          <a:noFill/>
-        </p:spPr>
-        <p:txBody>
-          <a:bodyPr wrap="square" rtlCol="0">
-            <a:spAutoFit/>
-          </a:bodyPr>
-          <a:lstStyle/>
-          <a:p>
-            <a:pPr marL="285750" indent="-285750">
-              <a:lnSpc>
-                <a:spcPct val="150000"/>
-              </a:lnSpc>
-              <a:buFont typeface="Arial" panose="020B0604020202020204" pitchFamily="34" charset="0"/>
-              <a:buChar char="•"/>
-            </a:pPr>
-            <a:r>
-              <a:rPr lang="ko-KR" altLang="en-US" sz="1800" b="1" dirty="0" err="1" smtClean="0">
-                <a:ln>
-                  <a:solidFill>
-                    <a:schemeClr val="tx1">
-                      <a:alpha val="29000"/>
-                    </a:schemeClr>
-                  </a:solidFill>
-                </a:ln>
-                <a:latin typeface="맑은 고딕 Semilight" panose="020B0502040204020203" pitchFamily="50" charset="-127"/>
-                <a:ea typeface="맑은 고딕 Semilight" panose="020B0502040204020203" pitchFamily="50" charset="-127"/>
-                <a:cs typeface="맑은 고딕 Semilight" panose="020B0502040204020203" pitchFamily="50" charset="-127"/>
-                <a:sym typeface="Wingdings" panose="05000000000000000000" pitchFamily="2" charset="2"/>
-              </a:rPr>
-              <a:t>클라우드</a:t>
-            </a:r>
-            <a:r>
-              <a:rPr lang="ko-KR" altLang="en-US" sz="1800" b="1" dirty="0" smtClean="0">
-                <a:ln>
-                  <a:solidFill>
-                    <a:schemeClr val="tx1">
-                      <a:alpha val="29000"/>
-                    </a:schemeClr>
-                  </a:solidFill>
-                </a:ln>
-                <a:latin typeface="맑은 고딕 Semilight" panose="020B0502040204020203" pitchFamily="50" charset="-127"/>
-                <a:ea typeface="맑은 고딕 Semilight" panose="020B0502040204020203" pitchFamily="50" charset="-127"/>
-                <a:cs typeface="맑은 고딕 Semilight" panose="020B0502040204020203" pitchFamily="50" charset="-127"/>
-                <a:sym typeface="Wingdings" panose="05000000000000000000" pitchFamily="2" charset="2"/>
-              </a:rPr>
-              <a:t> 저장소에 </a:t>
-            </a:r>
-            <a:r>
-              <a:rPr lang="en-US" altLang="ko-KR" sz="1800" b="1" dirty="0" smtClean="0">
-                <a:ln>
-                  <a:solidFill>
-                    <a:schemeClr val="tx1">
-                      <a:alpha val="29000"/>
-                    </a:schemeClr>
-                  </a:solidFill>
-                </a:ln>
-                <a:latin typeface="맑은 고딕 Semilight" panose="020B0502040204020203" pitchFamily="50" charset="-127"/>
-                <a:ea typeface="맑은 고딕 Semilight" panose="020B0502040204020203" pitchFamily="50" charset="-127"/>
-                <a:cs typeface="맑은 고딕 Semilight" panose="020B0502040204020203" pitchFamily="50" charset="-127"/>
-                <a:sym typeface="Wingdings" panose="05000000000000000000" pitchFamily="2" charset="2"/>
-              </a:rPr>
-              <a:t>commit </a:t>
-            </a:r>
-            <a:r>
-              <a:rPr lang="ko-KR" altLang="en-US" sz="1800" b="1" dirty="0" smtClean="0">
-                <a:ln>
-                  <a:solidFill>
-                    <a:schemeClr val="tx1">
-                      <a:alpha val="29000"/>
-                    </a:schemeClr>
-                  </a:solidFill>
-                </a:ln>
-                <a:latin typeface="맑은 고딕 Semilight" panose="020B0502040204020203" pitchFamily="50" charset="-127"/>
-                <a:ea typeface="맑은 고딕 Semilight" panose="020B0502040204020203" pitchFamily="50" charset="-127"/>
-                <a:cs typeface="맑은 고딕 Semilight" panose="020B0502040204020203" pitchFamily="50" charset="-127"/>
-                <a:sym typeface="Wingdings" panose="05000000000000000000" pitchFamily="2" charset="2"/>
-              </a:rPr>
-              <a:t>해보기</a:t>
-            </a:r>
-            <a:endParaRPr lang="en-US" altLang="ko-KR" sz="1800" b="1" dirty="0">
-              <a:ln>
-                <a:solidFill>
-                  <a:schemeClr val="tx1">
-                    <a:alpha val="29000"/>
-                  </a:schemeClr>
-                </a:solidFill>
-              </a:ln>
-              <a:latin typeface="맑은 고딕 Semilight" panose="020B0502040204020203" pitchFamily="50" charset="-127"/>
-              <a:ea typeface="맑은 고딕 Semilight" panose="020B0502040204020203" pitchFamily="50" charset="-127"/>
-              <a:cs typeface="맑은 고딕 Semilight" panose="020B0502040204020203" pitchFamily="50" charset="-127"/>
-              <a:sym typeface="Wingdings" panose="05000000000000000000" pitchFamily="2" charset="2"/>
-            </a:endParaRPr>
-          </a:p>
-          <a:p>
-            <a:pPr marL="449263" lvl="1" indent="-182563">
-              <a:lnSpc>
-                <a:spcPct val="150000"/>
-              </a:lnSpc>
-              <a:buFontTx/>
-              <a:buChar char="-"/>
-              <a:tabLst>
-                <a:tab pos="182563" algn="l"/>
-                <a:tab pos="449263" algn="l"/>
-              </a:tabLst>
-            </a:pPr>
-            <a:r>
-              <a:rPr lang="ko-KR" altLang="en-US" sz="1400" smtClean="0">
-                <a:ln>
-                  <a:solidFill>
-                    <a:schemeClr val="tx1">
-                      <a:alpha val="29000"/>
-                    </a:schemeClr>
-                  </a:solidFill>
-                </a:ln>
-                <a:latin typeface="맑은 고딕 Semilight" panose="020B0502040204020203" pitchFamily="50" charset="-127"/>
-                <a:ea typeface="맑은 고딕 Semilight" panose="020B0502040204020203" pitchFamily="50" charset="-127"/>
-                <a:cs typeface="맑은 고딕 Semilight" panose="020B0502040204020203" pitchFamily="50" charset="-127"/>
-                <a:sym typeface="Wingdings" panose="05000000000000000000" pitchFamily="2" charset="2"/>
-              </a:rPr>
-              <a:t>간단한 </a:t>
-            </a:r>
-            <a:r>
-              <a:rPr lang="en-US" altLang="ko-KR" sz="1400" smtClean="0">
-                <a:ln>
-                  <a:solidFill>
-                    <a:schemeClr val="tx1">
-                      <a:alpha val="29000"/>
-                    </a:schemeClr>
-                  </a:solidFill>
-                </a:ln>
-                <a:latin typeface="맑은 고딕 Semilight" panose="020B0502040204020203" pitchFamily="50" charset="-127"/>
-                <a:ea typeface="맑은 고딕 Semilight" panose="020B0502040204020203" pitchFamily="50" charset="-127"/>
-                <a:cs typeface="맑은 고딕 Semilight" panose="020B0502040204020203" pitchFamily="50" charset="-127"/>
-                <a:sym typeface="Wingdings" panose="05000000000000000000" pitchFamily="2" charset="2"/>
-              </a:rPr>
-              <a:t>txt </a:t>
-            </a:r>
-            <a:r>
-              <a:rPr lang="ko-KR" altLang="en-US" sz="1400" smtClean="0">
-                <a:ln>
-                  <a:solidFill>
-                    <a:schemeClr val="tx1">
-                      <a:alpha val="29000"/>
-                    </a:schemeClr>
-                  </a:solidFill>
-                </a:ln>
-                <a:latin typeface="맑은 고딕 Semilight" panose="020B0502040204020203" pitchFamily="50" charset="-127"/>
-                <a:ea typeface="맑은 고딕 Semilight" panose="020B0502040204020203" pitchFamily="50" charset="-127"/>
-                <a:cs typeface="맑은 고딕 Semilight" panose="020B0502040204020203" pitchFamily="50" charset="-127"/>
-                <a:sym typeface="Wingdings" panose="05000000000000000000" pitchFamily="2" charset="2"/>
-              </a:rPr>
-              <a:t>파일과 </a:t>
-            </a:r>
-            <a:r>
-              <a:rPr lang="en-US" altLang="ko-KR" sz="1400" smtClean="0">
-                <a:ln>
-                  <a:solidFill>
-                    <a:schemeClr val="tx1">
-                      <a:alpha val="29000"/>
-                    </a:schemeClr>
-                  </a:solidFill>
-                </a:ln>
-                <a:latin typeface="맑은 고딕 Semilight" panose="020B0502040204020203" pitchFamily="50" charset="-127"/>
-                <a:ea typeface="맑은 고딕 Semilight" panose="020B0502040204020203" pitchFamily="50" charset="-127"/>
-                <a:cs typeface="맑은 고딕 Semilight" panose="020B0502040204020203" pitchFamily="50" charset="-127"/>
-                <a:sym typeface="Wingdings" panose="05000000000000000000" pitchFamily="2" charset="2"/>
-              </a:rPr>
-              <a:t>.md </a:t>
-            </a:r>
-            <a:r>
-              <a:rPr lang="ko-KR" altLang="en-US" sz="1400" smtClean="0">
-                <a:ln>
-                  <a:solidFill>
-                    <a:schemeClr val="tx1">
-                      <a:alpha val="29000"/>
-                    </a:schemeClr>
-                  </a:solidFill>
-                </a:ln>
-                <a:latin typeface="맑은 고딕 Semilight" panose="020B0502040204020203" pitchFamily="50" charset="-127"/>
-                <a:ea typeface="맑은 고딕 Semilight" panose="020B0502040204020203" pitchFamily="50" charset="-127"/>
-                <a:cs typeface="맑은 고딕 Semilight" panose="020B0502040204020203" pitchFamily="50" charset="-127"/>
-                <a:sym typeface="Wingdings" panose="05000000000000000000" pitchFamily="2" charset="2"/>
-              </a:rPr>
-              <a:t>파일을 커밋해보자</a:t>
-            </a:r>
-            <a:endParaRPr lang="en-US" altLang="ko-KR" sz="1400" dirty="0" smtClean="0">
-              <a:ln>
-                <a:solidFill>
-                  <a:schemeClr val="tx1">
-                    <a:alpha val="29000"/>
-                  </a:schemeClr>
-                </a:solidFill>
-              </a:ln>
-              <a:latin typeface="맑은 고딕 Semilight" panose="020B0502040204020203" pitchFamily="50" charset="-127"/>
-              <a:ea typeface="맑은 고딕 Semilight" panose="020B0502040204020203" pitchFamily="50" charset="-127"/>
-              <a:cs typeface="맑은 고딕 Semilight" panose="020B0502040204020203" pitchFamily="50" charset="-127"/>
-              <a:sym typeface="Wingdings" panose="05000000000000000000" pitchFamily="2" charset="2"/>
-            </a:endParaRPr>
-          </a:p>
-        </p:txBody>
-      </p:sp>
-    </p:spTree>
-    <p:extLst>
-      <p:ext uri="{BB962C8B-B14F-4D97-AF65-F5344CB8AC3E}">
-        <p14:creationId xmlns:p14="http://schemas.microsoft.com/office/powerpoint/2010/main" val="941439467"/>
-      </p:ext>
-    </p:extLst>
-  </p:cSld>
-  <p:clrMapOvr>
-    <a:masterClrMapping/>
-  </p:clrMapOvr>
-  <p:timing>
-    <p:tnLst>
-      <p:par>
-        <p:cTn id="1" dur="indefinite" restart="never" nodeType="tmRoot"/>
-      </p:par>
-    </p:tnLst>
-  </p:timing>
-</p:sld>
-</file>
-
-<file path=ppt/slides/slide16.xml><?xml version="1.0" encoding="utf-8"?>
-<p:sld xmlns:a="http://schemas.openxmlformats.org/drawingml/2006/main" xmlns:r="http://schemas.openxmlformats.org/officeDocument/2006/relationships" xmlns:p="http://schemas.openxmlformats.org/presentationml/2006/main">
-  <p:cSld>
-    <p:spTree>
-      <p:nvGrpSpPr>
-        <p:cNvPr id="1" name=""/>
-        <p:cNvGrpSpPr/>
-        <p:nvPr/>
-      </p:nvGrpSpPr>
-      <p:grpSpPr>
-        <a:xfrm>
-          <a:off x="0" y="0"/>
-          <a:ext cx="0" cy="0"/>
-          <a:chOff x="0" y="0"/>
-          <a:chExt cx="0" cy="0"/>
-        </a:xfrm>
-      </p:grpSpPr>
-      <p:grpSp>
-        <p:nvGrpSpPr>
-          <p:cNvPr id="32" name="그룹 31"/>
-          <p:cNvGrpSpPr/>
-          <p:nvPr/>
-        </p:nvGrpSpPr>
-        <p:grpSpPr>
-          <a:xfrm rot="1108055">
-            <a:off x="3741796" y="561214"/>
-            <a:ext cx="4236996" cy="4266598"/>
-            <a:chOff x="-133855" y="767519"/>
-            <a:chExt cx="2778202" cy="2797612"/>
-          </a:xfrm>
-        </p:grpSpPr>
-        <p:sp>
-          <p:nvSpPr>
-            <p:cNvPr id="33" name="이등변 삼각형 32"/>
-            <p:cNvSpPr/>
-            <p:nvPr/>
-          </p:nvSpPr>
-          <p:spPr>
-            <a:xfrm rot="1615403">
-              <a:off x="-133855" y="767519"/>
-              <a:ext cx="2159368" cy="2660824"/>
-            </a:xfrm>
-            <a:prstGeom prst="triangle">
-              <a:avLst/>
-            </a:prstGeom>
-            <a:solidFill>
-              <a:srgbClr val="F2B134"/>
-            </a:solidFill>
-            <a:ln>
-              <a:noFill/>
-            </a:ln>
-          </p:spPr>
-          <p:style>
-            <a:lnRef idx="2">
-              <a:schemeClr val="accent1">
-                <a:shade val="50000"/>
-              </a:schemeClr>
-            </a:lnRef>
-            <a:fillRef idx="1">
-              <a:schemeClr val="accent1"/>
-            </a:fillRef>
-            <a:effectRef idx="0">
-              <a:schemeClr val="accent1"/>
-            </a:effectRef>
-            <a:fontRef idx="minor">
-              <a:schemeClr val="lt1"/>
-            </a:fontRef>
-          </p:style>
-          <p:txBody>
-            <a:bodyPr rtlCol="0" anchor="ctr"/>
-            <a:lstStyle/>
-            <a:p>
-              <a:pPr algn="ctr"/>
-              <a:endParaRPr lang="ko-KR" altLang="en-US"/>
-            </a:p>
-          </p:txBody>
-        </p:sp>
-        <p:sp>
-          <p:nvSpPr>
-            <p:cNvPr id="34" name="이등변 삼각형 33"/>
-            <p:cNvSpPr/>
-            <p:nvPr/>
-          </p:nvSpPr>
-          <p:spPr>
-            <a:xfrm rot="5400000">
-              <a:off x="276896" y="1197679"/>
-              <a:ext cx="2090556" cy="2644347"/>
-            </a:xfrm>
-            <a:prstGeom prst="triangle">
-              <a:avLst/>
-            </a:prstGeom>
-            <a:solidFill>
-              <a:srgbClr val="ED553B"/>
-            </a:solidFill>
-            <a:ln>
-              <a:noFill/>
-            </a:ln>
-          </p:spPr>
-          <p:style>
-            <a:lnRef idx="2">
-              <a:schemeClr val="accent1">
-                <a:shade val="50000"/>
-              </a:schemeClr>
-            </a:lnRef>
-            <a:fillRef idx="1">
-              <a:schemeClr val="accent1"/>
-            </a:fillRef>
-            <a:effectRef idx="0">
-              <a:schemeClr val="accent1"/>
-            </a:effectRef>
-            <a:fontRef idx="minor">
-              <a:schemeClr val="lt1"/>
-            </a:fontRef>
-          </p:style>
-          <p:txBody>
-            <a:bodyPr rtlCol="0" anchor="ctr"/>
-            <a:lstStyle/>
-            <a:p>
-              <a:pPr algn="ctr"/>
-              <a:endParaRPr lang="ko-KR" altLang="en-US"/>
-            </a:p>
-          </p:txBody>
-        </p:sp>
-      </p:grpSp>
-      <p:sp>
-        <p:nvSpPr>
-          <p:cNvPr id="35" name="TextBox 34"/>
-          <p:cNvSpPr txBox="1"/>
-          <p:nvPr/>
-        </p:nvSpPr>
-        <p:spPr>
-          <a:xfrm>
-            <a:off x="4354365" y="2884298"/>
-            <a:ext cx="1742192" cy="707886"/>
-          </a:xfrm>
-          <a:prstGeom prst="rect">
-            <a:avLst/>
-          </a:prstGeom>
-          <a:noFill/>
-        </p:spPr>
-        <p:txBody>
-          <a:bodyPr wrap="square" rtlCol="0">
-            <a:spAutoFit/>
-          </a:bodyPr>
-          <a:lstStyle/>
-          <a:p>
-            <a:pPr algn="ctr"/>
-            <a:r>
-              <a:rPr lang="en-US" altLang="ko-KR" sz="4000" b="1" dirty="0" smtClean="0">
-                <a:ln>
-                  <a:solidFill>
-                    <a:schemeClr val="bg1">
-                      <a:alpha val="29000"/>
-                    </a:schemeClr>
-                  </a:solidFill>
-                </a:ln>
-                <a:solidFill>
-                  <a:schemeClr val="bg1"/>
-                </a:solidFill>
-                <a:latin typeface="맑은 고딕 Semilight" panose="020B0502040204020203" pitchFamily="50" charset="-127"/>
-                <a:ea typeface="맑은 고딕 Semilight" panose="020B0502040204020203" pitchFamily="50" charset="-127"/>
-                <a:cs typeface="맑은 고딕 Semilight" panose="020B0502040204020203" pitchFamily="50" charset="-127"/>
-              </a:rPr>
-              <a:t>Q &amp; A</a:t>
-            </a:r>
-            <a:endParaRPr lang="ko-KR" altLang="en-US" sz="4000" b="1" dirty="0">
-              <a:ln>
-                <a:solidFill>
-                  <a:schemeClr val="bg1">
-                    <a:alpha val="29000"/>
-                  </a:schemeClr>
-                </a:solidFill>
-              </a:ln>
-              <a:solidFill>
-                <a:schemeClr val="bg1"/>
-              </a:solidFill>
-              <a:latin typeface="맑은 고딕 Semilight" panose="020B0502040204020203" pitchFamily="50" charset="-127"/>
-              <a:ea typeface="맑은 고딕 Semilight" panose="020B0502040204020203" pitchFamily="50" charset="-127"/>
-              <a:cs typeface="맑은 고딕 Semilight" panose="020B0502040204020203" pitchFamily="50" charset="-127"/>
-            </a:endParaRPr>
-          </a:p>
-        </p:txBody>
-      </p:sp>
-    </p:spTree>
-    <p:extLst>
-      <p:ext uri="{BB962C8B-B14F-4D97-AF65-F5344CB8AC3E}">
-        <p14:creationId xmlns:p14="http://schemas.microsoft.com/office/powerpoint/2010/main" val="3378734424"/>
       </p:ext>
     </p:extLst>
   </p:cSld>
@@ -11635,2305 +7111,6 @@
 </p:sld>
 </file>
 
-<file path=ppt/slides/slide5.xml><?xml version="1.0" encoding="utf-8"?>
-<p:sld xmlns:a="http://schemas.openxmlformats.org/drawingml/2006/main" xmlns:r="http://schemas.openxmlformats.org/officeDocument/2006/relationships" xmlns:p="http://schemas.openxmlformats.org/presentationml/2006/main">
-  <p:cSld>
-    <p:spTree>
-      <p:nvGrpSpPr>
-        <p:cNvPr id="1" name=""/>
-        <p:cNvGrpSpPr/>
-        <p:nvPr/>
-      </p:nvGrpSpPr>
-      <p:grpSpPr>
-        <a:xfrm>
-          <a:off x="0" y="0"/>
-          <a:ext cx="0" cy="0"/>
-          <a:chOff x="0" y="0"/>
-          <a:chExt cx="0" cy="0"/>
-        </a:xfrm>
-      </p:grpSpPr>
-      <p:cxnSp>
-        <p:nvCxnSpPr>
-          <p:cNvPr id="7" name="직선 연결선 6"/>
-          <p:cNvCxnSpPr/>
-          <p:nvPr/>
-        </p:nvCxnSpPr>
-        <p:spPr>
-          <a:xfrm>
-            <a:off x="0" y="683316"/>
-            <a:ext cx="3018263" cy="0"/>
-          </a:xfrm>
-          <a:prstGeom prst="line">
-            <a:avLst/>
-          </a:prstGeom>
-          <a:ln w="28575">
-            <a:solidFill>
-              <a:srgbClr val="ED553B"/>
-            </a:solidFill>
-            <a:tailEnd type="oval" w="lg" len="lg"/>
-          </a:ln>
-        </p:spPr>
-        <p:style>
-          <a:lnRef idx="1">
-            <a:schemeClr val="accent1"/>
-          </a:lnRef>
-          <a:fillRef idx="0">
-            <a:schemeClr val="accent1"/>
-          </a:fillRef>
-          <a:effectRef idx="0">
-            <a:schemeClr val="accent1"/>
-          </a:effectRef>
-          <a:fontRef idx="minor">
-            <a:schemeClr val="tx1"/>
-          </a:fontRef>
-        </p:style>
-      </p:cxnSp>
-      <p:sp>
-        <p:nvSpPr>
-          <p:cNvPr id="9" name="TextBox 8"/>
-          <p:cNvSpPr txBox="1"/>
-          <p:nvPr/>
-        </p:nvSpPr>
-        <p:spPr>
-          <a:xfrm>
-            <a:off x="322413" y="140957"/>
-            <a:ext cx="5552787" cy="400110"/>
-          </a:xfrm>
-          <a:prstGeom prst="rect">
-            <a:avLst/>
-          </a:prstGeom>
-          <a:noFill/>
-        </p:spPr>
-        <p:txBody>
-          <a:bodyPr wrap="square" rtlCol="0">
-            <a:spAutoFit/>
-          </a:bodyPr>
-          <a:lstStyle/>
-          <a:p>
-            <a:r>
-              <a:rPr lang="en-US" altLang="ko-KR" sz="2000" smtClean="0">
-                <a:ln>
-                  <a:solidFill>
-                    <a:schemeClr val="tx1">
-                      <a:alpha val="29000"/>
-                    </a:schemeClr>
-                  </a:solidFill>
-                </a:ln>
-                <a:latin typeface="+mn-ea"/>
-                <a:cs typeface="맑은 고딕 Semilight" panose="020B0502040204020203" pitchFamily="50" charset="-127"/>
-              </a:rPr>
-              <a:t>JavaScript </a:t>
-            </a:r>
-            <a:r>
-              <a:rPr lang="ko-KR" altLang="en-US" sz="2000" smtClean="0">
-                <a:ln>
-                  <a:solidFill>
-                    <a:schemeClr val="tx1">
-                      <a:alpha val="29000"/>
-                    </a:schemeClr>
-                  </a:solidFill>
-                </a:ln>
-                <a:latin typeface="+mn-ea"/>
-                <a:cs typeface="맑은 고딕 Semilight" panose="020B0502040204020203" pitchFamily="50" charset="-127"/>
-              </a:rPr>
-              <a:t>개발환경</a:t>
-            </a:r>
-            <a:endParaRPr lang="en-US" altLang="ko-KR" sz="2000" dirty="0">
-              <a:ln>
-                <a:solidFill>
-                  <a:schemeClr val="tx1">
-                    <a:alpha val="29000"/>
-                  </a:schemeClr>
-                </a:solidFill>
-              </a:ln>
-              <a:latin typeface="+mn-ea"/>
-              <a:cs typeface="맑은 고딕 Semilight" panose="020B0502040204020203" pitchFamily="50" charset="-127"/>
-            </a:endParaRPr>
-          </a:p>
-        </p:txBody>
-      </p:sp>
-      <p:sp>
-        <p:nvSpPr>
-          <p:cNvPr id="74" name="TextBox 73"/>
-          <p:cNvSpPr txBox="1"/>
-          <p:nvPr/>
-        </p:nvSpPr>
-        <p:spPr>
-          <a:xfrm>
-            <a:off x="267599" y="825566"/>
-            <a:ext cx="9578660" cy="1800493"/>
-          </a:xfrm>
-          <a:prstGeom prst="rect">
-            <a:avLst/>
-          </a:prstGeom>
-          <a:noFill/>
-        </p:spPr>
-        <p:txBody>
-          <a:bodyPr wrap="square" rtlCol="0">
-            <a:spAutoFit/>
-          </a:bodyPr>
-          <a:lstStyle/>
-          <a:p>
-            <a:pPr marL="285750" indent="-285750">
-              <a:lnSpc>
-                <a:spcPct val="150000"/>
-              </a:lnSpc>
-              <a:buFont typeface="Arial" panose="020B0604020202020204" pitchFamily="34" charset="0"/>
-              <a:buChar char="•"/>
-            </a:pPr>
-            <a:r>
-              <a:rPr lang="en-US" altLang="ko-KR" sz="1800">
-                <a:ln>
-                  <a:solidFill>
-                    <a:schemeClr val="tx1">
-                      <a:alpha val="29000"/>
-                    </a:schemeClr>
-                  </a:solidFill>
-                </a:ln>
-                <a:latin typeface="+mn-ea"/>
-                <a:cs typeface="맑은 고딕 Semilight" panose="020B0502040204020203" pitchFamily="50" charset="-127"/>
-                <a:sym typeface="Wingdings" panose="05000000000000000000" pitchFamily="2" charset="2"/>
-              </a:rPr>
-              <a:t>Internet browser</a:t>
-            </a:r>
-            <a:endParaRPr lang="en-US" altLang="ko-KR" sz="1800" dirty="0">
-              <a:ln>
-                <a:solidFill>
-                  <a:schemeClr val="tx1">
-                    <a:alpha val="29000"/>
-                  </a:schemeClr>
-                </a:solidFill>
-              </a:ln>
-              <a:latin typeface="+mn-ea"/>
-              <a:cs typeface="맑은 고딕 Semilight" panose="020B0502040204020203" pitchFamily="50" charset="-127"/>
-              <a:sym typeface="Wingdings" panose="05000000000000000000" pitchFamily="2" charset="2"/>
-            </a:endParaRPr>
-          </a:p>
-          <a:p>
-            <a:pPr marL="449263" lvl="1" indent="-182563">
-              <a:lnSpc>
-                <a:spcPct val="150000"/>
-              </a:lnSpc>
-              <a:buFontTx/>
-              <a:buChar char="-"/>
-              <a:tabLst>
-                <a:tab pos="182563" algn="l"/>
-                <a:tab pos="449263" algn="l"/>
-              </a:tabLst>
-            </a:pPr>
-            <a:r>
-              <a:rPr lang="ko-KR" altLang="en-US" sz="1400" smtClean="0">
-                <a:ln>
-                  <a:solidFill>
-                    <a:schemeClr val="tx1">
-                      <a:alpha val="29000"/>
-                    </a:schemeClr>
-                  </a:solidFill>
-                </a:ln>
-                <a:latin typeface="+mn-ea"/>
-                <a:cs typeface="맑은 고딕 Semilight" panose="020B0502040204020203" pitchFamily="50" charset="-127"/>
-                <a:sym typeface="Wingdings" panose="05000000000000000000" pitchFamily="2" charset="2"/>
-              </a:rPr>
-              <a:t>인터넷</a:t>
-            </a:r>
-            <a:r>
-              <a:rPr lang="en-US" altLang="ko-KR" sz="1400" smtClean="0">
-                <a:ln>
-                  <a:solidFill>
-                    <a:schemeClr val="tx1">
-                      <a:alpha val="29000"/>
-                    </a:schemeClr>
-                  </a:solidFill>
-                </a:ln>
-                <a:latin typeface="+mn-ea"/>
-                <a:cs typeface="맑은 고딕 Semilight" panose="020B0502040204020203" pitchFamily="50" charset="-127"/>
-                <a:sym typeface="Wingdings" panose="05000000000000000000" pitchFamily="2" charset="2"/>
-              </a:rPr>
-              <a:t> </a:t>
-            </a:r>
-            <a:r>
-              <a:rPr lang="ko-KR" altLang="en-US" sz="1400" smtClean="0">
-                <a:ln>
-                  <a:solidFill>
-                    <a:schemeClr val="tx1">
-                      <a:alpha val="29000"/>
-                    </a:schemeClr>
-                  </a:solidFill>
-                </a:ln>
-                <a:latin typeface="+mn-ea"/>
-                <a:cs typeface="맑은 고딕 Semilight" panose="020B0502040204020203" pitchFamily="50" charset="-127"/>
-                <a:sym typeface="Wingdings" panose="05000000000000000000" pitchFamily="2" charset="2"/>
-              </a:rPr>
-              <a:t>브라우저 </a:t>
-            </a:r>
-            <a:r>
-              <a:rPr lang="en-US" altLang="ko-KR" sz="1400" smtClean="0">
-                <a:ln>
-                  <a:solidFill>
-                    <a:schemeClr val="tx1">
-                      <a:alpha val="29000"/>
-                    </a:schemeClr>
-                  </a:solidFill>
-                </a:ln>
-                <a:latin typeface="+mn-ea"/>
-                <a:cs typeface="맑은 고딕 Semilight" panose="020B0502040204020203" pitchFamily="50" charset="-127"/>
-                <a:sym typeface="Wingdings" panose="05000000000000000000" pitchFamily="2" charset="2"/>
-              </a:rPr>
-              <a:t>= </a:t>
-            </a:r>
-            <a:r>
-              <a:rPr lang="ko-KR" altLang="en-US" sz="1400" smtClean="0">
-                <a:ln>
-                  <a:solidFill>
-                    <a:schemeClr val="tx1">
-                      <a:alpha val="29000"/>
-                    </a:schemeClr>
-                  </a:solidFill>
-                </a:ln>
-                <a:latin typeface="+mn-ea"/>
-                <a:cs typeface="맑은 고딕 Semilight" panose="020B0502040204020203" pitchFamily="50" charset="-127"/>
-                <a:sym typeface="Wingdings" panose="05000000000000000000" pitchFamily="2" charset="2"/>
-              </a:rPr>
-              <a:t>웹 브라우저</a:t>
-            </a:r>
-            <a:endParaRPr lang="en-US" altLang="ko-KR" sz="1400" smtClean="0">
-              <a:ln>
-                <a:solidFill>
-                  <a:schemeClr val="tx1">
-                    <a:alpha val="29000"/>
-                  </a:schemeClr>
-                </a:solidFill>
-              </a:ln>
-              <a:latin typeface="+mn-ea"/>
-              <a:cs typeface="맑은 고딕 Semilight" panose="020B0502040204020203" pitchFamily="50" charset="-127"/>
-              <a:sym typeface="Wingdings" panose="05000000000000000000" pitchFamily="2" charset="2"/>
-            </a:endParaRPr>
-          </a:p>
-          <a:p>
-            <a:pPr marL="449263" lvl="1" indent="-182563">
-              <a:lnSpc>
-                <a:spcPct val="150000"/>
-              </a:lnSpc>
-              <a:buFontTx/>
-              <a:buChar char="-"/>
-              <a:tabLst>
-                <a:tab pos="182563" algn="l"/>
-                <a:tab pos="449263" algn="l"/>
-              </a:tabLst>
-            </a:pPr>
-            <a:r>
-              <a:rPr lang="ko-KR" altLang="en-US" sz="1400" smtClean="0">
-                <a:ln>
-                  <a:solidFill>
-                    <a:schemeClr val="tx1">
-                      <a:alpha val="29000"/>
-                    </a:schemeClr>
-                  </a:solidFill>
-                </a:ln>
-                <a:latin typeface="+mn-ea"/>
-                <a:cs typeface="맑은 고딕 Semilight" panose="020B0502040204020203" pitchFamily="50" charset="-127"/>
-                <a:sym typeface="Wingdings" panose="05000000000000000000" pitchFamily="2" charset="2"/>
-              </a:rPr>
-              <a:t>웹 브라우저는 </a:t>
-            </a:r>
-            <a:r>
-              <a:rPr lang="en-US" altLang="ko-KR" sz="1400" smtClean="0">
-                <a:ln>
-                  <a:solidFill>
-                    <a:schemeClr val="tx1">
-                      <a:alpha val="29000"/>
-                    </a:schemeClr>
-                  </a:solidFill>
-                </a:ln>
-                <a:latin typeface="+mn-ea"/>
-                <a:cs typeface="맑은 고딕 Semilight" panose="020B0502040204020203" pitchFamily="50" charset="-127"/>
-                <a:sym typeface="Wingdings" panose="05000000000000000000" pitchFamily="2" charset="2"/>
-              </a:rPr>
-              <a:t>html, css, javascript</a:t>
-            </a:r>
-            <a:r>
-              <a:rPr lang="ko-KR" altLang="en-US" sz="1400" smtClean="0">
-                <a:ln>
-                  <a:solidFill>
-                    <a:schemeClr val="tx1">
-                      <a:alpha val="29000"/>
-                    </a:schemeClr>
-                  </a:solidFill>
-                </a:ln>
-                <a:latin typeface="+mn-ea"/>
-                <a:cs typeface="맑은 고딕 Semilight" panose="020B0502040204020203" pitchFamily="50" charset="-127"/>
-                <a:sym typeface="Wingdings" panose="05000000000000000000" pitchFamily="2" charset="2"/>
-              </a:rPr>
-              <a:t>와 같은 언어의 해석하고 실행할 수 있는 엔진을 내장하고 있음</a:t>
-            </a:r>
-            <a:endParaRPr lang="en-US" altLang="ko-KR" sz="1400" smtClean="0">
-              <a:ln>
-                <a:solidFill>
-                  <a:schemeClr val="tx1">
-                    <a:alpha val="29000"/>
-                  </a:schemeClr>
-                </a:solidFill>
-              </a:ln>
-              <a:latin typeface="+mn-ea"/>
-              <a:cs typeface="맑은 고딕 Semilight" panose="020B0502040204020203" pitchFamily="50" charset="-127"/>
-              <a:sym typeface="Wingdings" panose="05000000000000000000" pitchFamily="2" charset="2"/>
-            </a:endParaRPr>
-          </a:p>
-          <a:p>
-            <a:pPr marL="449263" lvl="1" indent="-182563">
-              <a:lnSpc>
-                <a:spcPct val="150000"/>
-              </a:lnSpc>
-              <a:buFontTx/>
-              <a:buChar char="-"/>
-              <a:tabLst>
-                <a:tab pos="182563" algn="l"/>
-                <a:tab pos="449263" algn="l"/>
-              </a:tabLst>
-            </a:pPr>
-            <a:r>
-              <a:rPr lang="ko-KR" altLang="en-US" sz="1400" smtClean="0">
-                <a:ln>
-                  <a:solidFill>
-                    <a:schemeClr val="tx1">
-                      <a:alpha val="29000"/>
-                    </a:schemeClr>
-                  </a:solidFill>
-                </a:ln>
-                <a:latin typeface="+mn-ea"/>
-                <a:cs typeface="맑은 고딕 Semilight" panose="020B0502040204020203" pitchFamily="50" charset="-127"/>
-                <a:sym typeface="Wingdings" panose="05000000000000000000" pitchFamily="2" charset="2"/>
-              </a:rPr>
-              <a:t>기본적으로 웹 브라우저에서 동작을 확인하고 코드의 결과를 볼 수 있음</a:t>
-            </a:r>
-            <a:r>
-              <a:rPr lang="en-US" altLang="ko-KR" sz="1400" smtClean="0">
-                <a:ln>
-                  <a:solidFill>
-                    <a:schemeClr val="tx1">
-                      <a:alpha val="29000"/>
-                    </a:schemeClr>
-                  </a:solidFill>
-                </a:ln>
-                <a:latin typeface="+mn-ea"/>
-                <a:cs typeface="맑은 고딕 Semilight" panose="020B0502040204020203" pitchFamily="50" charset="-127"/>
-                <a:sym typeface="Wingdings" panose="05000000000000000000" pitchFamily="2" charset="2"/>
-              </a:rPr>
-              <a:t/>
-            </a:r>
-            <a:br>
-              <a:rPr lang="en-US" altLang="ko-KR" sz="1400" smtClean="0">
-                <a:ln>
-                  <a:solidFill>
-                    <a:schemeClr val="tx1">
-                      <a:alpha val="29000"/>
-                    </a:schemeClr>
-                  </a:solidFill>
-                </a:ln>
-                <a:latin typeface="+mn-ea"/>
-                <a:cs typeface="맑은 고딕 Semilight" panose="020B0502040204020203" pitchFamily="50" charset="-127"/>
-                <a:sym typeface="Wingdings" panose="05000000000000000000" pitchFamily="2" charset="2"/>
-              </a:rPr>
-            </a:br>
-            <a:r>
-              <a:rPr lang="en-US" altLang="ko-KR" sz="1400" smtClean="0">
-                <a:ln>
-                  <a:solidFill>
-                    <a:schemeClr val="tx1">
-                      <a:alpha val="29000"/>
-                    </a:schemeClr>
-                  </a:solidFill>
-                </a:ln>
-                <a:latin typeface="+mn-ea"/>
-                <a:cs typeface="맑은 고딕 Semilight" panose="020B0502040204020203" pitchFamily="50" charset="-127"/>
-                <a:sym typeface="Wingdings" panose="05000000000000000000" pitchFamily="2" charset="2"/>
-              </a:rPr>
-              <a:t>  </a:t>
-            </a:r>
-            <a:r>
-              <a:rPr lang="ko-KR" altLang="en-US" sz="1400" smtClean="0">
-                <a:ln>
-                  <a:solidFill>
-                    <a:schemeClr val="tx1">
-                      <a:alpha val="29000"/>
-                    </a:schemeClr>
-                  </a:solidFill>
-                </a:ln>
-                <a:latin typeface="+mn-ea"/>
-                <a:cs typeface="맑은 고딕 Semilight" panose="020B0502040204020203" pitchFamily="50" charset="-127"/>
-                <a:sym typeface="Wingdings" panose="05000000000000000000" pitchFamily="2" charset="2"/>
-              </a:rPr>
-              <a:t>디버그할 수 있음</a:t>
-            </a:r>
-            <a:r>
-              <a:rPr lang="en-US" altLang="ko-KR" sz="1400" smtClean="0">
-                <a:ln>
-                  <a:solidFill>
-                    <a:schemeClr val="tx1">
-                      <a:alpha val="29000"/>
-                    </a:schemeClr>
-                  </a:solidFill>
-                </a:ln>
-                <a:latin typeface="+mn-ea"/>
-                <a:cs typeface="맑은 고딕 Semilight" panose="020B0502040204020203" pitchFamily="50" charset="-127"/>
-                <a:sym typeface="Wingdings" panose="05000000000000000000" pitchFamily="2" charset="2"/>
-              </a:rPr>
-              <a:t>!</a:t>
-            </a:r>
-            <a:endParaRPr lang="en-US" altLang="ko-KR" sz="1400" dirty="0" smtClean="0">
-              <a:ln>
-                <a:solidFill>
-                  <a:schemeClr val="tx1">
-                    <a:alpha val="29000"/>
-                  </a:schemeClr>
-                </a:solidFill>
-              </a:ln>
-              <a:latin typeface="+mn-ea"/>
-              <a:cs typeface="맑은 고딕 Semilight" panose="020B0502040204020203" pitchFamily="50" charset="-127"/>
-              <a:sym typeface="Wingdings" panose="05000000000000000000" pitchFamily="2" charset="2"/>
-            </a:endParaRPr>
-          </a:p>
-        </p:txBody>
-      </p:sp>
-    </p:spTree>
-    <p:extLst>
-      <p:ext uri="{BB962C8B-B14F-4D97-AF65-F5344CB8AC3E}">
-        <p14:creationId xmlns:p14="http://schemas.microsoft.com/office/powerpoint/2010/main" val="626322210"/>
-      </p:ext>
-    </p:extLst>
-  </p:cSld>
-  <p:clrMapOvr>
-    <a:masterClrMapping/>
-  </p:clrMapOvr>
-  <p:timing>
-    <p:tnLst>
-      <p:par>
-        <p:cTn id="1" dur="indefinite" restart="never" nodeType="tmRoot"/>
-      </p:par>
-    </p:tnLst>
-  </p:timing>
-</p:sld>
-</file>
-
-<file path=ppt/slides/slide6.xml><?xml version="1.0" encoding="utf-8"?>
-<p:sld xmlns:a="http://schemas.openxmlformats.org/drawingml/2006/main" xmlns:r="http://schemas.openxmlformats.org/officeDocument/2006/relationships" xmlns:p="http://schemas.openxmlformats.org/presentationml/2006/main">
-  <p:cSld>
-    <p:spTree>
-      <p:nvGrpSpPr>
-        <p:cNvPr id="1" name=""/>
-        <p:cNvGrpSpPr/>
-        <p:nvPr/>
-      </p:nvGrpSpPr>
-      <p:grpSpPr>
-        <a:xfrm>
-          <a:off x="0" y="0"/>
-          <a:ext cx="0" cy="0"/>
-          <a:chOff x="0" y="0"/>
-          <a:chExt cx="0" cy="0"/>
-        </a:xfrm>
-      </p:grpSpPr>
-    </p:spTree>
-    <p:extLst>
-      <p:ext uri="{BB962C8B-B14F-4D97-AF65-F5344CB8AC3E}">
-        <p14:creationId xmlns:p14="http://schemas.microsoft.com/office/powerpoint/2010/main" val="4037276011"/>
-      </p:ext>
-    </p:extLst>
-  </p:cSld>
-  <p:clrMapOvr>
-    <a:masterClrMapping/>
-  </p:clrMapOvr>
-  <p:timing>
-    <p:tnLst>
-      <p:par>
-        <p:cTn id="1" dur="indefinite" restart="never" nodeType="tmRoot"/>
-      </p:par>
-    </p:tnLst>
-  </p:timing>
-</p:sld>
-</file>
-
-<file path=ppt/slides/slide7.xml><?xml version="1.0" encoding="utf-8"?>
-<p:sld xmlns:a="http://schemas.openxmlformats.org/drawingml/2006/main" xmlns:r="http://schemas.openxmlformats.org/officeDocument/2006/relationships" xmlns:p="http://schemas.openxmlformats.org/presentationml/2006/main">
-  <p:cSld>
-    <p:spTree>
-      <p:nvGrpSpPr>
-        <p:cNvPr id="1" name=""/>
-        <p:cNvGrpSpPr/>
-        <p:nvPr/>
-      </p:nvGrpSpPr>
-      <p:grpSpPr>
-        <a:xfrm>
-          <a:off x="0" y="0"/>
-          <a:ext cx="0" cy="0"/>
-          <a:chOff x="0" y="0"/>
-          <a:chExt cx="0" cy="0"/>
-        </a:xfrm>
-      </p:grpSpPr>
-      <p:cxnSp>
-        <p:nvCxnSpPr>
-          <p:cNvPr id="7" name="직선 연결선 6"/>
-          <p:cNvCxnSpPr/>
-          <p:nvPr/>
-        </p:nvCxnSpPr>
-        <p:spPr>
-          <a:xfrm>
-            <a:off x="0" y="683316"/>
-            <a:ext cx="2228295" cy="0"/>
-          </a:xfrm>
-          <a:prstGeom prst="line">
-            <a:avLst/>
-          </a:prstGeom>
-          <a:ln w="28575">
-            <a:solidFill>
-              <a:srgbClr val="ED553B"/>
-            </a:solidFill>
-            <a:tailEnd type="oval" w="lg" len="lg"/>
-          </a:ln>
-        </p:spPr>
-        <p:style>
-          <a:lnRef idx="1">
-            <a:schemeClr val="accent1"/>
-          </a:lnRef>
-          <a:fillRef idx="0">
-            <a:schemeClr val="accent1"/>
-          </a:fillRef>
-          <a:effectRef idx="0">
-            <a:schemeClr val="accent1"/>
-          </a:effectRef>
-          <a:fontRef idx="minor">
-            <a:schemeClr val="tx1"/>
-          </a:fontRef>
-        </p:style>
-      </p:cxnSp>
-      <p:sp>
-        <p:nvSpPr>
-          <p:cNvPr id="9" name="TextBox 8"/>
-          <p:cNvSpPr txBox="1"/>
-          <p:nvPr/>
-        </p:nvSpPr>
-        <p:spPr>
-          <a:xfrm>
-            <a:off x="322413" y="140957"/>
-            <a:ext cx="5552787" cy="400110"/>
-          </a:xfrm>
-          <a:prstGeom prst="rect">
-            <a:avLst/>
-          </a:prstGeom>
-          <a:noFill/>
-        </p:spPr>
-        <p:txBody>
-          <a:bodyPr wrap="square" rtlCol="0">
-            <a:spAutoFit/>
-          </a:bodyPr>
-          <a:lstStyle/>
-          <a:p>
-            <a:r>
-              <a:rPr lang="en-US" altLang="ko-KR" sz="2000" b="1" dirty="0" smtClean="0">
-                <a:ln>
-                  <a:solidFill>
-                    <a:schemeClr val="tx1">
-                      <a:alpha val="29000"/>
-                    </a:schemeClr>
-                  </a:solidFill>
-                </a:ln>
-                <a:latin typeface="맑은 고딕 Semilight" panose="020B0502040204020203" pitchFamily="50" charset="-127"/>
-                <a:ea typeface="맑은 고딕 Semilight" panose="020B0502040204020203" pitchFamily="50" charset="-127"/>
-                <a:cs typeface="맑은 고딕 Semilight" panose="020B0502040204020203" pitchFamily="50" charset="-127"/>
-              </a:rPr>
-              <a:t>Let’s </a:t>
-            </a:r>
-            <a:r>
-              <a:rPr lang="en-US" altLang="ko-KR" sz="2000" b="1" dirty="0" err="1" smtClean="0">
-                <a:ln>
-                  <a:solidFill>
-                    <a:schemeClr val="tx1">
-                      <a:alpha val="29000"/>
-                    </a:schemeClr>
-                  </a:solidFill>
-                </a:ln>
-                <a:latin typeface="맑은 고딕 Semilight" panose="020B0502040204020203" pitchFamily="50" charset="-127"/>
-                <a:ea typeface="맑은 고딕 Semilight" panose="020B0502040204020203" pitchFamily="50" charset="-127"/>
-                <a:cs typeface="맑은 고딕 Semilight" panose="020B0502040204020203" pitchFamily="50" charset="-127"/>
-              </a:rPr>
-              <a:t>Git</a:t>
-            </a:r>
-            <a:r>
-              <a:rPr lang="en-US" altLang="ko-KR" sz="2000" b="1" dirty="0" smtClean="0">
-                <a:ln>
-                  <a:solidFill>
-                    <a:schemeClr val="tx1">
-                      <a:alpha val="29000"/>
-                    </a:schemeClr>
-                  </a:solidFill>
-                </a:ln>
-                <a:latin typeface="맑은 고딕 Semilight" panose="020B0502040204020203" pitchFamily="50" charset="-127"/>
-                <a:ea typeface="맑은 고딕 Semilight" panose="020B0502040204020203" pitchFamily="50" charset="-127"/>
-                <a:cs typeface="맑은 고딕 Semilight" panose="020B0502040204020203" pitchFamily="50" charset="-127"/>
-              </a:rPr>
-              <a:t> it (?)</a:t>
-            </a:r>
-            <a:endParaRPr lang="en-US" altLang="ko-KR" sz="2000" b="1" dirty="0">
-              <a:ln>
-                <a:solidFill>
-                  <a:schemeClr val="tx1">
-                    <a:alpha val="29000"/>
-                  </a:schemeClr>
-                </a:solidFill>
-              </a:ln>
-              <a:latin typeface="맑은 고딕 Semilight" panose="020B0502040204020203" pitchFamily="50" charset="-127"/>
-              <a:ea typeface="맑은 고딕 Semilight" panose="020B0502040204020203" pitchFamily="50" charset="-127"/>
-              <a:cs typeface="맑은 고딕 Semilight" panose="020B0502040204020203" pitchFamily="50" charset="-127"/>
-            </a:endParaRPr>
-          </a:p>
-        </p:txBody>
-      </p:sp>
-      <p:sp>
-        <p:nvSpPr>
-          <p:cNvPr id="74" name="TextBox 73"/>
-          <p:cNvSpPr txBox="1"/>
-          <p:nvPr/>
-        </p:nvSpPr>
-        <p:spPr>
-          <a:xfrm>
-            <a:off x="267599" y="825566"/>
-            <a:ext cx="9578660" cy="1154162"/>
-          </a:xfrm>
-          <a:prstGeom prst="rect">
-            <a:avLst/>
-          </a:prstGeom>
-          <a:noFill/>
-        </p:spPr>
-        <p:txBody>
-          <a:bodyPr wrap="square" rtlCol="0">
-            <a:spAutoFit/>
-          </a:bodyPr>
-          <a:lstStyle/>
-          <a:p>
-            <a:pPr marL="285750" indent="-285750">
-              <a:lnSpc>
-                <a:spcPct val="150000"/>
-              </a:lnSpc>
-              <a:buFont typeface="Arial" panose="020B0604020202020204" pitchFamily="34" charset="0"/>
-              <a:buChar char="•"/>
-            </a:pPr>
-            <a:r>
-              <a:rPr lang="en-US" altLang="ko-KR" sz="1800" b="1" dirty="0" err="1" smtClean="0">
-                <a:ln>
-                  <a:solidFill>
-                    <a:schemeClr val="tx1">
-                      <a:alpha val="29000"/>
-                    </a:schemeClr>
-                  </a:solidFill>
-                </a:ln>
-                <a:latin typeface="맑은 고딕 Semilight" panose="020B0502040204020203" pitchFamily="50" charset="-127"/>
-                <a:ea typeface="맑은 고딕 Semilight" panose="020B0502040204020203" pitchFamily="50" charset="-127"/>
-                <a:cs typeface="맑은 고딕 Semilight" panose="020B0502040204020203" pitchFamily="50" charset="-127"/>
-                <a:sym typeface="Wingdings" panose="05000000000000000000" pitchFamily="2" charset="2"/>
-              </a:rPr>
-              <a:t>Git</a:t>
-            </a:r>
-            <a:r>
-              <a:rPr lang="ko-KR" altLang="en-US" sz="1800" b="1" dirty="0" smtClean="0">
-                <a:ln>
-                  <a:solidFill>
-                    <a:schemeClr val="tx1">
-                      <a:alpha val="29000"/>
-                    </a:schemeClr>
-                  </a:solidFill>
-                </a:ln>
-                <a:latin typeface="맑은 고딕 Semilight" panose="020B0502040204020203" pitchFamily="50" charset="-127"/>
-                <a:ea typeface="맑은 고딕 Semilight" panose="020B0502040204020203" pitchFamily="50" charset="-127"/>
-                <a:cs typeface="맑은 고딕 Semilight" panose="020B0502040204020203" pitchFamily="50" charset="-127"/>
-                <a:sym typeface="Wingdings" panose="05000000000000000000" pitchFamily="2" charset="2"/>
-              </a:rPr>
-              <a:t>이란</a:t>
-            </a:r>
-            <a:r>
-              <a:rPr lang="en-US" altLang="ko-KR" sz="1800" b="1" dirty="0" smtClean="0">
-                <a:ln>
-                  <a:solidFill>
-                    <a:schemeClr val="tx1">
-                      <a:alpha val="29000"/>
-                    </a:schemeClr>
-                  </a:solidFill>
-                </a:ln>
-                <a:latin typeface="맑은 고딕 Semilight" panose="020B0502040204020203" pitchFamily="50" charset="-127"/>
-                <a:ea typeface="맑은 고딕 Semilight" panose="020B0502040204020203" pitchFamily="50" charset="-127"/>
-                <a:cs typeface="맑은 고딕 Semilight" panose="020B0502040204020203" pitchFamily="50" charset="-127"/>
-                <a:sym typeface="Wingdings" panose="05000000000000000000" pitchFamily="2" charset="2"/>
-              </a:rPr>
-              <a:t>?</a:t>
-            </a:r>
-            <a:endParaRPr lang="en-US" altLang="ko-KR" sz="1800" b="1" dirty="0">
-              <a:ln>
-                <a:solidFill>
-                  <a:schemeClr val="tx1">
-                    <a:alpha val="29000"/>
-                  </a:schemeClr>
-                </a:solidFill>
-              </a:ln>
-              <a:latin typeface="맑은 고딕 Semilight" panose="020B0502040204020203" pitchFamily="50" charset="-127"/>
-              <a:ea typeface="맑은 고딕 Semilight" panose="020B0502040204020203" pitchFamily="50" charset="-127"/>
-              <a:cs typeface="맑은 고딕 Semilight" panose="020B0502040204020203" pitchFamily="50" charset="-127"/>
-              <a:sym typeface="Wingdings" panose="05000000000000000000" pitchFamily="2" charset="2"/>
-            </a:endParaRPr>
-          </a:p>
-          <a:p>
-            <a:pPr marL="449263" lvl="1" indent="-182563">
-              <a:lnSpc>
-                <a:spcPct val="150000"/>
-              </a:lnSpc>
-              <a:buFontTx/>
-              <a:buChar char="-"/>
-              <a:tabLst>
-                <a:tab pos="182563" algn="l"/>
-                <a:tab pos="449263" algn="l"/>
-              </a:tabLst>
-            </a:pPr>
-            <a:r>
-              <a:rPr lang="en-US" altLang="ko-KR" sz="1400" dirty="0" err="1" smtClean="0">
-                <a:ln>
-                  <a:solidFill>
-                    <a:schemeClr val="tx1">
-                      <a:alpha val="29000"/>
-                    </a:schemeClr>
-                  </a:solidFill>
-                </a:ln>
-                <a:latin typeface="맑은 고딕 Semilight" panose="020B0502040204020203" pitchFamily="50" charset="-127"/>
-                <a:ea typeface="맑은 고딕 Semilight" panose="020B0502040204020203" pitchFamily="50" charset="-127"/>
-                <a:cs typeface="맑은 고딕 Semilight" panose="020B0502040204020203" pitchFamily="50" charset="-127"/>
-                <a:sym typeface="Wingdings" panose="05000000000000000000" pitchFamily="2" charset="2"/>
-              </a:rPr>
-              <a:t>Git</a:t>
-            </a:r>
-            <a:r>
-              <a:rPr lang="ko-KR" altLang="en-US" sz="1400" dirty="0" smtClean="0">
-                <a:ln>
-                  <a:solidFill>
-                    <a:schemeClr val="tx1">
-                      <a:alpha val="29000"/>
-                    </a:schemeClr>
-                  </a:solidFill>
-                </a:ln>
-                <a:latin typeface="맑은 고딕 Semilight" panose="020B0502040204020203" pitchFamily="50" charset="-127"/>
-                <a:ea typeface="맑은 고딕 Semilight" panose="020B0502040204020203" pitchFamily="50" charset="-127"/>
-                <a:cs typeface="맑은 고딕 Semilight" panose="020B0502040204020203" pitchFamily="50" charset="-127"/>
-                <a:sym typeface="Wingdings" panose="05000000000000000000" pitchFamily="2" charset="2"/>
-              </a:rPr>
-              <a:t>이란</a:t>
-            </a:r>
-            <a:r>
-              <a:rPr lang="en-US" altLang="ko-KR" sz="1400" dirty="0" smtClean="0">
-                <a:ln>
-                  <a:solidFill>
-                    <a:schemeClr val="tx1">
-                      <a:alpha val="29000"/>
-                    </a:schemeClr>
-                  </a:solidFill>
-                </a:ln>
-                <a:latin typeface="맑은 고딕 Semilight" panose="020B0502040204020203" pitchFamily="50" charset="-127"/>
-                <a:ea typeface="맑은 고딕 Semilight" panose="020B0502040204020203" pitchFamily="50" charset="-127"/>
-                <a:cs typeface="맑은 고딕 Semilight" panose="020B0502040204020203" pitchFamily="50" charset="-127"/>
-                <a:sym typeface="Wingdings" panose="05000000000000000000" pitchFamily="2" charset="2"/>
-              </a:rPr>
-              <a:t> </a:t>
-            </a:r>
-            <a:r>
-              <a:rPr lang="ko-KR" altLang="en-US" sz="1400" dirty="0" smtClean="0">
-                <a:ln>
-                  <a:solidFill>
-                    <a:schemeClr val="tx1">
-                      <a:alpha val="29000"/>
-                    </a:schemeClr>
-                  </a:solidFill>
-                </a:ln>
-                <a:latin typeface="맑은 고딕 Semilight" panose="020B0502040204020203" pitchFamily="50" charset="-127"/>
-                <a:ea typeface="맑은 고딕 Semilight" panose="020B0502040204020203" pitchFamily="50" charset="-127"/>
-                <a:cs typeface="맑은 고딕 Semilight" panose="020B0502040204020203" pitchFamily="50" charset="-127"/>
-                <a:sym typeface="Wingdings" panose="05000000000000000000" pitchFamily="2" charset="2"/>
-              </a:rPr>
-              <a:t>소스코드를 </a:t>
-            </a:r>
-            <a:r>
-              <a:rPr lang="ko-KR" altLang="en-US" sz="1400" dirty="0">
-                <a:ln>
-                  <a:solidFill>
-                    <a:schemeClr val="tx1">
-                      <a:alpha val="29000"/>
-                    </a:schemeClr>
-                  </a:solidFill>
-                </a:ln>
-                <a:latin typeface="맑은 고딕 Semilight" panose="020B0502040204020203" pitchFamily="50" charset="-127"/>
-                <a:ea typeface="맑은 고딕 Semilight" panose="020B0502040204020203" pitchFamily="50" charset="-127"/>
-                <a:cs typeface="맑은 고딕 Semilight" panose="020B0502040204020203" pitchFamily="50" charset="-127"/>
-                <a:sym typeface="Wingdings" panose="05000000000000000000" pitchFamily="2" charset="2"/>
-              </a:rPr>
-              <a:t>효과적으로 관리하기 위해 개발된 </a:t>
-            </a:r>
-            <a:r>
-              <a:rPr lang="en-US" altLang="ko-KR" sz="1400" dirty="0">
-                <a:ln>
-                  <a:solidFill>
-                    <a:schemeClr val="tx1">
-                      <a:alpha val="29000"/>
-                    </a:schemeClr>
-                  </a:solidFill>
-                </a:ln>
-                <a:latin typeface="맑은 고딕 Semilight" panose="020B0502040204020203" pitchFamily="50" charset="-127"/>
-                <a:ea typeface="맑은 고딕 Semilight" panose="020B0502040204020203" pitchFamily="50" charset="-127"/>
-                <a:cs typeface="맑은 고딕 Semilight" panose="020B0502040204020203" pitchFamily="50" charset="-127"/>
-                <a:sym typeface="Wingdings" panose="05000000000000000000" pitchFamily="2" charset="2"/>
-              </a:rPr>
-              <a:t>'</a:t>
-            </a:r>
-            <a:r>
-              <a:rPr lang="ko-KR" altLang="en-US" sz="1400" dirty="0" err="1">
-                <a:ln>
-                  <a:solidFill>
-                    <a:schemeClr val="tx1">
-                      <a:alpha val="29000"/>
-                    </a:schemeClr>
-                  </a:solidFill>
-                </a:ln>
-                <a:latin typeface="맑은 고딕 Semilight" panose="020B0502040204020203" pitchFamily="50" charset="-127"/>
-                <a:ea typeface="맑은 고딕 Semilight" panose="020B0502040204020203" pitchFamily="50" charset="-127"/>
-                <a:cs typeface="맑은 고딕 Semilight" panose="020B0502040204020203" pitchFamily="50" charset="-127"/>
-                <a:sym typeface="Wingdings" panose="05000000000000000000" pitchFamily="2" charset="2"/>
-              </a:rPr>
-              <a:t>분산형</a:t>
-            </a:r>
-            <a:r>
-              <a:rPr lang="ko-KR" altLang="en-US" sz="1400" dirty="0">
-                <a:ln>
-                  <a:solidFill>
-                    <a:schemeClr val="tx1">
-                      <a:alpha val="29000"/>
-                    </a:schemeClr>
-                  </a:solidFill>
-                </a:ln>
-                <a:latin typeface="맑은 고딕 Semilight" panose="020B0502040204020203" pitchFamily="50" charset="-127"/>
-                <a:ea typeface="맑은 고딕 Semilight" panose="020B0502040204020203" pitchFamily="50" charset="-127"/>
-                <a:cs typeface="맑은 고딕 Semilight" panose="020B0502040204020203" pitchFamily="50" charset="-127"/>
-                <a:sym typeface="Wingdings" panose="05000000000000000000" pitchFamily="2" charset="2"/>
-              </a:rPr>
-              <a:t> 버전 관리 시스템</a:t>
-            </a:r>
-            <a:r>
-              <a:rPr lang="ko-KR" altLang="en-US" sz="1400" dirty="0" smtClean="0">
-                <a:ln>
-                  <a:solidFill>
-                    <a:schemeClr val="tx1">
-                      <a:alpha val="29000"/>
-                    </a:schemeClr>
-                  </a:solidFill>
-                </a:ln>
-                <a:latin typeface="맑은 고딕 Semilight" panose="020B0502040204020203" pitchFamily="50" charset="-127"/>
-                <a:ea typeface="맑은 고딕 Semilight" panose="020B0502040204020203" pitchFamily="50" charset="-127"/>
-                <a:cs typeface="맑은 고딕 Semilight" panose="020B0502040204020203" pitchFamily="50" charset="-127"/>
-                <a:sym typeface="Wingdings" panose="05000000000000000000" pitchFamily="2" charset="2"/>
-              </a:rPr>
-              <a:t>‘</a:t>
-            </a:r>
-            <a:endParaRPr lang="en-US" altLang="ko-KR" sz="1400" dirty="0" smtClean="0">
-              <a:ln>
-                <a:solidFill>
-                  <a:schemeClr val="tx1">
-                    <a:alpha val="29000"/>
-                  </a:schemeClr>
-                </a:solidFill>
-              </a:ln>
-              <a:latin typeface="맑은 고딕 Semilight" panose="020B0502040204020203" pitchFamily="50" charset="-127"/>
-              <a:ea typeface="맑은 고딕 Semilight" panose="020B0502040204020203" pitchFamily="50" charset="-127"/>
-              <a:cs typeface="맑은 고딕 Semilight" panose="020B0502040204020203" pitchFamily="50" charset="-127"/>
-              <a:sym typeface="Wingdings" panose="05000000000000000000" pitchFamily="2" charset="2"/>
-            </a:endParaRPr>
-          </a:p>
-          <a:p>
-            <a:pPr marL="449263" lvl="1" indent="-182563">
-              <a:lnSpc>
-                <a:spcPct val="150000"/>
-              </a:lnSpc>
-              <a:buFontTx/>
-              <a:buChar char="-"/>
-              <a:tabLst>
-                <a:tab pos="182563" algn="l"/>
-                <a:tab pos="449263" algn="l"/>
-              </a:tabLst>
-            </a:pPr>
-            <a:r>
-              <a:rPr lang="ko-KR" altLang="en-US" sz="1400" dirty="0" smtClean="0">
-                <a:ln>
-                  <a:solidFill>
-                    <a:schemeClr val="tx1">
-                      <a:alpha val="29000"/>
-                    </a:schemeClr>
-                  </a:solidFill>
-                </a:ln>
-                <a:latin typeface="맑은 고딕 Semilight" panose="020B0502040204020203" pitchFamily="50" charset="-127"/>
-                <a:ea typeface="맑은 고딕 Semilight" panose="020B0502040204020203" pitchFamily="50" charset="-127"/>
-                <a:cs typeface="맑은 고딕 Semilight" panose="020B0502040204020203" pitchFamily="50" charset="-127"/>
-                <a:sym typeface="Wingdings" panose="05000000000000000000" pitchFamily="2" charset="2"/>
-              </a:rPr>
-              <a:t>게임에서 저장했던 것처럼 파일 상태를 저장할 수 있는데 이를 </a:t>
-            </a:r>
-            <a:r>
-              <a:rPr lang="en-US" altLang="ko-KR" sz="1400" dirty="0" err="1" smtClean="0">
-                <a:ln>
-                  <a:solidFill>
-                    <a:schemeClr val="tx1">
-                      <a:alpha val="29000"/>
-                    </a:schemeClr>
-                  </a:solidFill>
-                </a:ln>
-                <a:latin typeface="맑은 고딕 Semilight" panose="020B0502040204020203" pitchFamily="50" charset="-127"/>
-                <a:ea typeface="맑은 고딕 Semilight" panose="020B0502040204020203" pitchFamily="50" charset="-127"/>
-                <a:cs typeface="맑은 고딕 Semilight" panose="020B0502040204020203" pitchFamily="50" charset="-127"/>
-                <a:sym typeface="Wingdings" panose="05000000000000000000" pitchFamily="2" charset="2"/>
-              </a:rPr>
-              <a:t>git</a:t>
-            </a:r>
-            <a:r>
-              <a:rPr lang="ko-KR" altLang="en-US" sz="1400" dirty="0" smtClean="0">
-                <a:ln>
-                  <a:solidFill>
-                    <a:schemeClr val="tx1">
-                      <a:alpha val="29000"/>
-                    </a:schemeClr>
-                  </a:solidFill>
-                </a:ln>
-                <a:latin typeface="맑은 고딕 Semilight" panose="020B0502040204020203" pitchFamily="50" charset="-127"/>
-                <a:ea typeface="맑은 고딕 Semilight" panose="020B0502040204020203" pitchFamily="50" charset="-127"/>
-                <a:cs typeface="맑은 고딕 Semilight" panose="020B0502040204020203" pitchFamily="50" charset="-127"/>
-                <a:sym typeface="Wingdings" panose="05000000000000000000" pitchFamily="2" charset="2"/>
-              </a:rPr>
-              <a:t>에서는 </a:t>
-            </a:r>
-            <a:r>
-              <a:rPr lang="ko-KR" altLang="en-US" sz="1400" dirty="0" err="1" smtClean="0">
-                <a:ln>
-                  <a:solidFill>
-                    <a:schemeClr val="tx1">
-                      <a:alpha val="29000"/>
-                    </a:schemeClr>
-                  </a:solidFill>
-                </a:ln>
-                <a:latin typeface="맑은 고딕 Semilight" panose="020B0502040204020203" pitchFamily="50" charset="-127"/>
-                <a:ea typeface="맑은 고딕 Semilight" panose="020B0502040204020203" pitchFamily="50" charset="-127"/>
-                <a:cs typeface="맑은 고딕 Semilight" panose="020B0502040204020203" pitchFamily="50" charset="-127"/>
-                <a:sym typeface="Wingdings" panose="05000000000000000000" pitchFamily="2" charset="2"/>
-              </a:rPr>
-              <a:t>커밋</a:t>
-            </a:r>
-            <a:r>
-              <a:rPr lang="ko-KR" altLang="en-US" sz="1400" dirty="0" smtClean="0">
-                <a:ln>
-                  <a:solidFill>
-                    <a:schemeClr val="tx1">
-                      <a:alpha val="29000"/>
-                    </a:schemeClr>
-                  </a:solidFill>
-                </a:ln>
-                <a:latin typeface="맑은 고딕 Semilight" panose="020B0502040204020203" pitchFamily="50" charset="-127"/>
-                <a:ea typeface="맑은 고딕 Semilight" panose="020B0502040204020203" pitchFamily="50" charset="-127"/>
-                <a:cs typeface="맑은 고딕 Semilight" panose="020B0502040204020203" pitchFamily="50" charset="-127"/>
-                <a:sym typeface="Wingdings" panose="05000000000000000000" pitchFamily="2" charset="2"/>
-              </a:rPr>
-              <a:t> </a:t>
-            </a:r>
-            <a:r>
-              <a:rPr lang="en-US" altLang="ko-KR" sz="1400" dirty="0" smtClean="0">
-                <a:ln>
-                  <a:solidFill>
-                    <a:schemeClr val="tx1">
-                      <a:alpha val="29000"/>
-                    </a:schemeClr>
-                  </a:solidFill>
-                </a:ln>
-                <a:latin typeface="맑은 고딕 Semilight" panose="020B0502040204020203" pitchFamily="50" charset="-127"/>
-                <a:ea typeface="맑은 고딕 Semilight" panose="020B0502040204020203" pitchFamily="50" charset="-127"/>
-                <a:cs typeface="맑은 고딕 Semilight" panose="020B0502040204020203" pitchFamily="50" charset="-127"/>
-                <a:sym typeface="Wingdings" panose="05000000000000000000" pitchFamily="2" charset="2"/>
-              </a:rPr>
-              <a:t>commit</a:t>
-            </a:r>
-            <a:r>
-              <a:rPr lang="ko-KR" altLang="en-US" sz="1400" dirty="0" smtClean="0">
-                <a:ln>
-                  <a:solidFill>
-                    <a:schemeClr val="tx1">
-                      <a:alpha val="29000"/>
-                    </a:schemeClr>
-                  </a:solidFill>
-                </a:ln>
-                <a:latin typeface="맑은 고딕 Semilight" panose="020B0502040204020203" pitchFamily="50" charset="-127"/>
-                <a:ea typeface="맑은 고딕 Semilight" panose="020B0502040204020203" pitchFamily="50" charset="-127"/>
-                <a:cs typeface="맑은 고딕 Semilight" panose="020B0502040204020203" pitchFamily="50" charset="-127"/>
-                <a:sym typeface="Wingdings" panose="05000000000000000000" pitchFamily="2" charset="2"/>
-              </a:rPr>
-              <a:t>이라고 함</a:t>
-            </a:r>
-            <a:endParaRPr lang="en-US" altLang="ko-KR" sz="1400" dirty="0" smtClean="0">
-              <a:ln>
-                <a:solidFill>
-                  <a:schemeClr val="tx1">
-                    <a:alpha val="29000"/>
-                  </a:schemeClr>
-                </a:solidFill>
-              </a:ln>
-              <a:latin typeface="맑은 고딕 Semilight" panose="020B0502040204020203" pitchFamily="50" charset="-127"/>
-              <a:ea typeface="맑은 고딕 Semilight" panose="020B0502040204020203" pitchFamily="50" charset="-127"/>
-              <a:cs typeface="맑은 고딕 Semilight" panose="020B0502040204020203" pitchFamily="50" charset="-127"/>
-              <a:sym typeface="Wingdings" panose="05000000000000000000" pitchFamily="2" charset="2"/>
-            </a:endParaRPr>
-          </a:p>
-        </p:txBody>
-      </p:sp>
-      <p:pic>
-        <p:nvPicPr>
-          <p:cNvPr id="5" name="그림 4"/>
-          <p:cNvPicPr>
-            <a:picLocks noChangeAspect="1"/>
-          </p:cNvPicPr>
-          <p:nvPr/>
-        </p:nvPicPr>
-        <p:blipFill>
-          <a:blip r:embed="rId3"/>
-          <a:stretch>
-            <a:fillRect/>
-          </a:stretch>
-        </p:blipFill>
-        <p:spPr>
-          <a:xfrm>
-            <a:off x="1666078" y="2949134"/>
-            <a:ext cx="6578386" cy="2199915"/>
-          </a:xfrm>
-          <a:prstGeom prst="rect">
-            <a:avLst/>
-          </a:prstGeom>
-        </p:spPr>
-      </p:pic>
-    </p:spTree>
-    <p:extLst>
-      <p:ext uri="{BB962C8B-B14F-4D97-AF65-F5344CB8AC3E}">
-        <p14:creationId xmlns:p14="http://schemas.microsoft.com/office/powerpoint/2010/main" val="247257367"/>
-      </p:ext>
-    </p:extLst>
-  </p:cSld>
-  <p:clrMapOvr>
-    <a:masterClrMapping/>
-  </p:clrMapOvr>
-  <p:timing>
-    <p:tnLst>
-      <p:par>
-        <p:cTn id="1" dur="indefinite" restart="never" nodeType="tmRoot"/>
-      </p:par>
-    </p:tnLst>
-  </p:timing>
-</p:sld>
-</file>
-
-<file path=ppt/slides/slide8.xml><?xml version="1.0" encoding="utf-8"?>
-<p:sld xmlns:a="http://schemas.openxmlformats.org/drawingml/2006/main" xmlns:r="http://schemas.openxmlformats.org/officeDocument/2006/relationships" xmlns:p="http://schemas.openxmlformats.org/presentationml/2006/main">
-  <p:cSld>
-    <p:spTree>
-      <p:nvGrpSpPr>
-        <p:cNvPr id="1" name=""/>
-        <p:cNvGrpSpPr/>
-        <p:nvPr/>
-      </p:nvGrpSpPr>
-      <p:grpSpPr>
-        <a:xfrm>
-          <a:off x="0" y="0"/>
-          <a:ext cx="0" cy="0"/>
-          <a:chOff x="0" y="0"/>
-          <a:chExt cx="0" cy="0"/>
-        </a:xfrm>
-      </p:grpSpPr>
-      <p:cxnSp>
-        <p:nvCxnSpPr>
-          <p:cNvPr id="7" name="직선 연결선 6"/>
-          <p:cNvCxnSpPr/>
-          <p:nvPr/>
-        </p:nvCxnSpPr>
-        <p:spPr>
-          <a:xfrm>
-            <a:off x="0" y="683316"/>
-            <a:ext cx="2228295" cy="0"/>
-          </a:xfrm>
-          <a:prstGeom prst="line">
-            <a:avLst/>
-          </a:prstGeom>
-          <a:ln w="28575">
-            <a:solidFill>
-              <a:srgbClr val="ED553B"/>
-            </a:solidFill>
-            <a:tailEnd type="oval" w="lg" len="lg"/>
-          </a:ln>
-        </p:spPr>
-        <p:style>
-          <a:lnRef idx="1">
-            <a:schemeClr val="accent1"/>
-          </a:lnRef>
-          <a:fillRef idx="0">
-            <a:schemeClr val="accent1"/>
-          </a:fillRef>
-          <a:effectRef idx="0">
-            <a:schemeClr val="accent1"/>
-          </a:effectRef>
-          <a:fontRef idx="minor">
-            <a:schemeClr val="tx1"/>
-          </a:fontRef>
-        </p:style>
-      </p:cxnSp>
-      <p:sp>
-        <p:nvSpPr>
-          <p:cNvPr id="9" name="TextBox 8"/>
-          <p:cNvSpPr txBox="1"/>
-          <p:nvPr/>
-        </p:nvSpPr>
-        <p:spPr>
-          <a:xfrm>
-            <a:off x="322413" y="140957"/>
-            <a:ext cx="5552787" cy="400110"/>
-          </a:xfrm>
-          <a:prstGeom prst="rect">
-            <a:avLst/>
-          </a:prstGeom>
-          <a:noFill/>
-        </p:spPr>
-        <p:txBody>
-          <a:bodyPr wrap="square" rtlCol="0">
-            <a:spAutoFit/>
-          </a:bodyPr>
-          <a:lstStyle/>
-          <a:p>
-            <a:r>
-              <a:rPr lang="en-US" altLang="ko-KR" sz="2000" b="1" dirty="0" smtClean="0">
-                <a:ln>
-                  <a:solidFill>
-                    <a:schemeClr val="tx1">
-                      <a:alpha val="29000"/>
-                    </a:schemeClr>
-                  </a:solidFill>
-                </a:ln>
-                <a:latin typeface="맑은 고딕 Semilight" panose="020B0502040204020203" pitchFamily="50" charset="-127"/>
-                <a:ea typeface="맑은 고딕 Semilight" panose="020B0502040204020203" pitchFamily="50" charset="-127"/>
-                <a:cs typeface="맑은 고딕 Semilight" panose="020B0502040204020203" pitchFamily="50" charset="-127"/>
-              </a:rPr>
-              <a:t>Let’s </a:t>
-            </a:r>
-            <a:r>
-              <a:rPr lang="en-US" altLang="ko-KR" sz="2000" b="1" dirty="0" err="1" smtClean="0">
-                <a:ln>
-                  <a:solidFill>
-                    <a:schemeClr val="tx1">
-                      <a:alpha val="29000"/>
-                    </a:schemeClr>
-                  </a:solidFill>
-                </a:ln>
-                <a:latin typeface="맑은 고딕 Semilight" panose="020B0502040204020203" pitchFamily="50" charset="-127"/>
-                <a:ea typeface="맑은 고딕 Semilight" panose="020B0502040204020203" pitchFamily="50" charset="-127"/>
-                <a:cs typeface="맑은 고딕 Semilight" panose="020B0502040204020203" pitchFamily="50" charset="-127"/>
-              </a:rPr>
-              <a:t>Git</a:t>
-            </a:r>
-            <a:r>
-              <a:rPr lang="en-US" altLang="ko-KR" sz="2000" b="1" dirty="0" smtClean="0">
-                <a:ln>
-                  <a:solidFill>
-                    <a:schemeClr val="tx1">
-                      <a:alpha val="29000"/>
-                    </a:schemeClr>
-                  </a:solidFill>
-                </a:ln>
-                <a:latin typeface="맑은 고딕 Semilight" panose="020B0502040204020203" pitchFamily="50" charset="-127"/>
-                <a:ea typeface="맑은 고딕 Semilight" panose="020B0502040204020203" pitchFamily="50" charset="-127"/>
-                <a:cs typeface="맑은 고딕 Semilight" panose="020B0502040204020203" pitchFamily="50" charset="-127"/>
-              </a:rPr>
-              <a:t> it (?)</a:t>
-            </a:r>
-            <a:endParaRPr lang="en-US" altLang="ko-KR" sz="2000" b="1" dirty="0">
-              <a:ln>
-                <a:solidFill>
-                  <a:schemeClr val="tx1">
-                    <a:alpha val="29000"/>
-                  </a:schemeClr>
-                </a:solidFill>
-              </a:ln>
-              <a:latin typeface="맑은 고딕 Semilight" panose="020B0502040204020203" pitchFamily="50" charset="-127"/>
-              <a:ea typeface="맑은 고딕 Semilight" panose="020B0502040204020203" pitchFamily="50" charset="-127"/>
-              <a:cs typeface="맑은 고딕 Semilight" panose="020B0502040204020203" pitchFamily="50" charset="-127"/>
-            </a:endParaRPr>
-          </a:p>
-        </p:txBody>
-      </p:sp>
-      <p:sp>
-        <p:nvSpPr>
-          <p:cNvPr id="74" name="TextBox 73"/>
-          <p:cNvSpPr txBox="1"/>
-          <p:nvPr/>
-        </p:nvSpPr>
-        <p:spPr>
-          <a:xfrm>
-            <a:off x="267598" y="825566"/>
-            <a:ext cx="8973045" cy="1477328"/>
-          </a:xfrm>
-          <a:prstGeom prst="rect">
-            <a:avLst/>
-          </a:prstGeom>
-          <a:noFill/>
-        </p:spPr>
-        <p:txBody>
-          <a:bodyPr wrap="square" rtlCol="0">
-            <a:spAutoFit/>
-          </a:bodyPr>
-          <a:lstStyle/>
-          <a:p>
-            <a:pPr marL="285750" indent="-285750">
-              <a:lnSpc>
-                <a:spcPct val="150000"/>
-              </a:lnSpc>
-              <a:buFont typeface="Arial" panose="020B0604020202020204" pitchFamily="34" charset="0"/>
-              <a:buChar char="•"/>
-            </a:pPr>
-            <a:r>
-              <a:rPr lang="en-US" altLang="ko-KR" sz="1800" b="1" dirty="0" err="1" smtClean="0">
-                <a:ln>
-                  <a:solidFill>
-                    <a:schemeClr val="tx1">
-                      <a:alpha val="29000"/>
-                    </a:schemeClr>
-                  </a:solidFill>
-                </a:ln>
-                <a:latin typeface="맑은 고딕 Semilight" panose="020B0502040204020203" pitchFamily="50" charset="-127"/>
-                <a:ea typeface="맑은 고딕 Semilight" panose="020B0502040204020203" pitchFamily="50" charset="-127"/>
-                <a:cs typeface="맑은 고딕 Semilight" panose="020B0502040204020203" pitchFamily="50" charset="-127"/>
-                <a:sym typeface="Wingdings" panose="05000000000000000000" pitchFamily="2" charset="2"/>
-              </a:rPr>
-              <a:t>Git</a:t>
-            </a:r>
-            <a:r>
-              <a:rPr lang="ko-KR" altLang="en-US" sz="1800" b="1" dirty="0" smtClean="0">
-                <a:ln>
-                  <a:solidFill>
-                    <a:schemeClr val="tx1">
-                      <a:alpha val="29000"/>
-                    </a:schemeClr>
-                  </a:solidFill>
-                </a:ln>
-                <a:latin typeface="맑은 고딕 Semilight" panose="020B0502040204020203" pitchFamily="50" charset="-127"/>
-                <a:ea typeface="맑은 고딕 Semilight" panose="020B0502040204020203" pitchFamily="50" charset="-127"/>
-                <a:cs typeface="맑은 고딕 Semilight" panose="020B0502040204020203" pitchFamily="50" charset="-127"/>
-                <a:sym typeface="Wingdings" panose="05000000000000000000" pitchFamily="2" charset="2"/>
-              </a:rPr>
-              <a:t>이란</a:t>
-            </a:r>
-            <a:r>
-              <a:rPr lang="en-US" altLang="ko-KR" sz="1800" b="1" dirty="0" smtClean="0">
-                <a:ln>
-                  <a:solidFill>
-                    <a:schemeClr val="tx1">
-                      <a:alpha val="29000"/>
-                    </a:schemeClr>
-                  </a:solidFill>
-                </a:ln>
-                <a:latin typeface="맑은 고딕 Semilight" panose="020B0502040204020203" pitchFamily="50" charset="-127"/>
-                <a:ea typeface="맑은 고딕 Semilight" panose="020B0502040204020203" pitchFamily="50" charset="-127"/>
-                <a:cs typeface="맑은 고딕 Semilight" panose="020B0502040204020203" pitchFamily="50" charset="-127"/>
-                <a:sym typeface="Wingdings" panose="05000000000000000000" pitchFamily="2" charset="2"/>
-              </a:rPr>
-              <a:t>?</a:t>
-            </a:r>
-            <a:endParaRPr lang="en-US" altLang="ko-KR" sz="1800" b="1" dirty="0">
-              <a:ln>
-                <a:solidFill>
-                  <a:schemeClr val="tx1">
-                    <a:alpha val="29000"/>
-                  </a:schemeClr>
-                </a:solidFill>
-              </a:ln>
-              <a:latin typeface="맑은 고딕 Semilight" panose="020B0502040204020203" pitchFamily="50" charset="-127"/>
-              <a:ea typeface="맑은 고딕 Semilight" panose="020B0502040204020203" pitchFamily="50" charset="-127"/>
-              <a:cs typeface="맑은 고딕 Semilight" panose="020B0502040204020203" pitchFamily="50" charset="-127"/>
-              <a:sym typeface="Wingdings" panose="05000000000000000000" pitchFamily="2" charset="2"/>
-            </a:endParaRPr>
-          </a:p>
-          <a:p>
-            <a:pPr marL="449263" lvl="1" indent="-182563">
-              <a:lnSpc>
-                <a:spcPct val="150000"/>
-              </a:lnSpc>
-              <a:buFontTx/>
-              <a:buChar char="-"/>
-              <a:tabLst>
-                <a:tab pos="182563" algn="l"/>
-                <a:tab pos="449263" algn="l"/>
-              </a:tabLst>
-            </a:pPr>
-            <a:r>
-              <a:rPr lang="ko-KR" altLang="en-US" sz="1400" dirty="0" smtClean="0">
-                <a:ln>
-                  <a:solidFill>
-                    <a:schemeClr val="tx1">
-                      <a:alpha val="29000"/>
-                    </a:schemeClr>
-                  </a:solidFill>
-                </a:ln>
-                <a:latin typeface="맑은 고딕 Semilight" panose="020B0502040204020203" pitchFamily="50" charset="-127"/>
-                <a:ea typeface="맑은 고딕 Semilight" panose="020B0502040204020203" pitchFamily="50" charset="-127"/>
-                <a:cs typeface="맑은 고딕 Semilight" panose="020B0502040204020203" pitchFamily="50" charset="-127"/>
-                <a:sym typeface="Wingdings" panose="05000000000000000000" pitchFamily="2" charset="2"/>
-              </a:rPr>
-              <a:t>이러한 작업을 위해서는 </a:t>
-            </a:r>
-            <a:r>
-              <a:rPr lang="en-US" altLang="ko-KR" sz="1400" dirty="0" err="1" smtClean="0">
-                <a:ln>
-                  <a:solidFill>
-                    <a:schemeClr val="tx1">
-                      <a:alpha val="29000"/>
-                    </a:schemeClr>
-                  </a:solidFill>
-                </a:ln>
-                <a:latin typeface="맑은 고딕 Semilight" panose="020B0502040204020203" pitchFamily="50" charset="-127"/>
-                <a:ea typeface="맑은 고딕 Semilight" panose="020B0502040204020203" pitchFamily="50" charset="-127"/>
-                <a:cs typeface="맑은 고딕 Semilight" panose="020B0502040204020203" pitchFamily="50" charset="-127"/>
-                <a:sym typeface="Wingdings" panose="05000000000000000000" pitchFamily="2" charset="2"/>
-              </a:rPr>
-              <a:t>git</a:t>
-            </a:r>
-            <a:r>
-              <a:rPr lang="ko-KR" altLang="en-US" sz="1400" smtClean="0">
-                <a:ln>
-                  <a:solidFill>
-                    <a:schemeClr val="tx1">
-                      <a:alpha val="29000"/>
-                    </a:schemeClr>
-                  </a:solidFill>
-                </a:ln>
-                <a:latin typeface="맑은 고딕 Semilight" panose="020B0502040204020203" pitchFamily="50" charset="-127"/>
-                <a:ea typeface="맑은 고딕 Semilight" panose="020B0502040204020203" pitchFamily="50" charset="-127"/>
-                <a:cs typeface="맑은 고딕 Semilight" panose="020B0502040204020203" pitchFamily="50" charset="-127"/>
-                <a:sym typeface="Wingdings" panose="05000000000000000000" pitchFamily="2" charset="2"/>
-              </a:rPr>
-              <a:t>을 다루는 </a:t>
-            </a:r>
-            <a:r>
-              <a:rPr lang="ko-KR" altLang="en-US" sz="1400" dirty="0" smtClean="0">
-                <a:ln>
-                  <a:solidFill>
-                    <a:schemeClr val="tx1">
-                      <a:alpha val="29000"/>
-                    </a:schemeClr>
-                  </a:solidFill>
-                </a:ln>
-                <a:latin typeface="맑은 고딕 Semilight" panose="020B0502040204020203" pitchFamily="50" charset="-127"/>
-                <a:ea typeface="맑은 고딕 Semilight" panose="020B0502040204020203" pitchFamily="50" charset="-127"/>
-                <a:cs typeface="맑은 고딕 Semilight" panose="020B0502040204020203" pitchFamily="50" charset="-127"/>
-                <a:sym typeface="Wingdings" panose="05000000000000000000" pitchFamily="2" charset="2"/>
-              </a:rPr>
-              <a:t>명령어 코드를 알아야 함</a:t>
-            </a:r>
-            <a:r>
-              <a:rPr lang="en-US" altLang="ko-KR" sz="1400" dirty="0" smtClean="0">
-                <a:ln>
-                  <a:solidFill>
-                    <a:schemeClr val="tx1">
-                      <a:alpha val="29000"/>
-                    </a:schemeClr>
-                  </a:solidFill>
-                </a:ln>
-                <a:latin typeface="맑은 고딕 Semilight" panose="020B0502040204020203" pitchFamily="50" charset="-127"/>
-                <a:ea typeface="맑은 고딕 Semilight" panose="020B0502040204020203" pitchFamily="50" charset="-127"/>
-                <a:cs typeface="맑은 고딕 Semilight" panose="020B0502040204020203" pitchFamily="50" charset="-127"/>
-                <a:sym typeface="Wingdings" panose="05000000000000000000" pitchFamily="2" charset="2"/>
-              </a:rPr>
-              <a:t/>
-            </a:r>
-            <a:br>
-              <a:rPr lang="en-US" altLang="ko-KR" sz="1400" dirty="0" smtClean="0">
-                <a:ln>
-                  <a:solidFill>
-                    <a:schemeClr val="tx1">
-                      <a:alpha val="29000"/>
-                    </a:schemeClr>
-                  </a:solidFill>
-                </a:ln>
-                <a:latin typeface="맑은 고딕 Semilight" panose="020B0502040204020203" pitchFamily="50" charset="-127"/>
-                <a:ea typeface="맑은 고딕 Semilight" panose="020B0502040204020203" pitchFamily="50" charset="-127"/>
-                <a:cs typeface="맑은 고딕 Semilight" panose="020B0502040204020203" pitchFamily="50" charset="-127"/>
-                <a:sym typeface="Wingdings" panose="05000000000000000000" pitchFamily="2" charset="2"/>
-              </a:rPr>
-            </a:br>
-            <a:r>
-              <a:rPr lang="en-US" altLang="ko-KR" sz="1400" dirty="0" smtClean="0">
-                <a:ln>
-                  <a:solidFill>
-                    <a:schemeClr val="tx1">
-                      <a:alpha val="29000"/>
-                    </a:schemeClr>
-                  </a:solidFill>
-                </a:ln>
-                <a:latin typeface="맑은 고딕 Semilight" panose="020B0502040204020203" pitchFamily="50" charset="-127"/>
-                <a:ea typeface="맑은 고딕 Semilight" panose="020B0502040204020203" pitchFamily="50" charset="-127"/>
-                <a:cs typeface="맑은 고딕 Semilight" panose="020B0502040204020203" pitchFamily="50" charset="-127"/>
-                <a:sym typeface="Wingdings" panose="05000000000000000000" pitchFamily="2" charset="2"/>
-              </a:rPr>
-              <a:t>  </a:t>
-            </a:r>
-            <a:r>
-              <a:rPr lang="ko-KR" altLang="en-US" sz="1400" dirty="0" smtClean="0">
-                <a:ln>
-                  <a:solidFill>
-                    <a:schemeClr val="tx1">
-                      <a:alpha val="29000"/>
-                    </a:schemeClr>
-                  </a:solidFill>
-                </a:ln>
-                <a:latin typeface="맑은 고딕 Semilight" panose="020B0502040204020203" pitchFamily="50" charset="-127"/>
-                <a:ea typeface="맑은 고딕 Semilight" panose="020B0502040204020203" pitchFamily="50" charset="-127"/>
-                <a:cs typeface="맑은 고딕 Semilight" panose="020B0502040204020203" pitchFamily="50" charset="-127"/>
-                <a:sym typeface="Wingdings" panose="05000000000000000000" pitchFamily="2" charset="2"/>
-              </a:rPr>
-              <a:t>하지만 이 코드를 쉽게 제공하는 </a:t>
-            </a:r>
-            <a:r>
-              <a:rPr lang="en-US" altLang="ko-KR" sz="1400" dirty="0" smtClean="0">
-                <a:ln>
-                  <a:solidFill>
-                    <a:schemeClr val="tx1">
-                      <a:alpha val="29000"/>
-                    </a:schemeClr>
-                  </a:solidFill>
-                </a:ln>
-                <a:latin typeface="맑은 고딕 Semilight" panose="020B0502040204020203" pitchFamily="50" charset="-127"/>
-                <a:ea typeface="맑은 고딕 Semilight" panose="020B0502040204020203" pitchFamily="50" charset="-127"/>
-                <a:cs typeface="맑은 고딕 Semilight" panose="020B0502040204020203" pitchFamily="50" charset="-127"/>
-                <a:sym typeface="Wingdings" panose="05000000000000000000" pitchFamily="2" charset="2"/>
-              </a:rPr>
-              <a:t>GUI</a:t>
-            </a:r>
-            <a:r>
-              <a:rPr lang="ko-KR" altLang="en-US" sz="1400" dirty="0" smtClean="0">
-                <a:ln>
-                  <a:solidFill>
-                    <a:schemeClr val="tx1">
-                      <a:alpha val="29000"/>
-                    </a:schemeClr>
-                  </a:solidFill>
-                </a:ln>
-                <a:latin typeface="맑은 고딕 Semilight" panose="020B0502040204020203" pitchFamily="50" charset="-127"/>
-                <a:ea typeface="맑은 고딕 Semilight" panose="020B0502040204020203" pitchFamily="50" charset="-127"/>
-                <a:cs typeface="맑은 고딕 Semilight" panose="020B0502040204020203" pitchFamily="50" charset="-127"/>
-                <a:sym typeface="Wingdings" panose="05000000000000000000" pitchFamily="2" charset="2"/>
-              </a:rPr>
-              <a:t>가 존재</a:t>
-            </a:r>
-            <a:r>
-              <a:rPr lang="en-US" altLang="ko-KR" sz="1400" dirty="0" smtClean="0">
-                <a:ln>
-                  <a:solidFill>
-                    <a:schemeClr val="tx1">
-                      <a:alpha val="29000"/>
-                    </a:schemeClr>
-                  </a:solidFill>
-                </a:ln>
-                <a:latin typeface="맑은 고딕 Semilight" panose="020B0502040204020203" pitchFamily="50" charset="-127"/>
-                <a:ea typeface="맑은 고딕 Semilight" panose="020B0502040204020203" pitchFamily="50" charset="-127"/>
-                <a:cs typeface="맑은 고딕 Semilight" panose="020B0502040204020203" pitchFamily="50" charset="-127"/>
-                <a:sym typeface="Wingdings" panose="05000000000000000000" pitchFamily="2" charset="2"/>
-              </a:rPr>
-              <a:t>!</a:t>
-            </a:r>
-            <a:br>
-              <a:rPr lang="en-US" altLang="ko-KR" sz="1400" dirty="0" smtClean="0">
-                <a:ln>
-                  <a:solidFill>
-                    <a:schemeClr val="tx1">
-                      <a:alpha val="29000"/>
-                    </a:schemeClr>
-                  </a:solidFill>
-                </a:ln>
-                <a:latin typeface="맑은 고딕 Semilight" panose="020B0502040204020203" pitchFamily="50" charset="-127"/>
-                <a:ea typeface="맑은 고딕 Semilight" panose="020B0502040204020203" pitchFamily="50" charset="-127"/>
-                <a:cs typeface="맑은 고딕 Semilight" panose="020B0502040204020203" pitchFamily="50" charset="-127"/>
-                <a:sym typeface="Wingdings" panose="05000000000000000000" pitchFamily="2" charset="2"/>
-              </a:rPr>
-            </a:br>
-            <a:r>
-              <a:rPr lang="en-US" altLang="ko-KR" sz="1400" dirty="0" smtClean="0">
-                <a:ln>
-                  <a:solidFill>
-                    <a:schemeClr val="tx1">
-                      <a:alpha val="29000"/>
-                    </a:schemeClr>
-                  </a:solidFill>
-                </a:ln>
-                <a:latin typeface="맑은 고딕 Semilight" panose="020B0502040204020203" pitchFamily="50" charset="-127"/>
-                <a:ea typeface="맑은 고딕 Semilight" panose="020B0502040204020203" pitchFamily="50" charset="-127"/>
-                <a:cs typeface="맑은 고딕 Semilight" panose="020B0502040204020203" pitchFamily="50" charset="-127"/>
-                <a:sym typeface="Wingdings" panose="05000000000000000000" pitchFamily="2" charset="2"/>
-              </a:rPr>
-              <a:t>  </a:t>
-            </a:r>
-            <a:r>
-              <a:rPr lang="ko-KR" altLang="en-US" sz="1400" dirty="0" smtClean="0">
-                <a:ln>
-                  <a:solidFill>
-                    <a:schemeClr val="tx1">
-                      <a:alpha val="29000"/>
-                    </a:schemeClr>
-                  </a:solidFill>
-                </a:ln>
-                <a:latin typeface="맑은 고딕 Semilight" panose="020B0502040204020203" pitchFamily="50" charset="-127"/>
-                <a:ea typeface="맑은 고딕 Semilight" panose="020B0502040204020203" pitchFamily="50" charset="-127"/>
-                <a:cs typeface="맑은 고딕 Semilight" panose="020B0502040204020203" pitchFamily="50" charset="-127"/>
-                <a:sym typeface="Wingdings" panose="05000000000000000000" pitchFamily="2" charset="2"/>
-              </a:rPr>
-              <a:t>수업에서는 </a:t>
-            </a:r>
-            <a:r>
-              <a:rPr lang="en-US" altLang="ko-KR" sz="1400" dirty="0" err="1" smtClean="0">
-                <a:ln>
-                  <a:solidFill>
-                    <a:schemeClr val="tx1">
-                      <a:alpha val="29000"/>
-                    </a:schemeClr>
-                  </a:solidFill>
-                </a:ln>
-                <a:latin typeface="맑은 고딕 Semilight" panose="020B0502040204020203" pitchFamily="50" charset="-127"/>
-                <a:ea typeface="맑은 고딕 Semilight" panose="020B0502040204020203" pitchFamily="50" charset="-127"/>
-                <a:cs typeface="맑은 고딕 Semilight" panose="020B0502040204020203" pitchFamily="50" charset="-127"/>
-                <a:sym typeface="Wingdings" panose="05000000000000000000" pitchFamily="2" charset="2"/>
-              </a:rPr>
-              <a:t>sourcetree</a:t>
-            </a:r>
-            <a:r>
-              <a:rPr lang="ko-KR" altLang="en-US" sz="1400" dirty="0" smtClean="0">
-                <a:ln>
-                  <a:solidFill>
-                    <a:schemeClr val="tx1">
-                      <a:alpha val="29000"/>
-                    </a:schemeClr>
-                  </a:solidFill>
-                </a:ln>
-                <a:latin typeface="맑은 고딕 Semilight" panose="020B0502040204020203" pitchFamily="50" charset="-127"/>
-                <a:ea typeface="맑은 고딕 Semilight" panose="020B0502040204020203" pitchFamily="50" charset="-127"/>
-                <a:cs typeface="맑은 고딕 Semilight" panose="020B0502040204020203" pitchFamily="50" charset="-127"/>
-                <a:sym typeface="Wingdings" panose="05000000000000000000" pitchFamily="2" charset="2"/>
-              </a:rPr>
-              <a:t>를 사용할 것임 </a:t>
-            </a:r>
-            <a:endParaRPr lang="en-US" altLang="ko-KR" sz="1400" dirty="0" smtClean="0">
-              <a:ln>
-                <a:solidFill>
-                  <a:schemeClr val="tx1">
-                    <a:alpha val="29000"/>
-                  </a:schemeClr>
-                </a:solidFill>
-              </a:ln>
-              <a:latin typeface="맑은 고딕 Semilight" panose="020B0502040204020203" pitchFamily="50" charset="-127"/>
-              <a:ea typeface="맑은 고딕 Semilight" panose="020B0502040204020203" pitchFamily="50" charset="-127"/>
-              <a:cs typeface="맑은 고딕 Semilight" panose="020B0502040204020203" pitchFamily="50" charset="-127"/>
-              <a:sym typeface="Wingdings" panose="05000000000000000000" pitchFamily="2" charset="2"/>
-            </a:endParaRPr>
-          </a:p>
-        </p:txBody>
-      </p:sp>
-      <p:grpSp>
-        <p:nvGrpSpPr>
-          <p:cNvPr id="2" name="그룹 1"/>
-          <p:cNvGrpSpPr/>
-          <p:nvPr/>
-        </p:nvGrpSpPr>
-        <p:grpSpPr>
-          <a:xfrm>
-            <a:off x="2802643" y="2673546"/>
-            <a:ext cx="4599305" cy="2481445"/>
-            <a:chOff x="267599" y="3112160"/>
-            <a:chExt cx="4599305" cy="2481445"/>
-          </a:xfrm>
-        </p:grpSpPr>
-        <p:pic>
-          <p:nvPicPr>
-            <p:cNvPr id="9218" name="Picture 2" descr="https://t1.daumcdn.net/cfile/tistory/99777D335C80FFEE2C"/>
-            <p:cNvPicPr>
-              <a:picLocks noChangeAspect="1" noChangeArrowheads="1"/>
-            </p:cNvPicPr>
-            <p:nvPr/>
-          </p:nvPicPr>
-          <p:blipFill>
-            <a:blip r:embed="rId3">
-              <a:extLst>
-                <a:ext uri="{28A0092B-C50C-407E-A947-70E740481C1C}">
-                  <a14:useLocalDpi xmlns:a14="http://schemas.microsoft.com/office/drawing/2010/main" val="0"/>
-                </a:ext>
-              </a:extLst>
-            </a:blip>
-            <a:srcRect/>
-            <a:stretch>
-              <a:fillRect/>
-            </a:stretch>
-          </p:blipFill>
-          <p:spPr bwMode="auto">
-            <a:xfrm>
-              <a:off x="267599" y="3497883"/>
-              <a:ext cx="4599305" cy="470384"/>
-            </a:xfrm>
-            <a:prstGeom prst="rect">
-              <a:avLst/>
-            </a:prstGeom>
-            <a:noFill/>
-            <a:extLst>
-              <a:ext uri="{909E8E84-426E-40DD-AFC4-6F175D3DCCD1}">
-                <a14:hiddenFill xmlns:a14="http://schemas.microsoft.com/office/drawing/2010/main">
-                  <a:solidFill>
-                    <a:srgbClr val="FFFFFF"/>
-                  </a:solidFill>
-                </a14:hiddenFill>
-              </a:ext>
-            </a:extLst>
-          </p:spPr>
-        </p:pic>
-        <p:sp>
-          <p:nvSpPr>
-            <p:cNvPr id="19" name="직사각형 18"/>
-            <p:cNvSpPr/>
-            <p:nvPr/>
-          </p:nvSpPr>
-          <p:spPr>
-            <a:xfrm>
-              <a:off x="281014" y="3112160"/>
-              <a:ext cx="1768434" cy="292388"/>
-            </a:xfrm>
-            <a:prstGeom prst="rect">
-              <a:avLst/>
-            </a:prstGeom>
-          </p:spPr>
-          <p:txBody>
-            <a:bodyPr wrap="none">
-              <a:spAutoFit/>
-            </a:bodyPr>
-            <a:lstStyle/>
-            <a:p>
-              <a:pPr algn="ctr"/>
-              <a:r>
-                <a:rPr lang="en-US" altLang="ko-KR" sz="1300" err="1" smtClean="0">
-                  <a:ln>
-                    <a:solidFill>
-                      <a:schemeClr val="tx1">
-                        <a:alpha val="29000"/>
-                      </a:schemeClr>
-                    </a:solidFill>
-                  </a:ln>
-                  <a:latin typeface="맑은 고딕 Semilight" panose="020B0502040204020203" pitchFamily="50" charset="-127"/>
-                  <a:ea typeface="맑은 고딕 Semilight" panose="020B0502040204020203" pitchFamily="50" charset="-127"/>
-                  <a:cs typeface="맑은 고딕 Semilight" panose="020B0502040204020203" pitchFamily="50" charset="-127"/>
-                  <a:sym typeface="Wingdings" panose="05000000000000000000" pitchFamily="2" charset="2"/>
-                </a:rPr>
-                <a:t>Git</a:t>
-              </a:r>
-              <a:r>
-                <a:rPr lang="en-US" altLang="ko-KR" sz="1300" dirty="0" smtClean="0">
-                  <a:ln>
-                    <a:solidFill>
-                      <a:schemeClr val="tx1">
-                        <a:alpha val="29000"/>
-                      </a:schemeClr>
-                    </a:solidFill>
-                  </a:ln>
-                  <a:latin typeface="맑은 고딕 Semilight" panose="020B0502040204020203" pitchFamily="50" charset="-127"/>
-                  <a:ea typeface="맑은 고딕 Semilight" panose="020B0502040204020203" pitchFamily="50" charset="-127"/>
-                  <a:cs typeface="맑은 고딕 Semilight" panose="020B0502040204020203" pitchFamily="50" charset="-127"/>
-                  <a:sym typeface="Wingdings" panose="05000000000000000000" pitchFamily="2" charset="2"/>
-                </a:rPr>
-                <a:t> </a:t>
-              </a:r>
-              <a:r>
-                <a:rPr lang="ko-KR" altLang="en-US" sz="1300" dirty="0" smtClean="0">
-                  <a:ln>
-                    <a:solidFill>
-                      <a:schemeClr val="tx1">
-                        <a:alpha val="29000"/>
-                      </a:schemeClr>
-                    </a:solidFill>
-                  </a:ln>
-                  <a:latin typeface="맑은 고딕 Semilight" panose="020B0502040204020203" pitchFamily="50" charset="-127"/>
-                  <a:ea typeface="맑은 고딕 Semilight" panose="020B0502040204020203" pitchFamily="50" charset="-127"/>
-                  <a:cs typeface="맑은 고딕 Semilight" panose="020B0502040204020203" pitchFamily="50" charset="-127"/>
-                  <a:sym typeface="Wingdings" panose="05000000000000000000" pitchFamily="2" charset="2"/>
-                </a:rPr>
-                <a:t>명령어들의 예시</a:t>
-              </a:r>
-              <a:r>
-                <a:rPr lang="en-US" altLang="ko-KR" sz="1300" dirty="0" smtClean="0">
-                  <a:ln>
-                    <a:solidFill>
-                      <a:schemeClr val="tx1">
-                        <a:alpha val="29000"/>
-                      </a:schemeClr>
-                    </a:solidFill>
-                  </a:ln>
-                  <a:latin typeface="맑은 고딕 Semilight" panose="020B0502040204020203" pitchFamily="50" charset="-127"/>
-                  <a:ea typeface="맑은 고딕 Semilight" panose="020B0502040204020203" pitchFamily="50" charset="-127"/>
-                  <a:cs typeface="맑은 고딕 Semilight" panose="020B0502040204020203" pitchFamily="50" charset="-127"/>
-                  <a:sym typeface="Wingdings" panose="05000000000000000000" pitchFamily="2" charset="2"/>
-                </a:rPr>
-                <a:t>…</a:t>
-              </a:r>
-              <a:endParaRPr lang="ko-KR" altLang="en-US" sz="1300" dirty="0"/>
-            </a:p>
-          </p:txBody>
-        </p:sp>
-        <p:pic>
-          <p:nvPicPr>
-            <p:cNvPr id="9220" name="Picture 4" descr="https://t1.daumcdn.net/cfile/tistory/995F133E5C81003913"/>
-            <p:cNvPicPr>
-              <a:picLocks noChangeAspect="1" noChangeArrowheads="1"/>
-            </p:cNvPicPr>
-            <p:nvPr/>
-          </p:nvPicPr>
-          <p:blipFill>
-            <a:blip r:embed="rId4">
-              <a:extLst>
-                <a:ext uri="{28A0092B-C50C-407E-A947-70E740481C1C}">
-                  <a14:useLocalDpi xmlns:a14="http://schemas.microsoft.com/office/drawing/2010/main" val="0"/>
-                </a:ext>
-              </a:extLst>
-            </a:blip>
-            <a:srcRect/>
-            <a:stretch>
-              <a:fillRect/>
-            </a:stretch>
-          </p:blipFill>
-          <p:spPr bwMode="auto">
-            <a:xfrm>
-              <a:off x="552078" y="4061602"/>
-              <a:ext cx="4030345" cy="1532003"/>
-            </a:xfrm>
-            <a:prstGeom prst="rect">
-              <a:avLst/>
-            </a:prstGeom>
-            <a:noFill/>
-            <a:extLst>
-              <a:ext uri="{909E8E84-426E-40DD-AFC4-6F175D3DCCD1}">
-                <a14:hiddenFill xmlns:a14="http://schemas.microsoft.com/office/drawing/2010/main">
-                  <a:solidFill>
-                    <a:srgbClr val="FFFFFF"/>
-                  </a:solidFill>
-                </a14:hiddenFill>
-              </a:ext>
-            </a:extLst>
-          </p:spPr>
-        </p:pic>
-      </p:grpSp>
-      <p:pic>
-        <p:nvPicPr>
-          <p:cNvPr id="14" name="Picture 10" descr="https://pbs.twimg.com/profile_images/907270522492383232/8wgOvccc_400x400.jpg"/>
-          <p:cNvPicPr>
-            <a:picLocks noChangeAspect="1" noChangeArrowheads="1"/>
-          </p:cNvPicPr>
-          <p:nvPr/>
-        </p:nvPicPr>
-        <p:blipFill>
-          <a:blip r:embed="rId5" cstate="print">
-            <a:extLst>
-              <a:ext uri="{28A0092B-C50C-407E-A947-70E740481C1C}">
-                <a14:useLocalDpi xmlns:a14="http://schemas.microsoft.com/office/drawing/2010/main" val="0"/>
-              </a:ext>
-            </a:extLst>
-          </a:blip>
-          <a:srcRect/>
-          <a:stretch>
-            <a:fillRect/>
-          </a:stretch>
-        </p:blipFill>
-        <p:spPr bwMode="auto">
-          <a:xfrm>
-            <a:off x="7797151" y="763653"/>
-            <a:ext cx="1278286" cy="1278286"/>
-          </a:xfrm>
-          <a:prstGeom prst="rect">
-            <a:avLst/>
-          </a:prstGeom>
-          <a:noFill/>
-          <a:extLst>
-            <a:ext uri="{909E8E84-426E-40DD-AFC4-6F175D3DCCD1}">
-              <a14:hiddenFill xmlns:a14="http://schemas.microsoft.com/office/drawing/2010/main">
-                <a:solidFill>
-                  <a:srgbClr val="FFFFFF"/>
-                </a:solidFill>
-              </a14:hiddenFill>
-            </a:ext>
-          </a:extLst>
-        </p:spPr>
-      </p:pic>
-    </p:spTree>
-    <p:extLst>
-      <p:ext uri="{BB962C8B-B14F-4D97-AF65-F5344CB8AC3E}">
-        <p14:creationId xmlns:p14="http://schemas.microsoft.com/office/powerpoint/2010/main" val="4272172673"/>
-      </p:ext>
-    </p:extLst>
-  </p:cSld>
-  <p:clrMapOvr>
-    <a:masterClrMapping/>
-  </p:clrMapOvr>
-  <p:timing>
-    <p:tnLst>
-      <p:par>
-        <p:cTn id="1" dur="indefinite" restart="never" nodeType="tmRoot"/>
-      </p:par>
-    </p:tnLst>
-  </p:timing>
-</p:sld>
-</file>
-
-<file path=ppt/slides/slide9.xml><?xml version="1.0" encoding="utf-8"?>
-<p:sld xmlns:a="http://schemas.openxmlformats.org/drawingml/2006/main" xmlns:r="http://schemas.openxmlformats.org/officeDocument/2006/relationships" xmlns:p="http://schemas.openxmlformats.org/presentationml/2006/main">
-  <p:cSld>
-    <p:spTree>
-      <p:nvGrpSpPr>
-        <p:cNvPr id="1" name=""/>
-        <p:cNvGrpSpPr/>
-        <p:nvPr/>
-      </p:nvGrpSpPr>
-      <p:grpSpPr>
-        <a:xfrm>
-          <a:off x="0" y="0"/>
-          <a:ext cx="0" cy="0"/>
-          <a:chOff x="0" y="0"/>
-          <a:chExt cx="0" cy="0"/>
-        </a:xfrm>
-      </p:grpSpPr>
-      <p:cxnSp>
-        <p:nvCxnSpPr>
-          <p:cNvPr id="7" name="직선 연결선 6"/>
-          <p:cNvCxnSpPr/>
-          <p:nvPr/>
-        </p:nvCxnSpPr>
-        <p:spPr>
-          <a:xfrm>
-            <a:off x="0" y="683316"/>
-            <a:ext cx="2228295" cy="0"/>
-          </a:xfrm>
-          <a:prstGeom prst="line">
-            <a:avLst/>
-          </a:prstGeom>
-          <a:ln w="28575">
-            <a:solidFill>
-              <a:srgbClr val="ED553B"/>
-            </a:solidFill>
-            <a:tailEnd type="oval" w="lg" len="lg"/>
-          </a:ln>
-        </p:spPr>
-        <p:style>
-          <a:lnRef idx="1">
-            <a:schemeClr val="accent1"/>
-          </a:lnRef>
-          <a:fillRef idx="0">
-            <a:schemeClr val="accent1"/>
-          </a:fillRef>
-          <a:effectRef idx="0">
-            <a:schemeClr val="accent1"/>
-          </a:effectRef>
-          <a:fontRef idx="minor">
-            <a:schemeClr val="tx1"/>
-          </a:fontRef>
-        </p:style>
-      </p:cxnSp>
-      <p:sp>
-        <p:nvSpPr>
-          <p:cNvPr id="9" name="TextBox 8"/>
-          <p:cNvSpPr txBox="1"/>
-          <p:nvPr/>
-        </p:nvSpPr>
-        <p:spPr>
-          <a:xfrm>
-            <a:off x="322413" y="140957"/>
-            <a:ext cx="5552787" cy="400110"/>
-          </a:xfrm>
-          <a:prstGeom prst="rect">
-            <a:avLst/>
-          </a:prstGeom>
-          <a:noFill/>
-        </p:spPr>
-        <p:txBody>
-          <a:bodyPr wrap="square" rtlCol="0">
-            <a:spAutoFit/>
-          </a:bodyPr>
-          <a:lstStyle/>
-          <a:p>
-            <a:r>
-              <a:rPr lang="en-US" altLang="ko-KR" sz="2000" b="1" dirty="0" smtClean="0">
-                <a:ln>
-                  <a:solidFill>
-                    <a:schemeClr val="tx1">
-                      <a:alpha val="29000"/>
-                    </a:schemeClr>
-                  </a:solidFill>
-                </a:ln>
-                <a:latin typeface="맑은 고딕 Semilight" panose="020B0502040204020203" pitchFamily="50" charset="-127"/>
-                <a:ea typeface="맑은 고딕 Semilight" panose="020B0502040204020203" pitchFamily="50" charset="-127"/>
-                <a:cs typeface="맑은 고딕 Semilight" panose="020B0502040204020203" pitchFamily="50" charset="-127"/>
-              </a:rPr>
-              <a:t>Let’s </a:t>
-            </a:r>
-            <a:r>
-              <a:rPr lang="en-US" altLang="ko-KR" sz="2000" b="1" dirty="0" err="1" smtClean="0">
-                <a:ln>
-                  <a:solidFill>
-                    <a:schemeClr val="tx1">
-                      <a:alpha val="29000"/>
-                    </a:schemeClr>
-                  </a:solidFill>
-                </a:ln>
-                <a:latin typeface="맑은 고딕 Semilight" panose="020B0502040204020203" pitchFamily="50" charset="-127"/>
-                <a:ea typeface="맑은 고딕 Semilight" panose="020B0502040204020203" pitchFamily="50" charset="-127"/>
-                <a:cs typeface="맑은 고딕 Semilight" panose="020B0502040204020203" pitchFamily="50" charset="-127"/>
-              </a:rPr>
-              <a:t>Git</a:t>
-            </a:r>
-            <a:r>
-              <a:rPr lang="en-US" altLang="ko-KR" sz="2000" b="1" dirty="0" smtClean="0">
-                <a:ln>
-                  <a:solidFill>
-                    <a:schemeClr val="tx1">
-                      <a:alpha val="29000"/>
-                    </a:schemeClr>
-                  </a:solidFill>
-                </a:ln>
-                <a:latin typeface="맑은 고딕 Semilight" panose="020B0502040204020203" pitchFamily="50" charset="-127"/>
-                <a:ea typeface="맑은 고딕 Semilight" panose="020B0502040204020203" pitchFamily="50" charset="-127"/>
-                <a:cs typeface="맑은 고딕 Semilight" panose="020B0502040204020203" pitchFamily="50" charset="-127"/>
-              </a:rPr>
-              <a:t> it (?)</a:t>
-            </a:r>
-            <a:endParaRPr lang="en-US" altLang="ko-KR" sz="2000" b="1" dirty="0">
-              <a:ln>
-                <a:solidFill>
-                  <a:schemeClr val="tx1">
-                    <a:alpha val="29000"/>
-                  </a:schemeClr>
-                </a:solidFill>
-              </a:ln>
-              <a:latin typeface="맑은 고딕 Semilight" panose="020B0502040204020203" pitchFamily="50" charset="-127"/>
-              <a:ea typeface="맑은 고딕 Semilight" panose="020B0502040204020203" pitchFamily="50" charset="-127"/>
-              <a:cs typeface="맑은 고딕 Semilight" panose="020B0502040204020203" pitchFamily="50" charset="-127"/>
-            </a:endParaRPr>
-          </a:p>
-        </p:txBody>
-      </p:sp>
-      <p:sp>
-        <p:nvSpPr>
-          <p:cNvPr id="74" name="TextBox 73"/>
-          <p:cNvSpPr txBox="1"/>
-          <p:nvPr/>
-        </p:nvSpPr>
-        <p:spPr>
-          <a:xfrm>
-            <a:off x="267599" y="825566"/>
-            <a:ext cx="4438216" cy="830997"/>
-          </a:xfrm>
-          <a:prstGeom prst="rect">
-            <a:avLst/>
-          </a:prstGeom>
-          <a:noFill/>
-        </p:spPr>
-        <p:txBody>
-          <a:bodyPr wrap="square" rtlCol="0">
-            <a:spAutoFit/>
-          </a:bodyPr>
-          <a:lstStyle/>
-          <a:p>
-            <a:pPr marL="285750" indent="-285750">
-              <a:lnSpc>
-                <a:spcPct val="150000"/>
-              </a:lnSpc>
-              <a:buFont typeface="Arial" panose="020B0604020202020204" pitchFamily="34" charset="0"/>
-              <a:buChar char="•"/>
-            </a:pPr>
-            <a:r>
-              <a:rPr lang="en-US" altLang="ko-KR" sz="1800" b="1" dirty="0" err="1" smtClean="0">
-                <a:ln>
-                  <a:solidFill>
-                    <a:schemeClr val="tx1">
-                      <a:alpha val="29000"/>
-                    </a:schemeClr>
-                  </a:solidFill>
-                </a:ln>
-                <a:latin typeface="맑은 고딕 Semilight" panose="020B0502040204020203" pitchFamily="50" charset="-127"/>
-                <a:ea typeface="맑은 고딕 Semilight" panose="020B0502040204020203" pitchFamily="50" charset="-127"/>
-                <a:cs typeface="맑은 고딕 Semilight" panose="020B0502040204020203" pitchFamily="50" charset="-127"/>
-                <a:sym typeface="Wingdings" panose="05000000000000000000" pitchFamily="2" charset="2"/>
-              </a:rPr>
-              <a:t>Git</a:t>
-            </a:r>
-            <a:r>
-              <a:rPr lang="ko-KR" altLang="en-US" sz="1800" b="1" dirty="0" smtClean="0">
-                <a:ln>
-                  <a:solidFill>
-                    <a:schemeClr val="tx1">
-                      <a:alpha val="29000"/>
-                    </a:schemeClr>
-                  </a:solidFill>
-                </a:ln>
-                <a:latin typeface="맑은 고딕 Semilight" panose="020B0502040204020203" pitchFamily="50" charset="-127"/>
-                <a:ea typeface="맑은 고딕 Semilight" panose="020B0502040204020203" pitchFamily="50" charset="-127"/>
-                <a:cs typeface="맑은 고딕 Semilight" panose="020B0502040204020203" pitchFamily="50" charset="-127"/>
-                <a:sym typeface="Wingdings" panose="05000000000000000000" pitchFamily="2" charset="2"/>
-              </a:rPr>
-              <a:t>이란</a:t>
-            </a:r>
-            <a:r>
-              <a:rPr lang="en-US" altLang="ko-KR" sz="1800" b="1" dirty="0" smtClean="0">
-                <a:ln>
-                  <a:solidFill>
-                    <a:schemeClr val="tx1">
-                      <a:alpha val="29000"/>
-                    </a:schemeClr>
-                  </a:solidFill>
-                </a:ln>
-                <a:latin typeface="맑은 고딕 Semilight" panose="020B0502040204020203" pitchFamily="50" charset="-127"/>
-                <a:ea typeface="맑은 고딕 Semilight" panose="020B0502040204020203" pitchFamily="50" charset="-127"/>
-                <a:cs typeface="맑은 고딕 Semilight" panose="020B0502040204020203" pitchFamily="50" charset="-127"/>
-                <a:sym typeface="Wingdings" panose="05000000000000000000" pitchFamily="2" charset="2"/>
-              </a:rPr>
-              <a:t>?</a:t>
-            </a:r>
-            <a:endParaRPr lang="en-US" altLang="ko-KR" sz="1800" b="1" dirty="0">
-              <a:ln>
-                <a:solidFill>
-                  <a:schemeClr val="tx1">
-                    <a:alpha val="29000"/>
-                  </a:schemeClr>
-                </a:solidFill>
-              </a:ln>
-              <a:latin typeface="맑은 고딕 Semilight" panose="020B0502040204020203" pitchFamily="50" charset="-127"/>
-              <a:ea typeface="맑은 고딕 Semilight" panose="020B0502040204020203" pitchFamily="50" charset="-127"/>
-              <a:cs typeface="맑은 고딕 Semilight" panose="020B0502040204020203" pitchFamily="50" charset="-127"/>
-              <a:sym typeface="Wingdings" panose="05000000000000000000" pitchFamily="2" charset="2"/>
-            </a:endParaRPr>
-          </a:p>
-          <a:p>
-            <a:pPr marL="449263" lvl="1" indent="-182563">
-              <a:lnSpc>
-                <a:spcPct val="150000"/>
-              </a:lnSpc>
-              <a:buFontTx/>
-              <a:buChar char="-"/>
-              <a:tabLst>
-                <a:tab pos="182563" algn="l"/>
-                <a:tab pos="449263" algn="l"/>
-              </a:tabLst>
-            </a:pPr>
-            <a:r>
-              <a:rPr lang="en-US" altLang="ko-KR" sz="1400" smtClean="0">
-                <a:ln>
-                  <a:solidFill>
-                    <a:schemeClr val="tx1">
-                      <a:alpha val="29000"/>
-                    </a:schemeClr>
-                  </a:solidFill>
-                </a:ln>
-                <a:latin typeface="맑은 고딕 Semilight" panose="020B0502040204020203" pitchFamily="50" charset="-127"/>
-                <a:ea typeface="맑은 고딕 Semilight" panose="020B0502040204020203" pitchFamily="50" charset="-127"/>
-                <a:cs typeface="맑은 고딕 Semilight" panose="020B0502040204020203" pitchFamily="50" charset="-127"/>
-                <a:sym typeface="Wingdings" panose="05000000000000000000" pitchFamily="2" charset="2"/>
-              </a:rPr>
-              <a:t>GUI</a:t>
-            </a:r>
-            <a:r>
-              <a:rPr lang="ko-KR" altLang="en-US" sz="1400" smtClean="0">
-                <a:ln>
-                  <a:solidFill>
-                    <a:schemeClr val="tx1">
-                      <a:alpha val="29000"/>
-                    </a:schemeClr>
-                  </a:solidFill>
-                </a:ln>
-                <a:latin typeface="맑은 고딕 Semilight" panose="020B0502040204020203" pitchFamily="50" charset="-127"/>
-                <a:ea typeface="맑은 고딕 Semilight" panose="020B0502040204020203" pitchFamily="50" charset="-127"/>
-                <a:cs typeface="맑은 고딕 Semilight" panose="020B0502040204020203" pitchFamily="50" charset="-127"/>
-                <a:sym typeface="Wingdings" panose="05000000000000000000" pitchFamily="2" charset="2"/>
-              </a:rPr>
-              <a:t>를 통한 커밋</a:t>
-            </a:r>
-            <a:endParaRPr lang="en-US" altLang="ko-KR" sz="1400" smtClean="0">
-              <a:ln>
-                <a:solidFill>
-                  <a:schemeClr val="tx1">
-                    <a:alpha val="29000"/>
-                  </a:schemeClr>
-                </a:solidFill>
-              </a:ln>
-              <a:latin typeface="맑은 고딕 Semilight" panose="020B0502040204020203" pitchFamily="50" charset="-127"/>
-              <a:ea typeface="맑은 고딕 Semilight" panose="020B0502040204020203" pitchFamily="50" charset="-127"/>
-              <a:cs typeface="맑은 고딕 Semilight" panose="020B0502040204020203" pitchFamily="50" charset="-127"/>
-              <a:sym typeface="Wingdings" panose="05000000000000000000" pitchFamily="2" charset="2"/>
-            </a:endParaRPr>
-          </a:p>
-        </p:txBody>
-      </p:sp>
-      <p:pic>
-        <p:nvPicPr>
-          <p:cNvPr id="8" name="그림 7"/>
-          <p:cNvPicPr>
-            <a:picLocks noChangeAspect="1"/>
-          </p:cNvPicPr>
-          <p:nvPr/>
-        </p:nvPicPr>
-        <p:blipFill>
-          <a:blip r:embed="rId3"/>
-          <a:stretch>
-            <a:fillRect/>
-          </a:stretch>
-        </p:blipFill>
-        <p:spPr>
-          <a:xfrm>
-            <a:off x="5221797" y="2296694"/>
-            <a:ext cx="4745962" cy="3028993"/>
-          </a:xfrm>
-          <a:prstGeom prst="rect">
-            <a:avLst/>
-          </a:prstGeom>
-        </p:spPr>
-      </p:pic>
-      <p:sp>
-        <p:nvSpPr>
-          <p:cNvPr id="10" name="직사각형 9"/>
-          <p:cNvSpPr/>
-          <p:nvPr/>
-        </p:nvSpPr>
-        <p:spPr>
-          <a:xfrm>
-            <a:off x="5221797" y="3112160"/>
-            <a:ext cx="2965838" cy="214686"/>
-          </a:xfrm>
-          <a:prstGeom prst="rect">
-            <a:avLst/>
-          </a:prstGeom>
-          <a:noFill/>
-          <a:ln w="28575">
-            <a:solidFill>
-              <a:srgbClr val="ED553B"/>
-            </a:solidFill>
-          </a:ln>
-        </p:spPr>
-        <p:style>
-          <a:lnRef idx="2">
-            <a:schemeClr val="accent1">
-              <a:shade val="50000"/>
-            </a:schemeClr>
-          </a:lnRef>
-          <a:fillRef idx="1">
-            <a:schemeClr val="accent1"/>
-          </a:fillRef>
-          <a:effectRef idx="0">
-            <a:schemeClr val="accent1"/>
-          </a:effectRef>
-          <a:fontRef idx="minor">
-            <a:schemeClr val="lt1"/>
-          </a:fontRef>
-        </p:style>
-        <p:txBody>
-          <a:bodyPr rtlCol="0" anchor="ctr"/>
-          <a:lstStyle/>
-          <a:p>
-            <a:pPr algn="ctr"/>
-            <a:endParaRPr lang="ko-KR" altLang="en-US"/>
-          </a:p>
-        </p:txBody>
-      </p:sp>
-      <p:pic>
-        <p:nvPicPr>
-          <p:cNvPr id="11" name="그림 10"/>
-          <p:cNvPicPr>
-            <a:picLocks noChangeAspect="1"/>
-          </p:cNvPicPr>
-          <p:nvPr/>
-        </p:nvPicPr>
-        <p:blipFill>
-          <a:blip r:embed="rId4"/>
-          <a:stretch>
-            <a:fillRect/>
-          </a:stretch>
-        </p:blipFill>
-        <p:spPr>
-          <a:xfrm>
-            <a:off x="1460313" y="3242439"/>
-            <a:ext cx="3076575" cy="1352550"/>
-          </a:xfrm>
-          <a:prstGeom prst="rect">
-            <a:avLst/>
-          </a:prstGeom>
-        </p:spPr>
-      </p:pic>
-      <p:sp>
-        <p:nvSpPr>
-          <p:cNvPr id="12" name="직사각형 11"/>
-          <p:cNvSpPr/>
-          <p:nvPr/>
-        </p:nvSpPr>
-        <p:spPr>
-          <a:xfrm>
-            <a:off x="1492117" y="3914919"/>
-            <a:ext cx="650239" cy="680069"/>
-          </a:xfrm>
-          <a:prstGeom prst="rect">
-            <a:avLst/>
-          </a:prstGeom>
-          <a:noFill/>
-          <a:ln w="28575">
-            <a:solidFill>
-              <a:srgbClr val="ED553B"/>
-            </a:solidFill>
-          </a:ln>
-        </p:spPr>
-        <p:style>
-          <a:lnRef idx="2">
-            <a:schemeClr val="accent1">
-              <a:shade val="50000"/>
-            </a:schemeClr>
-          </a:lnRef>
-          <a:fillRef idx="1">
-            <a:schemeClr val="accent1"/>
-          </a:fillRef>
-          <a:effectRef idx="0">
-            <a:schemeClr val="accent1"/>
-          </a:effectRef>
-          <a:fontRef idx="minor">
-            <a:schemeClr val="lt1"/>
-          </a:fontRef>
-        </p:style>
-        <p:txBody>
-          <a:bodyPr rtlCol="0" anchor="ctr"/>
-          <a:lstStyle/>
-          <a:p>
-            <a:pPr algn="ctr"/>
-            <a:endParaRPr lang="ko-KR" altLang="en-US"/>
-          </a:p>
-        </p:txBody>
-      </p:sp>
-    </p:spTree>
-    <p:extLst>
-      <p:ext uri="{BB962C8B-B14F-4D97-AF65-F5344CB8AC3E}">
-        <p14:creationId xmlns:p14="http://schemas.microsoft.com/office/powerpoint/2010/main" val="3186698288"/>
-      </p:ext>
-    </p:extLst>
-  </p:cSld>
-  <p:clrMapOvr>
-    <a:masterClrMapping/>
-  </p:clrMapOvr>
-  <p:timing>
-    <p:tnLst>
-      <p:par>
-        <p:cTn id="1" dur="indefinite" restart="never" nodeType="tmRoot"/>
-      </p:par>
-    </p:tnLst>
-  </p:timing>
-</p:sld>
-</file>
-
 <file path=ppt/theme/theme1.xml><?xml version="1.0" encoding="utf-8"?>
 <a:theme xmlns:a="http://schemas.openxmlformats.org/drawingml/2006/main" name="Office 테마">
   <a:themeElements>

--- a/30/200727_JavaScript_DevEnv.pptx
+++ b/30/200727_JavaScript_DevEnv.pptx
@@ -5,10 +5,10 @@
     <p:sldMasterId id="2147483672" r:id="rId1"/>
   </p:sldMasterIdLst>
   <p:notesMasterIdLst>
-    <p:notesMasterId r:id="rId23"/>
+    <p:notesMasterId r:id="rId24"/>
   </p:notesMasterIdLst>
   <p:handoutMasterIdLst>
-    <p:handoutMasterId r:id="rId24"/>
+    <p:handoutMasterId r:id="rId25"/>
   </p:handoutMasterIdLst>
   <p:sldIdLst>
     <p:sldId id="357" r:id="rId2"/>
@@ -32,30 +32,31 @@
     <p:sldId id="545" r:id="rId20"/>
     <p:sldId id="546" r:id="rId21"/>
     <p:sldId id="547" r:id="rId22"/>
+    <p:sldId id="548" r:id="rId23"/>
   </p:sldIdLst>
   <p:sldSz cx="10160000" cy="5715000"/>
   <p:notesSz cx="9996488" cy="6865938"/>
   <p:embeddedFontLst>
     <p:embeddedFont>
-      <p:font typeface="Calibri" pitchFamily="34" charset="0"/>
-      <p:regular r:id="rId25"/>
-      <p:bold r:id="rId26"/>
-      <p:italic r:id="rId27"/>
-      <p:boldItalic r:id="rId28"/>
+      <p:font typeface="맑은 고딕 Semilight" panose="020B0502040204020203" pitchFamily="50" charset="-127"/>
+      <p:regular r:id="rId26"/>
     </p:embeddedFont>
     <p:embeddedFont>
-      <p:font typeface="Calibri Light" charset="0"/>
+      <p:font typeface="맑은 고딕" panose="020B0503020000020004" pitchFamily="50" charset="-127"/>
+      <p:regular r:id="rId27"/>
+      <p:bold r:id="rId28"/>
+    </p:embeddedFont>
+    <p:embeddedFont>
+      <p:font typeface="Calibri Light" panose="020F0302020204030204" pitchFamily="34" charset="0"/>
       <p:regular r:id="rId29"/>
       <p:italic r:id="rId30"/>
     </p:embeddedFont>
     <p:embeddedFont>
-      <p:font typeface="맑은 고딕 Semilight" charset="-127"/>
+      <p:font typeface="Calibri" panose="020F0502020204030204" pitchFamily="34" charset="0"/>
       <p:regular r:id="rId31"/>
-    </p:embeddedFont>
-    <p:embeddedFont>
-      <p:font typeface="맑은 고딕" pitchFamily="50" charset="-127"/>
-      <p:regular r:id="rId32"/>
-      <p:bold r:id="rId33"/>
+      <p:bold r:id="rId32"/>
+      <p:italic r:id="rId33"/>
+      <p:boldItalic r:id="rId34"/>
     </p:embeddedFont>
   </p:embeddedFontLst>
   <p:defaultTextStyle>
@@ -155,7 +156,18 @@
   </p:defaultTextStyle>
   <p:extLst>
     <p:ext uri="{EFAFB233-063F-42B5-8137-9DF3F51BA10A}">
-      <p15:sldGuideLst xmlns:p15="http://schemas.microsoft.com/office/powerpoint/2012/main" xmlns=""/>
+      <p15:sldGuideLst xmlns:p15="http://schemas.microsoft.com/office/powerpoint/2012/main">
+        <p15:guide id="1" orient="horz" pos="1800">
+          <p15:clr>
+            <a:srgbClr val="A4A3A4"/>
+          </p15:clr>
+        </p15:guide>
+        <p15:guide id="2" pos="3200">
+          <p15:clr>
+            <a:srgbClr val="A4A3A4"/>
+          </p15:clr>
+        </p15:guide>
+      </p15:sldGuideLst>
     </p:ext>
   </p:extLst>
 </p:presentation>
@@ -243,7 +255,7 @@
           <a:p>
             <a:fld id="{9FE52F76-AF59-42F6-9CE2-B65810388E55}" type="datetimeFigureOut">
               <a:rPr lang="ko-KR" altLang="en-US" smtClean="0"/>
-              <a:t>2020-08-12</a:t>
+              <a:t>2020-08-18</a:t>
             </a:fld>
             <a:endParaRPr lang="ko-KR" altLang="en-US"/>
           </a:p>
@@ -408,7 +420,7 @@
           <a:p>
             <a:fld id="{75C19CB4-4756-4824-8E84-477C40131107}" type="datetimeFigureOut">
               <a:rPr lang="ko-KR" altLang="en-US" smtClean="0"/>
-              <a:t>2020-08-12</a:t>
+              <a:t>2020-08-18</a:t>
             </a:fld>
             <a:endParaRPr lang="ko-KR" altLang="en-US"/>
           </a:p>
@@ -1993,6 +2005,107 @@
 </p:notes>
 </file>
 
+<file path=ppt/notesSlides/notesSlide21.xml><?xml version="1.0" encoding="utf-8"?>
+<p:notes xmlns:a="http://schemas.openxmlformats.org/drawingml/2006/main" xmlns:r="http://schemas.openxmlformats.org/officeDocument/2006/relationships" xmlns:p="http://schemas.openxmlformats.org/presentationml/2006/main">
+  <p:cSld>
+    <p:spTree>
+      <p:nvGrpSpPr>
+        <p:cNvPr id="1" name=""/>
+        <p:cNvGrpSpPr/>
+        <p:nvPr/>
+      </p:nvGrpSpPr>
+      <p:grpSpPr>
+        <a:xfrm>
+          <a:off x="0" y="0"/>
+          <a:ext cx="0" cy="0"/>
+          <a:chOff x="0" y="0"/>
+          <a:chExt cx="0" cy="0"/>
+        </a:xfrm>
+      </p:grpSpPr>
+      <p:sp>
+        <p:nvSpPr>
+          <p:cNvPr id="2" name="슬라이드 이미지 개체 틀 1"/>
+          <p:cNvSpPr>
+            <a:spLocks noGrp="1" noRot="1" noChangeAspect="1"/>
+          </p:cNvSpPr>
+          <p:nvPr>
+            <p:ph type="sldImg"/>
+          </p:nvPr>
+        </p:nvSpPr>
+        <p:spPr/>
+      </p:sp>
+      <p:sp>
+        <p:nvSpPr>
+          <p:cNvPr id="3" name="슬라이드 노트 개체 틀 2"/>
+          <p:cNvSpPr>
+            <a:spLocks noGrp="1"/>
+          </p:cNvSpPr>
+          <p:nvPr>
+            <p:ph type="body" idx="1"/>
+          </p:nvPr>
+        </p:nvSpPr>
+        <p:spPr/>
+        <p:txBody>
+          <a:bodyPr/>
+          <a:lstStyle/>
+          <a:p>
+            <a:pPr marL="0" marR="0" indent="0" algn="l" defTabSz="914400" rtl="0" eaLnBrk="1" fontAlgn="auto" latinLnBrk="1" hangingPunct="1">
+              <a:lnSpc>
+                <a:spcPct val="100000"/>
+              </a:lnSpc>
+              <a:spcBef>
+                <a:spcPts val="0"/>
+              </a:spcBef>
+              <a:spcAft>
+                <a:spcPts val="0"/>
+              </a:spcAft>
+              <a:buClrTx/>
+              <a:buSzTx/>
+              <a:buFontTx/>
+              <a:buNone/>
+              <a:tabLst/>
+              <a:defRPr/>
+            </a:pPr>
+            <a:endParaRPr lang="ko-KR" altLang="en-US" dirty="0"/>
+          </a:p>
+        </p:txBody>
+      </p:sp>
+      <p:sp>
+        <p:nvSpPr>
+          <p:cNvPr id="4" name="슬라이드 번호 개체 틀 3"/>
+          <p:cNvSpPr>
+            <a:spLocks noGrp="1"/>
+          </p:cNvSpPr>
+          <p:nvPr>
+            <p:ph type="sldNum" sz="quarter" idx="10"/>
+          </p:nvPr>
+        </p:nvSpPr>
+        <p:spPr/>
+        <p:txBody>
+          <a:bodyPr/>
+          <a:lstStyle/>
+          <a:p>
+            <a:fld id="{A6D625BF-EF7C-4F5D-B58E-C92BFFBBF146}" type="slidenum">
+              <a:rPr lang="ko-KR" altLang="en-US" smtClean="0"/>
+              <a:t>22</a:t>
+            </a:fld>
+            <a:endParaRPr lang="ko-KR" altLang="en-US"/>
+          </a:p>
+        </p:txBody>
+      </p:sp>
+    </p:spTree>
+    <p:extLst>
+      <p:ext uri="{BB962C8B-B14F-4D97-AF65-F5344CB8AC3E}">
+        <p14:creationId xmlns:p14="http://schemas.microsoft.com/office/powerpoint/2010/main" val="1977016297"/>
+      </p:ext>
+    </p:extLst>
+  </p:cSld>
+  <p:clrMapOvr>
+    <a:masterClrMapping/>
+  </p:clrMapOvr>
+</p:notes>
+</file>
+
 <file path=ppt/notesSlides/notesSlide3.xml><?xml version="1.0" encoding="utf-8"?>
 <p:notes xmlns:a="http://schemas.openxmlformats.org/drawingml/2006/main" xmlns:r="http://schemas.openxmlformats.org/officeDocument/2006/relationships" xmlns:p="http://schemas.openxmlformats.org/presentationml/2006/main">
   <p:cSld>
@@ -2869,7 +2982,7 @@
           <a:p>
             <a:fld id="{D9D21D2B-B161-4A2C-A0F2-324F8DD03E7E}" type="datetimeFigureOut">
               <a:rPr lang="ko-KR" altLang="en-US" smtClean="0"/>
-              <a:t>2020-08-12</a:t>
+              <a:t>2020-08-18</a:t>
             </a:fld>
             <a:endParaRPr lang="ko-KR" altLang="en-US"/>
           </a:p>
@@ -3076,7 +3189,7 @@
           <a:p>
             <a:fld id="{D9D21D2B-B161-4A2C-A0F2-324F8DD03E7E}" type="datetimeFigureOut">
               <a:rPr lang="ko-KR" altLang="en-US" smtClean="0"/>
-              <a:t>2020-08-12</a:t>
+              <a:t>2020-08-18</a:t>
             </a:fld>
             <a:endParaRPr lang="ko-KR" altLang="en-US"/>
           </a:p>
@@ -3256,7 +3369,7 @@
           <a:p>
             <a:fld id="{D9D21D2B-B161-4A2C-A0F2-324F8DD03E7E}" type="datetimeFigureOut">
               <a:rPr lang="ko-KR" altLang="en-US" smtClean="0"/>
-              <a:t>2020-08-12</a:t>
+              <a:t>2020-08-18</a:t>
             </a:fld>
             <a:endParaRPr lang="ko-KR" altLang="en-US"/>
           </a:p>
@@ -3426,7 +3539,7 @@
           <a:p>
             <a:fld id="{D9D21D2B-B161-4A2C-A0F2-324F8DD03E7E}" type="datetimeFigureOut">
               <a:rPr lang="ko-KR" altLang="en-US" smtClean="0"/>
-              <a:t>2020-08-12</a:t>
+              <a:t>2020-08-18</a:t>
             </a:fld>
             <a:endParaRPr lang="ko-KR" altLang="en-US"/>
           </a:p>
@@ -3679,7 +3792,7 @@
           <a:p>
             <a:fld id="{D9D21D2B-B161-4A2C-A0F2-324F8DD03E7E}" type="datetimeFigureOut">
               <a:rPr lang="ko-KR" altLang="en-US" smtClean="0"/>
-              <a:t>2020-08-12</a:t>
+              <a:t>2020-08-18</a:t>
             </a:fld>
             <a:endParaRPr lang="ko-KR" altLang="en-US"/>
           </a:p>
@@ -3918,7 +4031,7 @@
           <a:p>
             <a:fld id="{D9D21D2B-B161-4A2C-A0F2-324F8DD03E7E}" type="datetimeFigureOut">
               <a:rPr lang="ko-KR" altLang="en-US" smtClean="0"/>
-              <a:t>2020-08-12</a:t>
+              <a:t>2020-08-18</a:t>
             </a:fld>
             <a:endParaRPr lang="ko-KR" altLang="en-US"/>
           </a:p>
@@ -4292,7 +4405,7 @@
           <a:p>
             <a:fld id="{D9D21D2B-B161-4A2C-A0F2-324F8DD03E7E}" type="datetimeFigureOut">
               <a:rPr lang="ko-KR" altLang="en-US" smtClean="0"/>
-              <a:t>2020-08-12</a:t>
+              <a:t>2020-08-18</a:t>
             </a:fld>
             <a:endParaRPr lang="ko-KR" altLang="en-US"/>
           </a:p>
@@ -4410,7 +4523,7 @@
           <a:p>
             <a:fld id="{D9D21D2B-B161-4A2C-A0F2-324F8DD03E7E}" type="datetimeFigureOut">
               <a:rPr lang="ko-KR" altLang="en-US" smtClean="0"/>
-              <a:t>2020-08-12</a:t>
+              <a:t>2020-08-18</a:t>
             </a:fld>
             <a:endParaRPr lang="ko-KR" altLang="en-US"/>
           </a:p>
@@ -4505,7 +4618,7 @@
           <a:p>
             <a:fld id="{D9D21D2B-B161-4A2C-A0F2-324F8DD03E7E}" type="datetimeFigureOut">
               <a:rPr lang="ko-KR" altLang="en-US" smtClean="0"/>
-              <a:t>2020-08-12</a:t>
+              <a:t>2020-08-18</a:t>
             </a:fld>
             <a:endParaRPr lang="ko-KR" altLang="en-US"/>
           </a:p>
@@ -4782,7 +4895,7 @@
           <a:p>
             <a:fld id="{D9D21D2B-B161-4A2C-A0F2-324F8DD03E7E}" type="datetimeFigureOut">
               <a:rPr lang="ko-KR" altLang="en-US" smtClean="0"/>
-              <a:t>2020-08-12</a:t>
+              <a:t>2020-08-18</a:t>
             </a:fld>
             <a:endParaRPr lang="ko-KR" altLang="en-US"/>
           </a:p>
@@ -5039,7 +5152,7 @@
           <a:p>
             <a:fld id="{D9D21D2B-B161-4A2C-A0F2-324F8DD03E7E}" type="datetimeFigureOut">
               <a:rPr lang="ko-KR" altLang="en-US" smtClean="0"/>
-              <a:t>2020-08-12</a:t>
+              <a:t>2020-08-18</a:t>
             </a:fld>
             <a:endParaRPr lang="ko-KR" altLang="en-US"/>
           </a:p>
@@ -5255,7 +5368,7 @@
           <a:p>
             <a:fld id="{D9D21D2B-B161-4A2C-A0F2-324F8DD03E7E}" type="datetimeFigureOut">
               <a:rPr lang="ko-KR" altLang="en-US" smtClean="0"/>
-              <a:t>2020-08-12</a:t>
+              <a:t>2020-08-18</a:t>
             </a:fld>
             <a:endParaRPr lang="ko-KR" altLang="en-US"/>
           </a:p>
@@ -6241,37 +6354,7 @@
                 <a:cs typeface="맑은 고딕 Semilight" panose="020B0502040204020203" pitchFamily="50" charset="-127"/>
                 <a:sym typeface="Wingdings" panose="05000000000000000000" pitchFamily="2" charset="2"/>
               </a:rPr>
-              <a:t>.</a:t>
-            </a:r>
-            <a:r>
-              <a:rPr lang="en-US" altLang="ko-KR" sz="1400" dirty="0" smtClean="0">
-                <a:ln>
-                  <a:solidFill>
-                    <a:schemeClr val="tx1">
-                      <a:alpha val="29000"/>
-                    </a:schemeClr>
-                  </a:solidFill>
-                </a:ln>
-                <a:latin typeface="+mn-ea"/>
-                <a:cs typeface="맑은 고딕 Semilight" panose="020B0502040204020203" pitchFamily="50" charset="-127"/>
-                <a:sym typeface="Wingdings" panose="05000000000000000000" pitchFamily="2" charset="2"/>
-              </a:rPr>
-              <a:t>html</a:t>
-            </a:r>
-            <a:r>
-              <a:rPr lang="en-US" altLang="ko-KR" sz="1400" dirty="0" smtClean="0">
-                <a:ln>
-                  <a:solidFill>
-                    <a:schemeClr val="tx1">
-                      <a:alpha val="29000"/>
-                    </a:schemeClr>
-                  </a:solidFill>
-                </a:ln>
-                <a:latin typeface="+mn-ea"/>
-                <a:cs typeface="맑은 고딕 Semilight" panose="020B0502040204020203" pitchFamily="50" charset="-127"/>
-                <a:sym typeface="Wingdings" panose="05000000000000000000" pitchFamily="2" charset="2"/>
-              </a:rPr>
-              <a:t> </a:t>
+              <a:t>.html </a:t>
             </a:r>
             <a:r>
               <a:rPr lang="ko-KR" altLang="en-US" sz="1400" dirty="0" smtClean="0">
@@ -6345,22 +6428,7 @@
                 <a:cs typeface="맑은 고딕 Semilight" panose="020B0502040204020203" pitchFamily="50" charset="-127"/>
                 <a:sym typeface="Wingdings" panose="05000000000000000000" pitchFamily="2" charset="2"/>
               </a:rPr>
-              <a:t>파일을 생성하고 </a:t>
-            </a:r>
-            <a:r>
-              <a:rPr lang="ko-KR" altLang="en-US" sz="1400" dirty="0" smtClean="0">
-                <a:ln>
-                  <a:solidFill>
-                    <a:schemeClr val="tx1">
-                      <a:alpha val="29000"/>
-                    </a:schemeClr>
-                  </a:solidFill>
-                </a:ln>
-                <a:latin typeface="+mn-ea"/>
-                <a:cs typeface="맑은 고딕 Semilight" panose="020B0502040204020203" pitchFamily="50" charset="-127"/>
-                <a:sym typeface="Wingdings" panose="05000000000000000000" pitchFamily="2" charset="2"/>
-              </a:rPr>
-              <a:t>파일에 </a:t>
+              <a:t>파일을 생성하고 파일에 </a:t>
             </a:r>
             <a:r>
               <a:rPr lang="en-US" altLang="ko-KR" sz="1400" dirty="0" smtClean="0">
@@ -6793,37 +6861,7 @@
                 <a:cs typeface="맑은 고딕 Semilight" panose="020B0502040204020203" pitchFamily="50" charset="-127"/>
                 <a:sym typeface="Wingdings" panose="05000000000000000000" pitchFamily="2" charset="2"/>
               </a:rPr>
-              <a:t>.</a:t>
-            </a:r>
-            <a:r>
-              <a:rPr lang="en-US" altLang="ko-KR" sz="1400" dirty="0" smtClean="0">
-                <a:ln>
-                  <a:solidFill>
-                    <a:schemeClr val="tx1">
-                      <a:alpha val="29000"/>
-                    </a:schemeClr>
-                  </a:solidFill>
-                </a:ln>
-                <a:latin typeface="+mn-ea"/>
-                <a:cs typeface="맑은 고딕 Semilight" panose="020B0502040204020203" pitchFamily="50" charset="-127"/>
-                <a:sym typeface="Wingdings" panose="05000000000000000000" pitchFamily="2" charset="2"/>
-              </a:rPr>
-              <a:t>html</a:t>
-            </a:r>
-            <a:r>
-              <a:rPr lang="en-US" altLang="ko-KR" sz="1400" dirty="0" smtClean="0">
-                <a:ln>
-                  <a:solidFill>
-                    <a:schemeClr val="tx1">
-                      <a:alpha val="29000"/>
-                    </a:schemeClr>
-                  </a:solidFill>
-                </a:ln>
-                <a:latin typeface="+mn-ea"/>
-                <a:cs typeface="맑은 고딕 Semilight" panose="020B0502040204020203" pitchFamily="50" charset="-127"/>
-                <a:sym typeface="Wingdings" panose="05000000000000000000" pitchFamily="2" charset="2"/>
-              </a:rPr>
-              <a:t> </a:t>
+              <a:t>.html </a:t>
             </a:r>
             <a:r>
               <a:rPr lang="ko-KR" altLang="en-US" sz="1400" dirty="0" smtClean="0">
@@ -12256,6 +12294,534 @@
 </p:sld>
 </file>
 
+<file path=ppt/slides/slide22.xml><?xml version="1.0" encoding="utf-8"?>
+<p:sld xmlns:a="http://schemas.openxmlformats.org/drawingml/2006/main" xmlns:r="http://schemas.openxmlformats.org/officeDocument/2006/relationships" xmlns:p="http://schemas.openxmlformats.org/presentationml/2006/main">
+  <p:cSld>
+    <p:spTree>
+      <p:nvGrpSpPr>
+        <p:cNvPr id="1" name=""/>
+        <p:cNvGrpSpPr/>
+        <p:nvPr/>
+      </p:nvGrpSpPr>
+      <p:grpSpPr>
+        <a:xfrm>
+          <a:off x="0" y="0"/>
+          <a:ext cx="0" cy="0"/>
+          <a:chOff x="0" y="0"/>
+          <a:chExt cx="0" cy="0"/>
+        </a:xfrm>
+      </p:grpSpPr>
+      <p:cxnSp>
+        <p:nvCxnSpPr>
+          <p:cNvPr id="7" name="직선 연결선 6"/>
+          <p:cNvCxnSpPr/>
+          <p:nvPr/>
+        </p:nvCxnSpPr>
+        <p:spPr>
+          <a:xfrm>
+            <a:off x="0" y="683316"/>
+            <a:ext cx="3018263" cy="0"/>
+          </a:xfrm>
+          <a:prstGeom prst="line">
+            <a:avLst/>
+          </a:prstGeom>
+          <a:ln w="28575">
+            <a:solidFill>
+              <a:srgbClr val="ED553B"/>
+            </a:solidFill>
+            <a:tailEnd type="oval" w="lg" len="lg"/>
+          </a:ln>
+        </p:spPr>
+        <p:style>
+          <a:lnRef idx="1">
+            <a:schemeClr val="accent1"/>
+          </a:lnRef>
+          <a:fillRef idx="0">
+            <a:schemeClr val="accent1"/>
+          </a:fillRef>
+          <a:effectRef idx="0">
+            <a:schemeClr val="accent1"/>
+          </a:effectRef>
+          <a:fontRef idx="minor">
+            <a:schemeClr val="tx1"/>
+          </a:fontRef>
+        </p:style>
+      </p:cxnSp>
+      <p:sp>
+        <p:nvSpPr>
+          <p:cNvPr id="9" name="TextBox 8"/>
+          <p:cNvSpPr txBox="1"/>
+          <p:nvPr/>
+        </p:nvSpPr>
+        <p:spPr>
+          <a:xfrm>
+            <a:off x="322413" y="140957"/>
+            <a:ext cx="5552787" cy="400110"/>
+          </a:xfrm>
+          <a:prstGeom prst="rect">
+            <a:avLst/>
+          </a:prstGeom>
+          <a:noFill/>
+        </p:spPr>
+        <p:txBody>
+          <a:bodyPr wrap="square" rtlCol="0">
+            <a:spAutoFit/>
+          </a:bodyPr>
+          <a:lstStyle/>
+          <a:p>
+            <a:r>
+              <a:rPr lang="en-US" altLang="ko-KR" sz="2000" smtClean="0">
+                <a:ln>
+                  <a:solidFill>
+                    <a:schemeClr val="tx1">
+                      <a:alpha val="29000"/>
+                    </a:schemeClr>
+                  </a:solidFill>
+                </a:ln>
+                <a:latin typeface="+mn-ea"/>
+                <a:cs typeface="맑은 고딕 Semilight" panose="020B0502040204020203" pitchFamily="50" charset="-127"/>
+              </a:rPr>
+              <a:t>JavaScript </a:t>
+            </a:r>
+            <a:r>
+              <a:rPr lang="ko-KR" altLang="en-US" sz="2000" smtClean="0">
+                <a:ln>
+                  <a:solidFill>
+                    <a:schemeClr val="tx1">
+                      <a:alpha val="29000"/>
+                    </a:schemeClr>
+                  </a:solidFill>
+                </a:ln>
+                <a:latin typeface="+mn-ea"/>
+                <a:cs typeface="맑은 고딕 Semilight" panose="020B0502040204020203" pitchFamily="50" charset="-127"/>
+              </a:rPr>
+              <a:t>개발환경</a:t>
+            </a:r>
+            <a:endParaRPr lang="en-US" altLang="ko-KR" sz="2000" dirty="0">
+              <a:ln>
+                <a:solidFill>
+                  <a:schemeClr val="tx1">
+                    <a:alpha val="29000"/>
+                  </a:schemeClr>
+                </a:solidFill>
+              </a:ln>
+              <a:latin typeface="+mn-ea"/>
+              <a:cs typeface="맑은 고딕 Semilight" panose="020B0502040204020203" pitchFamily="50" charset="-127"/>
+            </a:endParaRPr>
+          </a:p>
+        </p:txBody>
+      </p:sp>
+      <p:sp>
+        <p:nvSpPr>
+          <p:cNvPr id="74" name="TextBox 73"/>
+          <p:cNvSpPr txBox="1"/>
+          <p:nvPr/>
+        </p:nvSpPr>
+        <p:spPr>
+          <a:xfrm>
+            <a:off x="267600" y="825566"/>
+            <a:ext cx="9657450" cy="830997"/>
+          </a:xfrm>
+          <a:prstGeom prst="rect">
+            <a:avLst/>
+          </a:prstGeom>
+          <a:noFill/>
+        </p:spPr>
+        <p:txBody>
+          <a:bodyPr wrap="square" rtlCol="0">
+            <a:spAutoFit/>
+          </a:bodyPr>
+          <a:lstStyle/>
+          <a:p>
+            <a:pPr marL="285750" indent="-285750">
+              <a:lnSpc>
+                <a:spcPct val="150000"/>
+              </a:lnSpc>
+              <a:buFont typeface="Arial" panose="020B0604020202020204" pitchFamily="34" charset="0"/>
+              <a:buChar char="•"/>
+            </a:pPr>
+            <a:r>
+              <a:rPr lang="en-US" altLang="ko-KR" sz="1800" dirty="0" smtClean="0">
+                <a:ln>
+                  <a:solidFill>
+                    <a:schemeClr val="tx1">
+                      <a:alpha val="29000"/>
+                    </a:schemeClr>
+                  </a:solidFill>
+                </a:ln>
+                <a:latin typeface="+mn-ea"/>
+                <a:cs typeface="맑은 고딕 Semilight" panose="020B0502040204020203" pitchFamily="50" charset="-127"/>
+                <a:sym typeface="Wingdings" panose="05000000000000000000" pitchFamily="2" charset="2"/>
+              </a:rPr>
+              <a:t>VS code</a:t>
+            </a:r>
+            <a:r>
+              <a:rPr lang="ko-KR" altLang="en-US" sz="1800" dirty="0" smtClean="0">
+                <a:ln>
+                  <a:solidFill>
+                    <a:schemeClr val="tx1">
+                      <a:alpha val="29000"/>
+                    </a:schemeClr>
+                  </a:solidFill>
+                </a:ln>
+                <a:latin typeface="+mn-ea"/>
+                <a:cs typeface="맑은 고딕 Semilight" panose="020B0502040204020203" pitchFamily="50" charset="-127"/>
+                <a:sym typeface="Wingdings" panose="05000000000000000000" pitchFamily="2" charset="2"/>
+              </a:rPr>
+              <a:t>와 </a:t>
+            </a:r>
+            <a:r>
+              <a:rPr lang="en-US" altLang="ko-KR" sz="1800" dirty="0" smtClean="0">
+                <a:ln>
+                  <a:solidFill>
+                    <a:schemeClr val="tx1">
+                      <a:alpha val="29000"/>
+                    </a:schemeClr>
+                  </a:solidFill>
+                </a:ln>
+                <a:latin typeface="+mn-ea"/>
+                <a:cs typeface="맑은 고딕 Semilight" panose="020B0502040204020203" pitchFamily="50" charset="-127"/>
+                <a:sym typeface="Wingdings" panose="05000000000000000000" pitchFamily="2" charset="2"/>
+              </a:rPr>
+              <a:t>local web</a:t>
+            </a:r>
+            <a:r>
+              <a:rPr lang="ko-KR" altLang="en-US" sz="1800" dirty="0" smtClean="0">
+                <a:ln>
+                  <a:solidFill>
+                    <a:schemeClr val="tx1">
+                      <a:alpha val="29000"/>
+                    </a:schemeClr>
+                  </a:solidFill>
+                </a:ln>
+                <a:latin typeface="+mn-ea"/>
+                <a:cs typeface="맑은 고딕 Semilight" panose="020B0502040204020203" pitchFamily="50" charset="-127"/>
+                <a:sym typeface="Wingdings" panose="05000000000000000000" pitchFamily="2" charset="2"/>
+              </a:rPr>
+              <a:t> </a:t>
+            </a:r>
+            <a:r>
+              <a:rPr lang="en-US" altLang="ko-KR" sz="1800" dirty="0" smtClean="0">
+                <a:ln>
+                  <a:solidFill>
+                    <a:schemeClr val="tx1">
+                      <a:alpha val="29000"/>
+                    </a:schemeClr>
+                  </a:solidFill>
+                </a:ln>
+                <a:latin typeface="+mn-ea"/>
+                <a:cs typeface="맑은 고딕 Semilight" panose="020B0502040204020203" pitchFamily="50" charset="-127"/>
+                <a:sym typeface="Wingdings" panose="05000000000000000000" pitchFamily="2" charset="2"/>
+              </a:rPr>
+              <a:t>server</a:t>
+            </a:r>
+            <a:r>
+              <a:rPr lang="ko-KR" altLang="en-US" sz="1800" dirty="0" smtClean="0">
+                <a:ln>
+                  <a:solidFill>
+                    <a:schemeClr val="tx1">
+                      <a:alpha val="29000"/>
+                    </a:schemeClr>
+                  </a:solidFill>
+                </a:ln>
+                <a:latin typeface="+mn-ea"/>
+                <a:cs typeface="맑은 고딕 Semilight" panose="020B0502040204020203" pitchFamily="50" charset="-127"/>
+                <a:sym typeface="Wingdings" panose="05000000000000000000" pitchFamily="2" charset="2"/>
+              </a:rPr>
+              <a:t>를 사용한 개발 환경</a:t>
+            </a:r>
+            <a:endParaRPr lang="en-US" altLang="ko-KR" sz="1800" dirty="0">
+              <a:ln>
+                <a:solidFill>
+                  <a:schemeClr val="tx1">
+                    <a:alpha val="29000"/>
+                  </a:schemeClr>
+                </a:solidFill>
+              </a:ln>
+              <a:latin typeface="+mn-ea"/>
+              <a:cs typeface="맑은 고딕 Semilight" panose="020B0502040204020203" pitchFamily="50" charset="-127"/>
+              <a:sym typeface="Wingdings" panose="05000000000000000000" pitchFamily="2" charset="2"/>
+            </a:endParaRPr>
+          </a:p>
+          <a:p>
+            <a:pPr marL="449263" lvl="1" indent="-182563">
+              <a:lnSpc>
+                <a:spcPct val="150000"/>
+              </a:lnSpc>
+              <a:buFontTx/>
+              <a:buChar char="-"/>
+              <a:tabLst>
+                <a:tab pos="182563" algn="l"/>
+                <a:tab pos="449263" algn="l"/>
+              </a:tabLst>
+            </a:pPr>
+            <a:r>
+              <a:rPr lang="en-US" altLang="ko-KR" sz="1400" dirty="0" smtClean="0">
+                <a:ln>
+                  <a:solidFill>
+                    <a:schemeClr val="tx1">
+                      <a:alpha val="29000"/>
+                    </a:schemeClr>
+                  </a:solidFill>
+                </a:ln>
+                <a:latin typeface="+mn-ea"/>
+                <a:cs typeface="맑은 고딕 Semilight" panose="020B0502040204020203" pitchFamily="50" charset="-127"/>
+                <a:sym typeface="Wingdings" panose="05000000000000000000" pitchFamily="2" charset="2"/>
+              </a:rPr>
+              <a:t>Windows</a:t>
+            </a:r>
+            <a:r>
+              <a:rPr lang="ko-KR" altLang="en-US" sz="1400" dirty="0" smtClean="0">
+                <a:ln>
+                  <a:solidFill>
+                    <a:schemeClr val="tx1">
+                      <a:alpha val="29000"/>
+                    </a:schemeClr>
+                  </a:solidFill>
+                </a:ln>
+                <a:latin typeface="+mn-ea"/>
+                <a:cs typeface="맑은 고딕 Semilight" panose="020B0502040204020203" pitchFamily="50" charset="-127"/>
+                <a:sym typeface="Wingdings" panose="05000000000000000000" pitchFamily="2" charset="2"/>
+              </a:rPr>
+              <a:t> </a:t>
+            </a:r>
+            <a:r>
+              <a:rPr lang="en-US" altLang="ko-KR" sz="1400" dirty="0" smtClean="0">
+                <a:ln>
+                  <a:solidFill>
+                    <a:schemeClr val="tx1">
+                      <a:alpha val="29000"/>
+                    </a:schemeClr>
+                  </a:solidFill>
+                </a:ln>
+                <a:latin typeface="+mn-ea"/>
+                <a:cs typeface="맑은 고딕 Semilight" panose="020B0502040204020203" pitchFamily="50" charset="-127"/>
+                <a:sym typeface="Wingdings" panose="05000000000000000000" pitchFamily="2" charset="2"/>
+              </a:rPr>
+              <a:t>10 MAMP preference setup</a:t>
+            </a:r>
+            <a:endParaRPr lang="en-US" altLang="ko-KR" sz="1400" dirty="0" smtClean="0">
+              <a:ln>
+                <a:solidFill>
+                  <a:schemeClr val="tx1">
+                    <a:alpha val="29000"/>
+                  </a:schemeClr>
+                </a:solidFill>
+              </a:ln>
+              <a:latin typeface="+mn-ea"/>
+              <a:cs typeface="맑은 고딕 Semilight" panose="020B0502040204020203" pitchFamily="50" charset="-127"/>
+              <a:sym typeface="Wingdings" panose="05000000000000000000" pitchFamily="2" charset="2"/>
+            </a:endParaRPr>
+          </a:p>
+        </p:txBody>
+      </p:sp>
+      <p:pic>
+        <p:nvPicPr>
+          <p:cNvPr id="2" name="그림 1"/>
+          <p:cNvPicPr>
+            <a:picLocks noChangeAspect="1"/>
+          </p:cNvPicPr>
+          <p:nvPr/>
+        </p:nvPicPr>
+        <p:blipFill>
+          <a:blip r:embed="rId3"/>
+          <a:stretch>
+            <a:fillRect/>
+          </a:stretch>
+        </p:blipFill>
+        <p:spPr>
+          <a:xfrm>
+            <a:off x="411363" y="2077876"/>
+            <a:ext cx="2749088" cy="2245734"/>
+          </a:xfrm>
+          <a:prstGeom prst="rect">
+            <a:avLst/>
+          </a:prstGeom>
+        </p:spPr>
+      </p:pic>
+      <p:pic>
+        <p:nvPicPr>
+          <p:cNvPr id="3" name="그림 2"/>
+          <p:cNvPicPr>
+            <a:picLocks noChangeAspect="1"/>
+          </p:cNvPicPr>
+          <p:nvPr/>
+        </p:nvPicPr>
+        <p:blipFill>
+          <a:blip r:embed="rId4"/>
+          <a:stretch>
+            <a:fillRect/>
+          </a:stretch>
+        </p:blipFill>
+        <p:spPr>
+          <a:xfrm>
+            <a:off x="3457052" y="2077876"/>
+            <a:ext cx="2750830" cy="2245734"/>
+          </a:xfrm>
+          <a:prstGeom prst="rect">
+            <a:avLst/>
+          </a:prstGeom>
+        </p:spPr>
+      </p:pic>
+      <p:pic>
+        <p:nvPicPr>
+          <p:cNvPr id="4" name="그림 3"/>
+          <p:cNvPicPr>
+            <a:picLocks noChangeAspect="1"/>
+          </p:cNvPicPr>
+          <p:nvPr/>
+        </p:nvPicPr>
+        <p:blipFill>
+          <a:blip r:embed="rId5"/>
+          <a:stretch>
+            <a:fillRect/>
+          </a:stretch>
+        </p:blipFill>
+        <p:spPr>
+          <a:xfrm>
+            <a:off x="6504483" y="2077876"/>
+            <a:ext cx="2746945" cy="2245734"/>
+          </a:xfrm>
+          <a:prstGeom prst="rect">
+            <a:avLst/>
+          </a:prstGeom>
+        </p:spPr>
+      </p:pic>
+      <p:sp>
+        <p:nvSpPr>
+          <p:cNvPr id="5" name="직사각형 4"/>
+          <p:cNvSpPr/>
+          <p:nvPr/>
+        </p:nvSpPr>
+        <p:spPr>
+          <a:xfrm>
+            <a:off x="5167155" y="4845498"/>
+            <a:ext cx="3142783" cy="292388"/>
+          </a:xfrm>
+          <a:prstGeom prst="rect">
+            <a:avLst/>
+          </a:prstGeom>
+        </p:spPr>
+        <p:txBody>
+          <a:bodyPr wrap="none">
+            <a:spAutoFit/>
+          </a:bodyPr>
+          <a:lstStyle/>
+          <a:p>
+            <a:r>
+              <a:rPr lang="ko-KR" altLang="en-US" sz="1300" dirty="0">
+                <a:ln>
+                  <a:solidFill>
+                    <a:schemeClr val="tx1">
+                      <a:alpha val="29000"/>
+                    </a:schemeClr>
+                  </a:solidFill>
+                </a:ln>
+                <a:latin typeface="+mn-ea"/>
+                <a:cs typeface="맑은 고딕 Semilight" panose="020B0502040204020203" pitchFamily="50" charset="-127"/>
+                <a:sym typeface="Wingdings" panose="05000000000000000000" pitchFamily="2" charset="2"/>
+              </a:rPr>
+              <a:t> </a:t>
+            </a:r>
+            <a:r>
+              <a:rPr lang="en-US" altLang="ko-KR" sz="1300" dirty="0" smtClean="0">
+                <a:ln>
+                  <a:solidFill>
+                    <a:schemeClr val="tx1">
+                      <a:alpha val="29000"/>
+                    </a:schemeClr>
+                  </a:solidFill>
+                </a:ln>
+                <a:latin typeface="+mn-ea"/>
+                <a:cs typeface="맑은 고딕 Semilight" panose="020B0502040204020203" pitchFamily="50" charset="-127"/>
+                <a:sym typeface="Wingdings" panose="05000000000000000000" pitchFamily="2" charset="2"/>
+              </a:rPr>
+              <a:t>apache + </a:t>
+            </a:r>
+            <a:r>
+              <a:rPr lang="en-US" altLang="ko-KR" sz="1300" dirty="0" err="1" smtClean="0">
+                <a:ln>
+                  <a:solidFill>
+                    <a:schemeClr val="tx1">
+                      <a:alpha val="29000"/>
+                    </a:schemeClr>
+                  </a:solidFill>
+                </a:ln>
+                <a:latin typeface="+mn-ea"/>
+                <a:cs typeface="맑은 고딕 Semilight" panose="020B0502040204020203" pitchFamily="50" charset="-127"/>
+                <a:sym typeface="Wingdings" panose="05000000000000000000" pitchFamily="2" charset="2"/>
+              </a:rPr>
+              <a:t>mysql</a:t>
+            </a:r>
+            <a:r>
+              <a:rPr lang="en-US" altLang="ko-KR" sz="1300" dirty="0" smtClean="0">
+                <a:ln>
+                  <a:solidFill>
+                    <a:schemeClr val="tx1">
+                      <a:alpha val="29000"/>
+                    </a:schemeClr>
+                  </a:solidFill>
+                </a:ln>
+                <a:latin typeface="+mn-ea"/>
+                <a:cs typeface="맑은 고딕 Semilight" panose="020B0502040204020203" pitchFamily="50" charset="-127"/>
+                <a:sym typeface="Wingdings" panose="05000000000000000000" pitchFamily="2" charset="2"/>
+              </a:rPr>
+              <a:t> server </a:t>
+            </a:r>
+            <a:r>
+              <a:rPr lang="ko-KR" altLang="en-US" sz="1300" dirty="0" smtClean="0">
+                <a:ln>
+                  <a:solidFill>
+                    <a:schemeClr val="tx1">
+                      <a:alpha val="29000"/>
+                    </a:schemeClr>
+                  </a:solidFill>
+                </a:ln>
+                <a:latin typeface="+mn-ea"/>
+                <a:cs typeface="맑은 고딕 Semilight" panose="020B0502040204020203" pitchFamily="50" charset="-127"/>
+                <a:sym typeface="Wingdings" panose="05000000000000000000" pitchFamily="2" charset="2"/>
+              </a:rPr>
+              <a:t>방화벽을 허용</a:t>
+            </a:r>
+            <a:r>
+              <a:rPr lang="en-US" altLang="ko-KR" sz="1300" dirty="0" smtClean="0">
+                <a:ln>
+                  <a:solidFill>
+                    <a:schemeClr val="tx1">
+                      <a:alpha val="29000"/>
+                    </a:schemeClr>
+                  </a:solidFill>
+                </a:ln>
+                <a:latin typeface="+mn-ea"/>
+                <a:cs typeface="맑은 고딕 Semilight" panose="020B0502040204020203" pitchFamily="50" charset="-127"/>
+                <a:sym typeface="Wingdings" panose="05000000000000000000" pitchFamily="2" charset="2"/>
+              </a:rPr>
+              <a:t>!</a:t>
+            </a:r>
+            <a:endParaRPr lang="ko-KR" altLang="en-US" sz="1300" dirty="0"/>
+          </a:p>
+        </p:txBody>
+      </p:sp>
+    </p:spTree>
+    <p:extLst>
+      <p:ext uri="{BB962C8B-B14F-4D97-AF65-F5344CB8AC3E}">
+        <p14:creationId xmlns:p14="http://schemas.microsoft.com/office/powerpoint/2010/main" val="1908372754"/>
+      </p:ext>
+    </p:extLst>
+  </p:cSld>
+  <p:clrMapOvr>
+    <a:masterClrMapping/>
+  </p:clrMapOvr>
+  <p:timing>
+    <p:tnLst>
+      <p:par>
+        <p:cTn id="1" dur="indefinite" restart="never" nodeType="tmRoot"/>
+      </p:par>
+    </p:tnLst>
+  </p:timing>
+</p:sld>
+</file>
+
 <file path=ppt/slides/slide3.xml><?xml version="1.0" encoding="utf-8"?>
 <p:sld xmlns:a="http://schemas.openxmlformats.org/drawingml/2006/main" xmlns:r="http://schemas.openxmlformats.org/officeDocument/2006/relationships" xmlns:p="http://schemas.openxmlformats.org/presentationml/2006/main">
   <p:cSld>
@@ -12570,14 +13136,14 @@
                 <a:gridCol w="1362454">
                   <a:extLst>
                     <a:ext uri="{9D8B030D-6E8A-4147-A177-3AD203B41FA5}">
-                      <a16:colId xmlns:a16="http://schemas.microsoft.com/office/drawing/2014/main" xmlns="" val="2709668098"/>
+                      <a16:colId xmlns:a16="http://schemas.microsoft.com/office/drawing/2014/main" val="2709668098"/>
                     </a:ext>
                   </a:extLst>
                 </a:gridCol>
                 <a:gridCol w="4300053">
                   <a:extLst>
                     <a:ext uri="{9D8B030D-6E8A-4147-A177-3AD203B41FA5}">
-                      <a16:colId xmlns:a16="http://schemas.microsoft.com/office/drawing/2014/main" xmlns="" val="2216287910"/>
+                      <a16:colId xmlns:a16="http://schemas.microsoft.com/office/drawing/2014/main" val="2216287910"/>
                     </a:ext>
                   </a:extLst>
                 </a:gridCol>
@@ -12747,7 +13313,7 @@
                 </a:tc>
                 <a:extLst>
                   <a:ext uri="{0D108BD9-81ED-4DB2-BD59-A6C34878D82A}">
-                    <a16:rowId xmlns:a16="http://schemas.microsoft.com/office/drawing/2014/main" xmlns="" val="446565953"/>
+                    <a16:rowId xmlns:a16="http://schemas.microsoft.com/office/drawing/2014/main" val="446565953"/>
                   </a:ext>
                 </a:extLst>
               </a:tr>
@@ -12952,7 +13518,7 @@
                 </a:tc>
                 <a:extLst>
                   <a:ext uri="{0D108BD9-81ED-4DB2-BD59-A6C34878D82A}">
-                    <a16:rowId xmlns:a16="http://schemas.microsoft.com/office/drawing/2014/main" xmlns="" val="2931184708"/>
+                    <a16:rowId xmlns:a16="http://schemas.microsoft.com/office/drawing/2014/main" val="2931184708"/>
                   </a:ext>
                 </a:extLst>
               </a:tr>
@@ -13121,7 +13687,7 @@
                 </a:tc>
                 <a:extLst>
                   <a:ext uri="{0D108BD9-81ED-4DB2-BD59-A6C34878D82A}">
-                    <a16:rowId xmlns:a16="http://schemas.microsoft.com/office/drawing/2014/main" xmlns="" val="1531042668"/>
+                    <a16:rowId xmlns:a16="http://schemas.microsoft.com/office/drawing/2014/main" val="1531042668"/>
                   </a:ext>
                 </a:extLst>
               </a:tr>
@@ -13432,14 +13998,14 @@
                 <a:gridCol w="2018713">
                   <a:extLst>
                     <a:ext uri="{9D8B030D-6E8A-4147-A177-3AD203B41FA5}">
-                      <a16:colId xmlns:a16="http://schemas.microsoft.com/office/drawing/2014/main" xmlns="" val="2709668098"/>
+                      <a16:colId xmlns:a16="http://schemas.microsoft.com/office/drawing/2014/main" val="2709668098"/>
                     </a:ext>
                   </a:extLst>
                 </a:gridCol>
                 <a:gridCol w="6371277">
                   <a:extLst>
                     <a:ext uri="{9D8B030D-6E8A-4147-A177-3AD203B41FA5}">
-                      <a16:colId xmlns:a16="http://schemas.microsoft.com/office/drawing/2014/main" xmlns="" val="2216287910"/>
+                      <a16:colId xmlns:a16="http://schemas.microsoft.com/office/drawing/2014/main" val="2216287910"/>
                     </a:ext>
                   </a:extLst>
                 </a:gridCol>
@@ -13579,7 +14145,7 @@
                 </a:tc>
                 <a:extLst>
                   <a:ext uri="{0D108BD9-81ED-4DB2-BD59-A6C34878D82A}">
-                    <a16:rowId xmlns:a16="http://schemas.microsoft.com/office/drawing/2014/main" xmlns="" val="446565953"/>
+                    <a16:rowId xmlns:a16="http://schemas.microsoft.com/office/drawing/2014/main" val="446565953"/>
                   </a:ext>
                 </a:extLst>
               </a:tr>
@@ -13916,7 +14482,7 @@
                 </a:tc>
                 <a:extLst>
                   <a:ext uri="{0D108BD9-81ED-4DB2-BD59-A6C34878D82A}">
-                    <a16:rowId xmlns:a16="http://schemas.microsoft.com/office/drawing/2014/main" xmlns="" val="2931184708"/>
+                    <a16:rowId xmlns:a16="http://schemas.microsoft.com/office/drawing/2014/main" val="2931184708"/>
                   </a:ext>
                 </a:extLst>
               </a:tr>
@@ -14109,7 +14675,7 @@
                 </a:tc>
                 <a:extLst>
                   <a:ext uri="{0D108BD9-81ED-4DB2-BD59-A6C34878D82A}">
-                    <a16:rowId xmlns:a16="http://schemas.microsoft.com/office/drawing/2014/main" xmlns="" val="1531042668"/>
+                    <a16:rowId xmlns:a16="http://schemas.microsoft.com/office/drawing/2014/main" val="1531042668"/>
                   </a:ext>
                 </a:extLst>
               </a:tr>
@@ -14266,7 +14832,7 @@
                 </a:tc>
                 <a:extLst>
                   <a:ext uri="{0D108BD9-81ED-4DB2-BD59-A6C34878D82A}">
-                    <a16:rowId xmlns:a16="http://schemas.microsoft.com/office/drawing/2014/main" xmlns="" val="3139032540"/>
+                    <a16:rowId xmlns:a16="http://schemas.microsoft.com/office/drawing/2014/main" val="3139032540"/>
                   </a:ext>
                 </a:extLst>
               </a:tr>
@@ -14459,7 +15025,7 @@
                 </a:tc>
                 <a:extLst>
                   <a:ext uri="{0D108BD9-81ED-4DB2-BD59-A6C34878D82A}">
-                    <a16:rowId xmlns:a16="http://schemas.microsoft.com/office/drawing/2014/main" xmlns="" val="2869080738"/>
+                    <a16:rowId xmlns:a16="http://schemas.microsoft.com/office/drawing/2014/main" val="2869080738"/>
                   </a:ext>
                 </a:extLst>
               </a:tr>
@@ -14688,7 +15254,7 @@
                 </a:tc>
                 <a:extLst>
                   <a:ext uri="{0D108BD9-81ED-4DB2-BD59-A6C34878D82A}">
-                    <a16:rowId xmlns:a16="http://schemas.microsoft.com/office/drawing/2014/main" xmlns="" val="1974004716"/>
+                    <a16:rowId xmlns:a16="http://schemas.microsoft.com/office/drawing/2014/main" val="1974004716"/>
                   </a:ext>
                 </a:extLst>
               </a:tr>
@@ -16232,7 +16798,7 @@
         </p:blipFill>
         <p:spPr bwMode="auto">
           <a:xfrm>
-            <a:off x="1003300" y="2581275"/>
+            <a:off x="1003300" y="2264227"/>
             <a:ext cx="8153400" cy="1047750"/>
           </a:xfrm>
           <a:prstGeom prst="rect">
@@ -16271,6 +16837,30 @@
               </a14:hiddenEffects>
             </a:ext>
           </a:extLst>
+        </p:spPr>
+      </p:pic>
+      <p:pic>
+        <p:nvPicPr>
+          <p:cNvPr id="2" name="그림 1"/>
+          <p:cNvPicPr>
+            <a:picLocks noChangeAspect="1"/>
+          </p:cNvPicPr>
+          <p:nvPr/>
+        </p:nvPicPr>
+        <p:blipFill>
+          <a:blip r:embed="rId4"/>
+          <a:stretch>
+            <a:fillRect/>
+          </a:stretch>
+        </p:blipFill>
+        <p:spPr>
+          <a:xfrm>
+            <a:off x="2312987" y="3397281"/>
+            <a:ext cx="5534025" cy="1619250"/>
+          </a:xfrm>
+          <a:prstGeom prst="rect">
+            <a:avLst/>
+          </a:prstGeom>
         </p:spPr>
       </p:pic>
     </p:spTree>
@@ -17047,37 +17637,7 @@
                 <a:cs typeface="맑은 고딕 Semilight" panose="020B0502040204020203" pitchFamily="50" charset="-127"/>
                 <a:sym typeface="Wingdings" panose="05000000000000000000" pitchFamily="2" charset="2"/>
               </a:rPr>
-              <a:t>.</a:t>
-            </a:r>
-            <a:r>
-              <a:rPr lang="en-US" altLang="ko-KR" sz="1400" dirty="0" smtClean="0">
-                <a:ln>
-                  <a:solidFill>
-                    <a:schemeClr val="tx1">
-                      <a:alpha val="29000"/>
-                    </a:schemeClr>
-                  </a:solidFill>
-                </a:ln>
-                <a:latin typeface="+mn-ea"/>
-                <a:cs typeface="맑은 고딕 Semilight" panose="020B0502040204020203" pitchFamily="50" charset="-127"/>
-                <a:sym typeface="Wingdings" panose="05000000000000000000" pitchFamily="2" charset="2"/>
-              </a:rPr>
-              <a:t>html</a:t>
-            </a:r>
-            <a:r>
-              <a:rPr lang="en-US" altLang="ko-KR" sz="1400" dirty="0" smtClean="0">
-                <a:ln>
-                  <a:solidFill>
-                    <a:schemeClr val="tx1">
-                      <a:alpha val="29000"/>
-                    </a:schemeClr>
-                  </a:solidFill>
-                </a:ln>
-                <a:latin typeface="+mn-ea"/>
-                <a:cs typeface="맑은 고딕 Semilight" panose="020B0502040204020203" pitchFamily="50" charset="-127"/>
-                <a:sym typeface="Wingdings" panose="05000000000000000000" pitchFamily="2" charset="2"/>
-              </a:rPr>
-              <a:t> </a:t>
+              <a:t>.html </a:t>
             </a:r>
             <a:r>
               <a:rPr lang="ko-KR" altLang="en-US" sz="1400" dirty="0" smtClean="0">
@@ -17151,22 +17711,7 @@
                 <a:cs typeface="맑은 고딕 Semilight" panose="020B0502040204020203" pitchFamily="50" charset="-127"/>
                 <a:sym typeface="Wingdings" panose="05000000000000000000" pitchFamily="2" charset="2"/>
               </a:rPr>
-              <a:t>파일을 생성하고 </a:t>
-            </a:r>
-            <a:r>
-              <a:rPr lang="ko-KR" altLang="en-US" sz="1400" dirty="0" smtClean="0">
-                <a:ln>
-                  <a:solidFill>
-                    <a:schemeClr val="tx1">
-                      <a:alpha val="29000"/>
-                    </a:schemeClr>
-                  </a:solidFill>
-                </a:ln>
-                <a:latin typeface="+mn-ea"/>
-                <a:cs typeface="맑은 고딕 Semilight" panose="020B0502040204020203" pitchFamily="50" charset="-127"/>
-                <a:sym typeface="Wingdings" panose="05000000000000000000" pitchFamily="2" charset="2"/>
-              </a:rPr>
-              <a:t>파일에 </a:t>
+              <a:t>파일을 생성하고 파일에 </a:t>
             </a:r>
             <a:r>
               <a:rPr lang="en-US" altLang="ko-KR" sz="1400" dirty="0" smtClean="0">
@@ -17550,7 +18095,7 @@
   <a:extraClrSchemeLst/>
   <a:extLst>
     <a:ext uri="{05A4C25C-085E-4340-85A3-A5531E510DB2}">
-      <thm15:themeFamily xmlns:thm15="http://schemas.microsoft.com/office/thememl/2012/main" xmlns="" name="Office Theme" id="{62F939B6-93AF-4DB8-9C6B-D6C7DFDC589F}" vid="{4A3C46E8-61CC-4603-A589-7422A47A8E4A}"/>
+      <thm15:themeFamily xmlns:thm15="http://schemas.microsoft.com/office/thememl/2012/main" name="Office Theme" id="{62F939B6-93AF-4DB8-9C6B-D6C7DFDC589F}" vid="{4A3C46E8-61CC-4603-A589-7422A47A8E4A}"/>
     </a:ext>
   </a:extLst>
 </a:theme>
@@ -17811,7 +18356,7 @@
   <a:extraClrSchemeLst/>
   <a:extLst>
     <a:ext uri="{05A4C25C-085E-4340-85A3-A5531E510DB2}">
-      <thm15:themeFamily xmlns:thm15="http://schemas.microsoft.com/office/thememl/2012/main" xmlns="" name="Office Theme" id="{62F939B6-93AF-4DB8-9C6B-D6C7DFDC589F}" vid="{4A3C46E8-61CC-4603-A589-7422A47A8E4A}"/>
+      <thm15:themeFamily xmlns:thm15="http://schemas.microsoft.com/office/thememl/2012/main" name="Office Theme" id="{62F939B6-93AF-4DB8-9C6B-D6C7DFDC589F}" vid="{4A3C46E8-61CC-4603-A589-7422A47A8E4A}"/>
     </a:ext>
   </a:extLst>
 </a:theme>
@@ -18072,7 +18617,7 @@
   <a:extraClrSchemeLst/>
   <a:extLst>
     <a:ext uri="{05A4C25C-085E-4340-85A3-A5531E510DB2}">
-      <thm15:themeFamily xmlns:thm15="http://schemas.microsoft.com/office/thememl/2012/main" xmlns="" name="Office Theme" id="{62F939B6-93AF-4DB8-9C6B-D6C7DFDC589F}" vid="{4A3C46E8-61CC-4603-A589-7422A47A8E4A}"/>
+      <thm15:themeFamily xmlns:thm15="http://schemas.microsoft.com/office/thememl/2012/main" name="Office Theme" id="{62F939B6-93AF-4DB8-9C6B-D6C7DFDC589F}" vid="{4A3C46E8-61CC-4603-A589-7422A47A8E4A}"/>
     </a:ext>
   </a:extLst>
 </a:theme>
